--- a/2019/II.  React/2.1 Вводная по react, компонентный подход/Презентация 2.1 react.pptx
+++ b/2019/II.  React/2.1 Вводная по react, компонентный подход/Презентация 2.1 react.pptx
@@ -6,7 +6,7 @@
     <p:sldMasterId id="2147483668" r:id="rId2"/>
   </p:sldMasterIdLst>
   <p:notesMasterIdLst>
-    <p:notesMasterId r:id="rId23"/>
+    <p:notesMasterId r:id="rId25"/>
   </p:notesMasterIdLst>
   <p:sldIdLst>
     <p:sldId id="256" r:id="rId3"/>
@@ -20,23 +20,30 @@
     <p:sldId id="285" r:id="rId11"/>
     <p:sldId id="286" r:id="rId12"/>
     <p:sldId id="271" r:id="rId13"/>
-    <p:sldId id="272" r:id="rId14"/>
-    <p:sldId id="261" r:id="rId15"/>
-    <p:sldId id="273" r:id="rId16"/>
-    <p:sldId id="265" r:id="rId17"/>
-    <p:sldId id="274" r:id="rId18"/>
-    <p:sldId id="288" r:id="rId19"/>
-    <p:sldId id="287" r:id="rId20"/>
-    <p:sldId id="283" r:id="rId21"/>
-    <p:sldId id="268" r:id="rId22"/>
+    <p:sldId id="290" r:id="rId14"/>
+    <p:sldId id="272" r:id="rId15"/>
+    <p:sldId id="261" r:id="rId16"/>
+    <p:sldId id="273" r:id="rId17"/>
+    <p:sldId id="265" r:id="rId18"/>
+    <p:sldId id="274" r:id="rId19"/>
+    <p:sldId id="288" r:id="rId20"/>
+    <p:sldId id="289" r:id="rId21"/>
+    <p:sldId id="287" r:id="rId22"/>
+    <p:sldId id="283" r:id="rId23"/>
+    <p:sldId id="268" r:id="rId24"/>
   </p:sldIdLst>
   <p:sldSz cx="9144000" cy="5143500" type="screen16x9"/>
   <p:notesSz cx="6858000" cy="9144000"/>
   <p:embeddedFontLst>
     <p:embeddedFont>
+      <p:font typeface="Adobe Garamond Pro" panose="02020502060506020403" pitchFamily="18" charset="0"/>
+      <p:regular r:id="rId26"/>
+      <p:italic r:id="rId27"/>
+    </p:embeddedFont>
+    <p:embeddedFont>
       <p:font typeface="Tahoma" panose="020B0604030504040204" pitchFamily="34" charset="0"/>
-      <p:regular r:id="rId24"/>
-      <p:bold r:id="rId25"/>
+      <p:regular r:id="rId28"/>
+      <p:bold r:id="rId29"/>
     </p:embeddedFont>
   </p:embeddedFontLst>
   <p:defaultTextStyle>
@@ -1219,6 +1226,133 @@
     </p:spTree>
     <p:extLst>
       <p:ext uri="{BB962C8B-B14F-4D97-AF65-F5344CB8AC3E}">
+        <p14:creationId xmlns:p14="http://schemas.microsoft.com/office/powerpoint/2010/main" val="788300319"/>
+      </p:ext>
+    </p:extLst>
+  </p:cSld>
+  <p:clrMapOvr>
+    <a:masterClrMapping/>
+  </p:clrMapOvr>
+</p:notes>
+</file>
+
+<file path=ppt/notesSlides/notesSlide13.xml><?xml version="1.0" encoding="utf-8"?>
+<p:notes xmlns:a="http://schemas.openxmlformats.org/drawingml/2006/main" xmlns:r="http://schemas.openxmlformats.org/officeDocument/2006/relationships" xmlns:p="http://schemas.openxmlformats.org/presentationml/2006/main" showMasterSp="0" showMasterPhAnim="0">
+  <p:cSld>
+    <p:spTree>
+      <p:nvGrpSpPr>
+        <p:cNvPr id="1" name="Shape 113"/>
+        <p:cNvGrpSpPr/>
+        <p:nvPr/>
+      </p:nvGrpSpPr>
+      <p:grpSpPr>
+        <a:xfrm>
+          <a:off x="0" y="0"/>
+          <a:ext cx="0" cy="0"/>
+          <a:chOff x="0" y="0"/>
+          <a:chExt cx="0" cy="0"/>
+        </a:xfrm>
+      </p:grpSpPr>
+      <p:sp>
+        <p:nvSpPr>
+          <p:cNvPr id="114" name="Google Shape;114;g582beb433c_2_62:notes"/>
+          <p:cNvSpPr txBox="1">
+            <a:spLocks noGrp="1"/>
+          </p:cNvSpPr>
+          <p:nvPr>
+            <p:ph type="body" idx="1"/>
+          </p:nvPr>
+        </p:nvSpPr>
+        <p:spPr>
+          <a:xfrm>
+            <a:off x="685800" y="4343400"/>
+            <a:ext cx="5486400" cy="4114800"/>
+          </a:xfrm>
+          <a:prstGeom prst="rect">
+            <a:avLst/>
+          </a:prstGeom>
+          <a:noFill/>
+          <a:ln>
+            <a:noFill/>
+          </a:ln>
+        </p:spPr>
+        <p:txBody>
+          <a:bodyPr spcFirstLastPara="1" wrap="square" lIns="91425" tIns="91425" rIns="91425" bIns="91425" anchor="t" anchorCtr="0">
+            <a:noAutofit/>
+          </a:bodyPr>
+          <a:lstStyle/>
+          <a:p>
+            <a:pPr marL="0" lvl="0" indent="0" algn="l" rtl="0">
+              <a:lnSpc>
+                <a:spcPct val="100000"/>
+              </a:lnSpc>
+              <a:spcBef>
+                <a:spcPts val="0"/>
+              </a:spcBef>
+              <a:spcAft>
+                <a:spcPts val="0"/>
+              </a:spcAft>
+              <a:buSzPts val="1100"/>
+              <a:buNone/>
+            </a:pPr>
+            <a:endParaRPr/>
+          </a:p>
+        </p:txBody>
+      </p:sp>
+      <p:sp>
+        <p:nvSpPr>
+          <p:cNvPr id="115" name="Google Shape;115;g582beb433c_2_62:notes"/>
+          <p:cNvSpPr>
+            <a:spLocks noGrp="1" noRot="1" noChangeAspect="1"/>
+          </p:cNvSpPr>
+          <p:nvPr>
+            <p:ph type="sldImg" idx="2"/>
+          </p:nvPr>
+        </p:nvSpPr>
+        <p:spPr>
+          <a:xfrm>
+            <a:off x="381000" y="685800"/>
+            <a:ext cx="6096000" cy="3429000"/>
+          </a:xfrm>
+          <a:custGeom>
+            <a:avLst/>
+            <a:gdLst/>
+            <a:ahLst/>
+            <a:cxnLst/>
+            <a:rect l="l" t="t" r="r" b="b"/>
+            <a:pathLst>
+              <a:path w="120000" h="120000" extrusionOk="0">
+                <a:moveTo>
+                  <a:pt x="0" y="0"/>
+                </a:moveTo>
+                <a:lnTo>
+                  <a:pt x="120000" y="0"/>
+                </a:lnTo>
+                <a:lnTo>
+                  <a:pt x="120000" y="120000"/>
+                </a:lnTo>
+                <a:lnTo>
+                  <a:pt x="0" y="120000"/>
+                </a:lnTo>
+                <a:close/>
+              </a:path>
+            </a:pathLst>
+          </a:custGeom>
+          <a:noFill/>
+          <a:ln w="9525" cap="flat" cmpd="sng">
+            <a:solidFill>
+              <a:srgbClr val="000000"/>
+            </a:solidFill>
+            <a:prstDash val="solid"/>
+            <a:round/>
+            <a:headEnd type="none" w="sm" len="sm"/>
+            <a:tailEnd type="none" w="sm" len="sm"/>
+          </a:ln>
+        </p:spPr>
+      </p:sp>
+    </p:spTree>
+    <p:extLst>
+      <p:ext uri="{BB962C8B-B14F-4D97-AF65-F5344CB8AC3E}">
         <p14:creationId xmlns:p14="http://schemas.microsoft.com/office/powerpoint/2010/main" val="3742790397"/>
       </p:ext>
     </p:extLst>
@@ -1229,7 +1363,7 @@
 </p:notes>
 </file>
 
-<file path=ppt/notesSlides/notesSlide13.xml><?xml version="1.0" encoding="utf-8"?>
+<file path=ppt/notesSlides/notesSlide14.xml><?xml version="1.0" encoding="utf-8"?>
 <p:notes xmlns:a="http://schemas.openxmlformats.org/drawingml/2006/main" xmlns:r="http://schemas.openxmlformats.org/officeDocument/2006/relationships" xmlns:p="http://schemas.openxmlformats.org/presentationml/2006/main" showMasterSp="0" showMasterPhAnim="0">
   <p:cSld>
     <p:spTree>
@@ -1351,7 +1485,7 @@
 </p:notes>
 </file>
 
-<file path=ppt/notesSlides/notesSlide14.xml><?xml version="1.0" encoding="utf-8"?>
+<file path=ppt/notesSlides/notesSlide15.xml><?xml version="1.0" encoding="utf-8"?>
 <p:notes xmlns:a="http://schemas.openxmlformats.org/drawingml/2006/main" xmlns:r="http://schemas.openxmlformats.org/officeDocument/2006/relationships" xmlns:p="http://schemas.openxmlformats.org/presentationml/2006/main" showMasterSp="0" showMasterPhAnim="0">
   <p:cSld>
     <p:spTree>
@@ -1471,128 +1605,6 @@
         <p14:creationId xmlns:p14="http://schemas.microsoft.com/office/powerpoint/2010/main" val="3940730823"/>
       </p:ext>
     </p:extLst>
-  </p:cSld>
-  <p:clrMapOvr>
-    <a:masterClrMapping/>
-  </p:clrMapOvr>
-</p:notes>
-</file>
-
-<file path=ppt/notesSlides/notesSlide15.xml><?xml version="1.0" encoding="utf-8"?>
-<p:notes xmlns:a="http://schemas.openxmlformats.org/drawingml/2006/main" xmlns:r="http://schemas.openxmlformats.org/officeDocument/2006/relationships" xmlns:p="http://schemas.openxmlformats.org/presentationml/2006/main" showMasterSp="0" showMasterPhAnim="0">
-  <p:cSld>
-    <p:spTree>
-      <p:nvGrpSpPr>
-        <p:cNvPr id="1" name="Shape 173"/>
-        <p:cNvGrpSpPr/>
-        <p:nvPr/>
-      </p:nvGrpSpPr>
-      <p:grpSpPr>
-        <a:xfrm>
-          <a:off x="0" y="0"/>
-          <a:ext cx="0" cy="0"/>
-          <a:chOff x="0" y="0"/>
-          <a:chExt cx="0" cy="0"/>
-        </a:xfrm>
-      </p:grpSpPr>
-      <p:sp>
-        <p:nvSpPr>
-          <p:cNvPr id="174" name="Google Shape;174;g56bd1cedad_0_2:notes"/>
-          <p:cNvSpPr>
-            <a:spLocks noGrp="1" noRot="1" noChangeAspect="1"/>
-          </p:cNvSpPr>
-          <p:nvPr>
-            <p:ph type="sldImg" idx="2"/>
-          </p:nvPr>
-        </p:nvSpPr>
-        <p:spPr>
-          <a:xfrm>
-            <a:off x="381000" y="685800"/>
-            <a:ext cx="6096000" cy="3429000"/>
-          </a:xfrm>
-          <a:custGeom>
-            <a:avLst/>
-            <a:gdLst/>
-            <a:ahLst/>
-            <a:cxnLst/>
-            <a:rect l="l" t="t" r="r" b="b"/>
-            <a:pathLst>
-              <a:path w="120000" h="120000" extrusionOk="0">
-                <a:moveTo>
-                  <a:pt x="0" y="0"/>
-                </a:moveTo>
-                <a:lnTo>
-                  <a:pt x="120000" y="0"/>
-                </a:lnTo>
-                <a:lnTo>
-                  <a:pt x="120000" y="120000"/>
-                </a:lnTo>
-                <a:lnTo>
-                  <a:pt x="0" y="120000"/>
-                </a:lnTo>
-                <a:close/>
-              </a:path>
-            </a:pathLst>
-          </a:custGeom>
-          <a:noFill/>
-          <a:ln w="9525" cap="flat" cmpd="sng">
-            <a:solidFill>
-              <a:srgbClr val="000000"/>
-            </a:solidFill>
-            <a:prstDash val="solid"/>
-            <a:round/>
-            <a:headEnd type="none" w="sm" len="sm"/>
-            <a:tailEnd type="none" w="sm" len="sm"/>
-          </a:ln>
-        </p:spPr>
-      </p:sp>
-      <p:sp>
-        <p:nvSpPr>
-          <p:cNvPr id="175" name="Google Shape;175;g56bd1cedad_0_2:notes"/>
-          <p:cNvSpPr txBox="1">
-            <a:spLocks noGrp="1"/>
-          </p:cNvSpPr>
-          <p:nvPr>
-            <p:ph type="body" idx="1"/>
-          </p:nvPr>
-        </p:nvSpPr>
-        <p:spPr>
-          <a:xfrm>
-            <a:off x="685800" y="4343400"/>
-            <a:ext cx="5486400" cy="4114800"/>
-          </a:xfrm>
-          <a:prstGeom prst="rect">
-            <a:avLst/>
-          </a:prstGeom>
-          <a:noFill/>
-          <a:ln>
-            <a:noFill/>
-          </a:ln>
-        </p:spPr>
-        <p:txBody>
-          <a:bodyPr spcFirstLastPara="1" wrap="square" lIns="91425" tIns="91425" rIns="91425" bIns="91425" anchor="t" anchorCtr="0">
-            <a:noAutofit/>
-          </a:bodyPr>
-          <a:lstStyle/>
-          <a:p>
-            <a:pPr marL="0" lvl="0" indent="0" algn="l" rtl="0">
-              <a:lnSpc>
-                <a:spcPct val="100000"/>
-              </a:lnSpc>
-              <a:spcBef>
-                <a:spcPts val="0"/>
-              </a:spcBef>
-              <a:spcAft>
-                <a:spcPts val="0"/>
-              </a:spcAft>
-              <a:buSzPts val="1100"/>
-              <a:buNone/>
-            </a:pPr>
-            <a:endParaRPr/>
-          </a:p>
-        </p:txBody>
-      </p:sp>
-    </p:spTree>
   </p:cSld>
   <p:clrMapOvr>
     <a:masterClrMapping/>
@@ -1715,11 +1727,6 @@
         </p:txBody>
       </p:sp>
     </p:spTree>
-    <p:extLst>
-      <p:ext uri="{BB962C8B-B14F-4D97-AF65-F5344CB8AC3E}">
-        <p14:creationId xmlns:p14="http://schemas.microsoft.com/office/powerpoint/2010/main" val="4520801"/>
-      </p:ext>
-    </p:extLst>
   </p:cSld>
   <p:clrMapOvr>
     <a:masterClrMapping/>
@@ -1844,6 +1851,133 @@
     </p:spTree>
     <p:extLst>
       <p:ext uri="{BB962C8B-B14F-4D97-AF65-F5344CB8AC3E}">
+        <p14:creationId xmlns:p14="http://schemas.microsoft.com/office/powerpoint/2010/main" val="4520801"/>
+      </p:ext>
+    </p:extLst>
+  </p:cSld>
+  <p:clrMapOvr>
+    <a:masterClrMapping/>
+  </p:clrMapOvr>
+</p:notes>
+</file>
+
+<file path=ppt/notesSlides/notesSlide18.xml><?xml version="1.0" encoding="utf-8"?>
+<p:notes xmlns:a="http://schemas.openxmlformats.org/drawingml/2006/main" xmlns:r="http://schemas.openxmlformats.org/officeDocument/2006/relationships" xmlns:p="http://schemas.openxmlformats.org/presentationml/2006/main" showMasterSp="0" showMasterPhAnim="0">
+  <p:cSld>
+    <p:spTree>
+      <p:nvGrpSpPr>
+        <p:cNvPr id="1" name="Shape 173"/>
+        <p:cNvGrpSpPr/>
+        <p:nvPr/>
+      </p:nvGrpSpPr>
+      <p:grpSpPr>
+        <a:xfrm>
+          <a:off x="0" y="0"/>
+          <a:ext cx="0" cy="0"/>
+          <a:chOff x="0" y="0"/>
+          <a:chExt cx="0" cy="0"/>
+        </a:xfrm>
+      </p:grpSpPr>
+      <p:sp>
+        <p:nvSpPr>
+          <p:cNvPr id="174" name="Google Shape;174;g56bd1cedad_0_2:notes"/>
+          <p:cNvSpPr>
+            <a:spLocks noGrp="1" noRot="1" noChangeAspect="1"/>
+          </p:cNvSpPr>
+          <p:nvPr>
+            <p:ph type="sldImg" idx="2"/>
+          </p:nvPr>
+        </p:nvSpPr>
+        <p:spPr>
+          <a:xfrm>
+            <a:off x="381000" y="685800"/>
+            <a:ext cx="6096000" cy="3429000"/>
+          </a:xfrm>
+          <a:custGeom>
+            <a:avLst/>
+            <a:gdLst/>
+            <a:ahLst/>
+            <a:cxnLst/>
+            <a:rect l="l" t="t" r="r" b="b"/>
+            <a:pathLst>
+              <a:path w="120000" h="120000" extrusionOk="0">
+                <a:moveTo>
+                  <a:pt x="0" y="0"/>
+                </a:moveTo>
+                <a:lnTo>
+                  <a:pt x="120000" y="0"/>
+                </a:lnTo>
+                <a:lnTo>
+                  <a:pt x="120000" y="120000"/>
+                </a:lnTo>
+                <a:lnTo>
+                  <a:pt x="0" y="120000"/>
+                </a:lnTo>
+                <a:close/>
+              </a:path>
+            </a:pathLst>
+          </a:custGeom>
+          <a:noFill/>
+          <a:ln w="9525" cap="flat" cmpd="sng">
+            <a:solidFill>
+              <a:srgbClr val="000000"/>
+            </a:solidFill>
+            <a:prstDash val="solid"/>
+            <a:round/>
+            <a:headEnd type="none" w="sm" len="sm"/>
+            <a:tailEnd type="none" w="sm" len="sm"/>
+          </a:ln>
+        </p:spPr>
+      </p:sp>
+      <p:sp>
+        <p:nvSpPr>
+          <p:cNvPr id="175" name="Google Shape;175;g56bd1cedad_0_2:notes"/>
+          <p:cNvSpPr txBox="1">
+            <a:spLocks noGrp="1"/>
+          </p:cNvSpPr>
+          <p:nvPr>
+            <p:ph type="body" idx="1"/>
+          </p:nvPr>
+        </p:nvSpPr>
+        <p:spPr>
+          <a:xfrm>
+            <a:off x="685800" y="4343400"/>
+            <a:ext cx="5486400" cy="4114800"/>
+          </a:xfrm>
+          <a:prstGeom prst="rect">
+            <a:avLst/>
+          </a:prstGeom>
+          <a:noFill/>
+          <a:ln>
+            <a:noFill/>
+          </a:ln>
+        </p:spPr>
+        <p:txBody>
+          <a:bodyPr spcFirstLastPara="1" wrap="square" lIns="91425" tIns="91425" rIns="91425" bIns="91425" anchor="t" anchorCtr="0">
+            <a:noAutofit/>
+          </a:bodyPr>
+          <a:lstStyle/>
+          <a:p>
+            <a:pPr marL="0" lvl="0" indent="0" algn="l" rtl="0">
+              <a:lnSpc>
+                <a:spcPct val="100000"/>
+              </a:lnSpc>
+              <a:spcBef>
+                <a:spcPts val="0"/>
+              </a:spcBef>
+              <a:spcAft>
+                <a:spcPts val="0"/>
+              </a:spcAft>
+              <a:buSzPts val="1100"/>
+              <a:buNone/>
+            </a:pPr>
+            <a:endParaRPr/>
+          </a:p>
+        </p:txBody>
+      </p:sp>
+    </p:spTree>
+    <p:extLst>
+      <p:ext uri="{BB962C8B-B14F-4D97-AF65-F5344CB8AC3E}">
         <p14:creationId xmlns:p14="http://schemas.microsoft.com/office/powerpoint/2010/main" val="570760199"/>
       </p:ext>
     </p:extLst>
@@ -1854,7 +1988,238 @@
 </p:notes>
 </file>
 
-<file path=ppt/notesSlides/notesSlide18.xml><?xml version="1.0" encoding="utf-8"?>
+<file path=ppt/notesSlides/notesSlide19.xml><?xml version="1.0" encoding="utf-8"?>
+<p:notes xmlns:a="http://schemas.openxmlformats.org/drawingml/2006/main" xmlns:r="http://schemas.openxmlformats.org/officeDocument/2006/relationships" xmlns:p="http://schemas.openxmlformats.org/presentationml/2006/main" showMasterSp="0" showMasterPhAnim="0">
+  <p:cSld>
+    <p:spTree>
+      <p:nvGrpSpPr>
+        <p:cNvPr id="1" name="Shape 173"/>
+        <p:cNvGrpSpPr/>
+        <p:nvPr/>
+      </p:nvGrpSpPr>
+      <p:grpSpPr>
+        <a:xfrm>
+          <a:off x="0" y="0"/>
+          <a:ext cx="0" cy="0"/>
+          <a:chOff x="0" y="0"/>
+          <a:chExt cx="0" cy="0"/>
+        </a:xfrm>
+      </p:grpSpPr>
+      <p:sp>
+        <p:nvSpPr>
+          <p:cNvPr id="174" name="Google Shape;174;g56bd1cedad_0_2:notes"/>
+          <p:cNvSpPr>
+            <a:spLocks noGrp="1" noRot="1" noChangeAspect="1"/>
+          </p:cNvSpPr>
+          <p:nvPr>
+            <p:ph type="sldImg" idx="2"/>
+          </p:nvPr>
+        </p:nvSpPr>
+        <p:spPr>
+          <a:xfrm>
+            <a:off x="381000" y="685800"/>
+            <a:ext cx="6096000" cy="3429000"/>
+          </a:xfrm>
+          <a:custGeom>
+            <a:avLst/>
+            <a:gdLst/>
+            <a:ahLst/>
+            <a:cxnLst/>
+            <a:rect l="l" t="t" r="r" b="b"/>
+            <a:pathLst>
+              <a:path w="120000" h="120000" extrusionOk="0">
+                <a:moveTo>
+                  <a:pt x="0" y="0"/>
+                </a:moveTo>
+                <a:lnTo>
+                  <a:pt x="120000" y="0"/>
+                </a:lnTo>
+                <a:lnTo>
+                  <a:pt x="120000" y="120000"/>
+                </a:lnTo>
+                <a:lnTo>
+                  <a:pt x="0" y="120000"/>
+                </a:lnTo>
+                <a:close/>
+              </a:path>
+            </a:pathLst>
+          </a:custGeom>
+          <a:noFill/>
+          <a:ln w="9525" cap="flat" cmpd="sng">
+            <a:solidFill>
+              <a:srgbClr val="000000"/>
+            </a:solidFill>
+            <a:prstDash val="solid"/>
+            <a:round/>
+            <a:headEnd type="none" w="sm" len="sm"/>
+            <a:tailEnd type="none" w="sm" len="sm"/>
+          </a:ln>
+        </p:spPr>
+      </p:sp>
+      <p:sp>
+        <p:nvSpPr>
+          <p:cNvPr id="175" name="Google Shape;175;g56bd1cedad_0_2:notes"/>
+          <p:cNvSpPr txBox="1">
+            <a:spLocks noGrp="1"/>
+          </p:cNvSpPr>
+          <p:nvPr>
+            <p:ph type="body" idx="1"/>
+          </p:nvPr>
+        </p:nvSpPr>
+        <p:spPr>
+          <a:xfrm>
+            <a:off x="685800" y="4343400"/>
+            <a:ext cx="5486400" cy="4114800"/>
+          </a:xfrm>
+          <a:prstGeom prst="rect">
+            <a:avLst/>
+          </a:prstGeom>
+          <a:noFill/>
+          <a:ln>
+            <a:noFill/>
+          </a:ln>
+        </p:spPr>
+        <p:txBody>
+          <a:bodyPr spcFirstLastPara="1" wrap="square" lIns="91425" tIns="91425" rIns="91425" bIns="91425" anchor="t" anchorCtr="0">
+            <a:noAutofit/>
+          </a:bodyPr>
+          <a:lstStyle/>
+          <a:p>
+            <a:pPr marL="0" lvl="0" indent="0" algn="l" rtl="0">
+              <a:lnSpc>
+                <a:spcPct val="100000"/>
+              </a:lnSpc>
+              <a:spcBef>
+                <a:spcPts val="0"/>
+              </a:spcBef>
+              <a:spcAft>
+                <a:spcPts val="0"/>
+              </a:spcAft>
+              <a:buSzPts val="1100"/>
+              <a:buNone/>
+            </a:pPr>
+            <a:endParaRPr/>
+          </a:p>
+        </p:txBody>
+      </p:sp>
+    </p:spTree>
+    <p:extLst>
+      <p:ext uri="{BB962C8B-B14F-4D97-AF65-F5344CB8AC3E}">
+        <p14:creationId xmlns:p14="http://schemas.microsoft.com/office/powerpoint/2010/main" val="3020629359"/>
+      </p:ext>
+    </p:extLst>
+  </p:cSld>
+  <p:clrMapOvr>
+    <a:masterClrMapping/>
+  </p:clrMapOvr>
+</p:notes>
+</file>
+
+<file path=ppt/notesSlides/notesSlide2.xml><?xml version="1.0" encoding="utf-8"?>
+<p:notes xmlns:a="http://schemas.openxmlformats.org/drawingml/2006/main" xmlns:r="http://schemas.openxmlformats.org/officeDocument/2006/relationships" xmlns:p="http://schemas.openxmlformats.org/presentationml/2006/main" showMasterSp="0" showMasterPhAnim="0">
+  <p:cSld>
+    <p:spTree>
+      <p:nvGrpSpPr>
+        <p:cNvPr id="1" name="Shape 94"/>
+        <p:cNvGrpSpPr/>
+        <p:nvPr/>
+      </p:nvGrpSpPr>
+      <p:grpSpPr>
+        <a:xfrm>
+          <a:off x="0" y="0"/>
+          <a:ext cx="0" cy="0"/>
+          <a:chOff x="0" y="0"/>
+          <a:chExt cx="0" cy="0"/>
+        </a:xfrm>
+      </p:grpSpPr>
+      <p:sp>
+        <p:nvSpPr>
+          <p:cNvPr id="95" name="Google Shape;95;g582beb433c_0_44:notes"/>
+          <p:cNvSpPr txBox="1">
+            <a:spLocks noGrp="1"/>
+          </p:cNvSpPr>
+          <p:nvPr>
+            <p:ph type="body" idx="1"/>
+          </p:nvPr>
+        </p:nvSpPr>
+        <p:spPr>
+          <a:xfrm>
+            <a:off x="685800" y="4343400"/>
+            <a:ext cx="5486400" cy="4114800"/>
+          </a:xfrm>
+          <a:prstGeom prst="rect">
+            <a:avLst/>
+          </a:prstGeom>
+        </p:spPr>
+        <p:txBody>
+          <a:bodyPr spcFirstLastPara="1" wrap="square" lIns="91425" tIns="91425" rIns="91425" bIns="91425" anchor="t" anchorCtr="0">
+            <a:noAutofit/>
+          </a:bodyPr>
+          <a:lstStyle/>
+          <a:p>
+            <a:pPr marL="0" lvl="0" indent="0" algn="l" rtl="0">
+              <a:spcBef>
+                <a:spcPts val="0"/>
+              </a:spcBef>
+              <a:spcAft>
+                <a:spcPts val="0"/>
+              </a:spcAft>
+              <a:buNone/>
+            </a:pPr>
+            <a:endParaRPr/>
+          </a:p>
+        </p:txBody>
+      </p:sp>
+      <p:sp>
+        <p:nvSpPr>
+          <p:cNvPr id="96" name="Google Shape;96;g582beb433c_0_44:notes"/>
+          <p:cNvSpPr>
+            <a:spLocks noGrp="1" noRot="1" noChangeAspect="1"/>
+          </p:cNvSpPr>
+          <p:nvPr>
+            <p:ph type="sldImg" idx="2"/>
+          </p:nvPr>
+        </p:nvSpPr>
+        <p:spPr>
+          <a:xfrm>
+            <a:off x="381000" y="685800"/>
+            <a:ext cx="6096000" cy="3429000"/>
+          </a:xfrm>
+          <a:custGeom>
+            <a:avLst/>
+            <a:gdLst/>
+            <a:ahLst/>
+            <a:cxnLst/>
+            <a:rect l="l" t="t" r="r" b="b"/>
+            <a:pathLst>
+              <a:path w="120000" h="120000" extrusionOk="0">
+                <a:moveTo>
+                  <a:pt x="0" y="0"/>
+                </a:moveTo>
+                <a:lnTo>
+                  <a:pt x="120000" y="0"/>
+                </a:lnTo>
+                <a:lnTo>
+                  <a:pt x="120000" y="120000"/>
+                </a:lnTo>
+                <a:lnTo>
+                  <a:pt x="0" y="120000"/>
+                </a:lnTo>
+                <a:close/>
+              </a:path>
+            </a:pathLst>
+          </a:custGeom>
+        </p:spPr>
+      </p:sp>
+    </p:spTree>
+  </p:cSld>
+  <p:clrMapOvr>
+    <a:masterClrMapping/>
+  </p:clrMapOvr>
+</p:notes>
+</file>
+
+<file path=ppt/notesSlides/notesSlide20.xml><?xml version="1.0" encoding="utf-8"?>
 <p:notes xmlns:a="http://schemas.openxmlformats.org/drawingml/2006/main" xmlns:r="http://schemas.openxmlformats.org/officeDocument/2006/relationships" xmlns:p="http://schemas.openxmlformats.org/presentationml/2006/main" showMasterSp="0" showMasterPhAnim="0">
   <p:cSld>
     <p:spTree>
@@ -1981,7 +2346,7 @@
 </p:notes>
 </file>
 
-<file path=ppt/notesSlides/notesSlide19.xml><?xml version="1.0" encoding="utf-8"?>
+<file path=ppt/notesSlides/notesSlide21.xml><?xml version="1.0" encoding="utf-8"?>
 <p:notes xmlns:a="http://schemas.openxmlformats.org/drawingml/2006/main" xmlns:r="http://schemas.openxmlformats.org/officeDocument/2006/relationships" xmlns:p="http://schemas.openxmlformats.org/presentationml/2006/main" showMasterSp="0" showMasterPhAnim="0">
   <p:cSld>
     <p:spTree>
@@ -2050,110 +2415,6 @@
           <a:xfrm>
             <a:off x="381300" y="685800"/>
             <a:ext cx="6096075" cy="3429000"/>
-          </a:xfrm>
-          <a:custGeom>
-            <a:avLst/>
-            <a:gdLst/>
-            <a:ahLst/>
-            <a:cxnLst/>
-            <a:rect l="l" t="t" r="r" b="b"/>
-            <a:pathLst>
-              <a:path w="120000" h="120000" extrusionOk="0">
-                <a:moveTo>
-                  <a:pt x="0" y="0"/>
-                </a:moveTo>
-                <a:lnTo>
-                  <a:pt x="120000" y="0"/>
-                </a:lnTo>
-                <a:lnTo>
-                  <a:pt x="120000" y="120000"/>
-                </a:lnTo>
-                <a:lnTo>
-                  <a:pt x="0" y="120000"/>
-                </a:lnTo>
-                <a:close/>
-              </a:path>
-            </a:pathLst>
-          </a:custGeom>
-        </p:spPr>
-      </p:sp>
-    </p:spTree>
-  </p:cSld>
-  <p:clrMapOvr>
-    <a:masterClrMapping/>
-  </p:clrMapOvr>
-</p:notes>
-</file>
-
-<file path=ppt/notesSlides/notesSlide2.xml><?xml version="1.0" encoding="utf-8"?>
-<p:notes xmlns:a="http://schemas.openxmlformats.org/drawingml/2006/main" xmlns:r="http://schemas.openxmlformats.org/officeDocument/2006/relationships" xmlns:p="http://schemas.openxmlformats.org/presentationml/2006/main" showMasterSp="0" showMasterPhAnim="0">
-  <p:cSld>
-    <p:spTree>
-      <p:nvGrpSpPr>
-        <p:cNvPr id="1" name="Shape 94"/>
-        <p:cNvGrpSpPr/>
-        <p:nvPr/>
-      </p:nvGrpSpPr>
-      <p:grpSpPr>
-        <a:xfrm>
-          <a:off x="0" y="0"/>
-          <a:ext cx="0" cy="0"/>
-          <a:chOff x="0" y="0"/>
-          <a:chExt cx="0" cy="0"/>
-        </a:xfrm>
-      </p:grpSpPr>
-      <p:sp>
-        <p:nvSpPr>
-          <p:cNvPr id="95" name="Google Shape;95;g582beb433c_0_44:notes"/>
-          <p:cNvSpPr txBox="1">
-            <a:spLocks noGrp="1"/>
-          </p:cNvSpPr>
-          <p:nvPr>
-            <p:ph type="body" idx="1"/>
-          </p:nvPr>
-        </p:nvSpPr>
-        <p:spPr>
-          <a:xfrm>
-            <a:off x="685800" y="4343400"/>
-            <a:ext cx="5486400" cy="4114800"/>
-          </a:xfrm>
-          <a:prstGeom prst="rect">
-            <a:avLst/>
-          </a:prstGeom>
-        </p:spPr>
-        <p:txBody>
-          <a:bodyPr spcFirstLastPara="1" wrap="square" lIns="91425" tIns="91425" rIns="91425" bIns="91425" anchor="t" anchorCtr="0">
-            <a:noAutofit/>
-          </a:bodyPr>
-          <a:lstStyle/>
-          <a:p>
-            <a:pPr marL="0" lvl="0" indent="0" algn="l" rtl="0">
-              <a:spcBef>
-                <a:spcPts val="0"/>
-              </a:spcBef>
-              <a:spcAft>
-                <a:spcPts val="0"/>
-              </a:spcAft>
-              <a:buNone/>
-            </a:pPr>
-            <a:endParaRPr/>
-          </a:p>
-        </p:txBody>
-      </p:sp>
-      <p:sp>
-        <p:nvSpPr>
-          <p:cNvPr id="96" name="Google Shape;96;g582beb433c_0_44:notes"/>
-          <p:cNvSpPr>
-            <a:spLocks noGrp="1" noRot="1" noChangeAspect="1"/>
-          </p:cNvSpPr>
-          <p:nvPr>
-            <p:ph type="sldImg" idx="2"/>
-          </p:nvPr>
-        </p:nvSpPr>
-        <p:spPr>
-          <a:xfrm>
-            <a:off x="381000" y="685800"/>
-            <a:ext cx="6096000" cy="3429000"/>
           </a:xfrm>
           <a:custGeom>
             <a:avLst/>
@@ -14686,7 +14947,7 @@
         </p:nvSpPr>
         <p:spPr bwMode="auto">
           <a:xfrm>
-            <a:off x="702743" y="3079576"/>
+            <a:off x="711289" y="3294461"/>
             <a:ext cx="3696103" cy="359073"/>
           </a:xfrm>
           <a:prstGeom prst="rect">
@@ -14818,7 +15079,7 @@
         <p:spPr>
           <a:xfrm>
             <a:off x="567891" y="3653534"/>
-            <a:ext cx="3590223" cy="694742"/>
+            <a:ext cx="3590223" cy="371577"/>
           </a:xfrm>
           <a:prstGeom prst="rect">
             <a:avLst/>
@@ -14848,36 +15109,6 @@
                 <a:sym typeface="Tahoma"/>
               </a:rPr>
               <a:t>renderToString</a:t>
-            </a:r>
-            <a:endParaRPr lang="en-US" dirty="0">
-              <a:solidFill>
-                <a:schemeClr val="tx1"/>
-              </a:solidFill>
-              <a:latin typeface="Tahoma"/>
-              <a:ea typeface="Tahoma"/>
-              <a:cs typeface="Tahoma"/>
-              <a:sym typeface="Tahoma"/>
-            </a:endParaRPr>
-          </a:p>
-          <a:p>
-            <a:pPr marL="425450" lvl="0" indent="-285750">
-              <a:lnSpc>
-                <a:spcPct val="150000"/>
-              </a:lnSpc>
-              <a:buFont typeface="Arial" panose="020B0604020202020204" pitchFamily="34" charset="0"/>
-              <a:buChar char="•"/>
-            </a:pPr>
-            <a:r>
-              <a:rPr lang="en-US" dirty="0" err="1">
-                <a:solidFill>
-                  <a:schemeClr val="tx1"/>
-                </a:solidFill>
-                <a:latin typeface="Tahoma"/>
-                <a:ea typeface="Tahoma"/>
-                <a:cs typeface="Tahoma"/>
-                <a:sym typeface="Tahoma"/>
-              </a:rPr>
-              <a:t>renderToStaticMarkup</a:t>
             </a:r>
             <a:endParaRPr lang="en-US" dirty="0">
               <a:solidFill>
@@ -17909,7 +18140,7 @@
     </p:spTree>
     <p:extLst>
       <p:ext uri="{BB962C8B-B14F-4D97-AF65-F5344CB8AC3E}">
-        <p14:creationId xmlns:p14="http://schemas.microsoft.com/office/powerpoint/2010/main" val="3017207059"/>
+        <p14:creationId xmlns:p14="http://schemas.microsoft.com/office/powerpoint/2010/main" val="2612942636"/>
       </p:ext>
     </p:extLst>
   </p:cSld>
@@ -18850,7 +19081,7 @@
   <p:cSld>
     <p:spTree>
       <p:nvGrpSpPr>
-        <p:cNvPr id="1" name="Shape 140"/>
+        <p:cNvPr id="1" name="Shape 116"/>
         <p:cNvGrpSpPr/>
         <p:nvPr/>
       </p:nvGrpSpPr>
@@ -18864,7 +19095,134 @@
       </p:grpSpPr>
       <p:grpSp>
         <p:nvGrpSpPr>
-          <p:cNvPr id="141" name="Google Shape;141;p27"/>
+          <p:cNvPr id="7" name="Группа 6">
+            <a:extLst>
+              <a:ext uri="{FF2B5EF4-FFF2-40B4-BE49-F238E27FC236}">
+                <a16:creationId xmlns:a16="http://schemas.microsoft.com/office/drawing/2014/main" id="{8C841AB7-2EE7-4094-9251-46694B2C408F}"/>
+              </a:ext>
+            </a:extLst>
+          </p:cNvPr>
+          <p:cNvGrpSpPr/>
+          <p:nvPr/>
+        </p:nvGrpSpPr>
+        <p:grpSpPr>
+          <a:xfrm>
+            <a:off x="181525" y="787400"/>
+            <a:ext cx="8818543" cy="4075601"/>
+            <a:chOff x="181525" y="787400"/>
+            <a:chExt cx="8818543" cy="4075601"/>
+          </a:xfrm>
+        </p:grpSpPr>
+        <p:sp>
+          <p:nvSpPr>
+            <p:cNvPr id="3" name="Прямоугольник: скругленные углы 2">
+              <a:extLst>
+                <a:ext uri="{FF2B5EF4-FFF2-40B4-BE49-F238E27FC236}">
+                  <a16:creationId xmlns:a16="http://schemas.microsoft.com/office/drawing/2014/main" id="{5B0DABF4-EACC-4821-875F-91DA30AA32F6}"/>
+                </a:ext>
+              </a:extLst>
+            </p:cNvPr>
+            <p:cNvSpPr/>
+            <p:nvPr/>
+          </p:nvSpPr>
+          <p:spPr>
+            <a:xfrm>
+              <a:off x="181526" y="787400"/>
+              <a:ext cx="8818542" cy="4075600"/>
+            </a:xfrm>
+            <a:prstGeom prst="roundRect">
+              <a:avLst>
+                <a:gd name="adj" fmla="val 2074"/>
+              </a:avLst>
+            </a:prstGeom>
+            <a:solidFill>
+              <a:srgbClr val="7030A0"/>
+            </a:solidFill>
+            <a:ln>
+              <a:noFill/>
+            </a:ln>
+          </p:spPr>
+          <p:style>
+            <a:lnRef idx="2">
+              <a:schemeClr val="accent1">
+                <a:shade val="50000"/>
+              </a:schemeClr>
+            </a:lnRef>
+            <a:fillRef idx="1">
+              <a:schemeClr val="accent1"/>
+            </a:fillRef>
+            <a:effectRef idx="0">
+              <a:schemeClr val="accent1"/>
+            </a:effectRef>
+            <a:fontRef idx="minor">
+              <a:schemeClr val="lt1"/>
+            </a:fontRef>
+          </p:style>
+          <p:txBody>
+            <a:bodyPr rtlCol="0" anchor="ctr"/>
+            <a:lstStyle/>
+            <a:p>
+              <a:pPr algn="ctr"/>
+              <a:endParaRPr lang="ru-RU"/>
+            </a:p>
+          </p:txBody>
+        </p:sp>
+        <p:sp>
+          <p:nvSpPr>
+            <p:cNvPr id="6" name="Прямоугольник: скругленные верхние углы 5">
+              <a:extLst>
+                <a:ext uri="{FF2B5EF4-FFF2-40B4-BE49-F238E27FC236}">
+                  <a16:creationId xmlns:a16="http://schemas.microsoft.com/office/drawing/2014/main" id="{D63B2741-2831-4BBF-844C-244E93F77F3C}"/>
+                </a:ext>
+              </a:extLst>
+            </p:cNvPr>
+            <p:cNvSpPr/>
+            <p:nvPr/>
+          </p:nvSpPr>
+          <p:spPr>
+            <a:xfrm rot="16200000">
+              <a:off x="358233" y="610692"/>
+              <a:ext cx="4075601" cy="4429018"/>
+            </a:xfrm>
+            <a:prstGeom prst="round2SameRect">
+              <a:avLst>
+                <a:gd name="adj1" fmla="val 1944"/>
+                <a:gd name="adj2" fmla="val 0"/>
+              </a:avLst>
+            </a:prstGeom>
+            <a:ln>
+              <a:noFill/>
+            </a:ln>
+          </p:spPr>
+          <p:style>
+            <a:lnRef idx="2">
+              <a:schemeClr val="accent1">
+                <a:shade val="50000"/>
+              </a:schemeClr>
+            </a:lnRef>
+            <a:fillRef idx="1">
+              <a:schemeClr val="accent1"/>
+            </a:fillRef>
+            <a:effectRef idx="0">
+              <a:schemeClr val="accent1"/>
+            </a:effectRef>
+            <a:fontRef idx="minor">
+              <a:schemeClr val="lt1"/>
+            </a:fontRef>
+          </p:style>
+          <p:txBody>
+            <a:bodyPr rtlCol="0" anchor="ctr"/>
+            <a:lstStyle/>
+            <a:p>
+              <a:pPr algn="ctr"/>
+              <a:endParaRPr lang="ru-RU"/>
+            </a:p>
+          </p:txBody>
+        </p:sp>
+      </p:grpSp>
+      <p:grpSp>
+        <p:nvGrpSpPr>
+          <p:cNvPr id="117" name="Google Shape;117;p25"/>
           <p:cNvGrpSpPr/>
           <p:nvPr/>
         </p:nvGrpSpPr>
@@ -18878,7 +19236,7 @@
         </p:grpSpPr>
         <p:sp>
           <p:nvSpPr>
-            <p:cNvPr id="142" name="Google Shape;142;p27"/>
+            <p:cNvPr id="118" name="Google Shape;118;p25"/>
             <p:cNvSpPr/>
             <p:nvPr/>
           </p:nvSpPr>
@@ -18940,7 +19298,7 @@
         </p:sp>
         <p:sp>
           <p:nvSpPr>
-            <p:cNvPr id="143" name="Google Shape;143;p27"/>
+            <p:cNvPr id="119" name="Google Shape;119;p25"/>
             <p:cNvSpPr txBox="1"/>
             <p:nvPr/>
           </p:nvSpPr>
@@ -18981,6 +19339,18 @@
                 <a:buNone/>
               </a:pPr>
               <a:r>
+                <a:rPr lang="ru-RU" sz="2000" dirty="0">
+                  <a:solidFill>
+                    <a:srgbClr val="FFFFFF"/>
+                  </a:solidFill>
+                  <a:latin typeface="Tahoma"/>
+                  <a:ea typeface="Tahoma"/>
+                  <a:cs typeface="Tahoma"/>
+                  <a:sym typeface="Tahoma"/>
+                </a:rPr>
+                <a:t>Виртуальный </a:t>
+              </a:r>
+              <a:r>
                 <a:rPr lang="en-US" sz="2000" dirty="0">
                   <a:solidFill>
                     <a:srgbClr val="FFFFFF"/>
@@ -18990,7 +19360,7 @@
                   <a:cs typeface="Tahoma"/>
                   <a:sym typeface="Tahoma"/>
                 </a:rPr>
-                <a:t>Hello world</a:t>
+                <a:t>DOM</a:t>
               </a:r>
               <a:endParaRPr sz="1400" b="0" i="0" u="none" strike="noStrike" cap="none" dirty="0">
                 <a:solidFill>
@@ -19007,368 +19377,10 @@
       </p:grpSp>
       <p:sp>
         <p:nvSpPr>
-          <p:cNvPr id="144" name="Google Shape;144;p27"/>
-          <p:cNvSpPr txBox="1"/>
-          <p:nvPr/>
-        </p:nvSpPr>
-        <p:spPr>
-          <a:xfrm>
-            <a:off x="206100" y="1167725"/>
-            <a:ext cx="8731800" cy="2088300"/>
-          </a:xfrm>
-          <a:prstGeom prst="rect">
-            <a:avLst/>
-          </a:prstGeom>
-          <a:noFill/>
-          <a:ln>
-            <a:noFill/>
-          </a:ln>
-        </p:spPr>
-        <p:txBody>
-          <a:bodyPr spcFirstLastPara="1" wrap="square" lIns="91425" tIns="91425" rIns="91425" bIns="91425" anchor="t" anchorCtr="0">
-            <a:noAutofit/>
-          </a:bodyPr>
-          <a:lstStyle/>
-          <a:p>
-            <a:pPr marL="0" lvl="0" indent="0" algn="l" rtl="0">
-              <a:spcBef>
-                <a:spcPts val="0"/>
-              </a:spcBef>
-              <a:spcAft>
-                <a:spcPts val="0"/>
-              </a:spcAft>
-              <a:buClr>
-                <a:schemeClr val="dk1"/>
-              </a:buClr>
-              <a:buSzPts val="2000"/>
-              <a:buFont typeface="Arial"/>
-              <a:buNone/>
-            </a:pPr>
-            <a:r>
-              <a:rPr lang="ru-RU" sz="2000" dirty="0">
-                <a:solidFill>
-                  <a:srgbClr val="2875C3"/>
-                </a:solidFill>
-                <a:latin typeface="Tahoma"/>
-                <a:ea typeface="Tahoma"/>
-                <a:cs typeface="Tahoma"/>
-                <a:sym typeface="Tahoma"/>
-              </a:rPr>
-              <a:t>Первое знакомство</a:t>
-            </a:r>
-            <a:endParaRPr sz="1600" b="1" i="0" u="none" strike="noStrike" cap="none" dirty="0">
-              <a:solidFill>
-                <a:srgbClr val="2875C3"/>
-              </a:solidFill>
-              <a:latin typeface="Tahoma"/>
-              <a:ea typeface="Tahoma"/>
-              <a:cs typeface="Tahoma"/>
-              <a:sym typeface="Tahoma"/>
-            </a:endParaRPr>
-          </a:p>
-          <a:p>
-            <a:pPr marL="0" lvl="0" indent="0" algn="l" rtl="0">
-              <a:spcBef>
-                <a:spcPts val="0"/>
-              </a:spcBef>
-              <a:spcAft>
-                <a:spcPts val="0"/>
-              </a:spcAft>
-              <a:buClr>
-                <a:schemeClr val="dk1"/>
-              </a:buClr>
-              <a:buSzPts val="2000"/>
-              <a:buFont typeface="Arial"/>
-              <a:buNone/>
-            </a:pPr>
-            <a:endParaRPr sz="1600" b="1" dirty="0">
-              <a:latin typeface="Tahoma"/>
-              <a:ea typeface="Tahoma"/>
-              <a:cs typeface="Tahoma"/>
-              <a:sym typeface="Tahoma"/>
-            </a:endParaRPr>
-          </a:p>
-          <a:p>
-            <a:pPr marL="139700">
-              <a:lnSpc>
-                <a:spcPct val="115000"/>
-              </a:lnSpc>
-              <a:buClr>
-                <a:schemeClr val="dk1"/>
-              </a:buClr>
-              <a:buSzPts val="1400"/>
-            </a:pPr>
-            <a:r>
-              <a:rPr lang="ru-RU" dirty="0">
-                <a:solidFill>
-                  <a:schemeClr val="dk1"/>
-                </a:solidFill>
-                <a:latin typeface="Tahoma"/>
-                <a:ea typeface="Tahoma"/>
-                <a:cs typeface="Tahoma"/>
-                <a:sym typeface="Tahoma"/>
-              </a:rPr>
-              <a:t>Устанавливаем приложение с шаблоном </a:t>
-            </a:r>
-            <a:r>
-              <a:rPr lang="en-US" dirty="0">
-                <a:solidFill>
-                  <a:schemeClr val="dk1"/>
-                </a:solidFill>
-                <a:latin typeface="Tahoma"/>
-                <a:ea typeface="Tahoma"/>
-                <a:cs typeface="Tahoma"/>
-                <a:sym typeface="Tahoma"/>
-              </a:rPr>
-              <a:t>react </a:t>
-            </a:r>
-            <a:r>
-              <a:rPr lang="ru-RU" dirty="0">
-                <a:solidFill>
-                  <a:schemeClr val="dk1"/>
-                </a:solidFill>
-                <a:latin typeface="Tahoma"/>
-                <a:ea typeface="Tahoma"/>
-                <a:cs typeface="Tahoma"/>
-                <a:sym typeface="Tahoma"/>
-              </a:rPr>
-              <a:t>приложения</a:t>
-            </a:r>
-          </a:p>
-          <a:p>
-            <a:pPr marL="139700" marR="0" lvl="0" algn="l" rtl="0">
-              <a:lnSpc>
-                <a:spcPct val="115000"/>
-              </a:lnSpc>
-              <a:spcBef>
-                <a:spcPts val="0"/>
-              </a:spcBef>
-              <a:spcAft>
-                <a:spcPts val="0"/>
-              </a:spcAft>
-              <a:buClr>
-                <a:schemeClr val="dk1"/>
-              </a:buClr>
-              <a:buSzPts val="1400"/>
-            </a:pPr>
-            <a:r>
-              <a:rPr lang="en-US" sz="1800" dirty="0" err="1">
-                <a:solidFill>
-                  <a:schemeClr val="accent5">
-                    <a:lumMod val="50000"/>
-                  </a:schemeClr>
-                </a:solidFill>
-                <a:latin typeface="Tahoma"/>
-                <a:ea typeface="Tahoma"/>
-                <a:cs typeface="Tahoma"/>
-                <a:sym typeface="Tahoma"/>
-              </a:rPr>
-              <a:t>npm</a:t>
-            </a:r>
-            <a:r>
-              <a:rPr lang="en-US" sz="1800" dirty="0">
-                <a:solidFill>
-                  <a:schemeClr val="accent5">
-                    <a:lumMod val="50000"/>
-                  </a:schemeClr>
-                </a:solidFill>
-                <a:latin typeface="Tahoma"/>
-                <a:ea typeface="Tahoma"/>
-                <a:cs typeface="Tahoma"/>
-                <a:sym typeface="Tahoma"/>
-              </a:rPr>
-              <a:t> install –g create-react-app</a:t>
-            </a:r>
-            <a:endParaRPr lang="ru-RU" sz="1800" dirty="0">
-              <a:solidFill>
-                <a:schemeClr val="accent5">
-                  <a:lumMod val="50000"/>
-                </a:schemeClr>
-              </a:solidFill>
-              <a:latin typeface="Tahoma"/>
-              <a:ea typeface="Tahoma"/>
-              <a:cs typeface="Tahoma"/>
-              <a:sym typeface="Tahoma"/>
-            </a:endParaRPr>
-          </a:p>
-          <a:p>
-            <a:pPr marL="139700" marR="0" lvl="0" algn="l" rtl="0">
-              <a:lnSpc>
-                <a:spcPct val="115000"/>
-              </a:lnSpc>
-              <a:spcBef>
-                <a:spcPts val="0"/>
-              </a:spcBef>
-              <a:spcAft>
-                <a:spcPts val="0"/>
-              </a:spcAft>
-              <a:buClr>
-                <a:schemeClr val="dk1"/>
-              </a:buClr>
-              <a:buSzPts val="1400"/>
-            </a:pPr>
-            <a:endParaRPr lang="ru-RU" sz="1400" b="0" i="0" u="none" strike="noStrike" cap="none" dirty="0">
-              <a:solidFill>
-                <a:schemeClr val="dk1"/>
-              </a:solidFill>
-              <a:latin typeface="Tahoma"/>
-              <a:ea typeface="Tahoma"/>
-              <a:cs typeface="Tahoma"/>
-              <a:sym typeface="Tahoma"/>
-            </a:endParaRPr>
-          </a:p>
-          <a:p>
-            <a:pPr marL="139700" marR="0" lvl="0" algn="l" rtl="0">
-              <a:lnSpc>
-                <a:spcPct val="115000"/>
-              </a:lnSpc>
-              <a:spcBef>
-                <a:spcPts val="0"/>
-              </a:spcBef>
-              <a:spcAft>
-                <a:spcPts val="0"/>
-              </a:spcAft>
-              <a:buClr>
-                <a:schemeClr val="dk1"/>
-              </a:buClr>
-              <a:buSzPts val="1400"/>
-            </a:pPr>
-            <a:r>
-              <a:rPr lang="ru-RU" dirty="0">
-                <a:solidFill>
-                  <a:schemeClr val="dk1"/>
-                </a:solidFill>
-                <a:latin typeface="Tahoma"/>
-                <a:ea typeface="Tahoma"/>
-                <a:cs typeface="Tahoma"/>
-                <a:sym typeface="Tahoma"/>
-              </a:rPr>
-              <a:t>Создаем </a:t>
-            </a:r>
-            <a:r>
-              <a:rPr lang="en-US" dirty="0" err="1">
-                <a:solidFill>
-                  <a:schemeClr val="dk1"/>
-                </a:solidFill>
-                <a:latin typeface="Tahoma"/>
-                <a:ea typeface="Tahoma"/>
-                <a:cs typeface="Tahoma"/>
-                <a:sym typeface="Tahoma"/>
-              </a:rPr>
-              <a:t>hellow</a:t>
-            </a:r>
-            <a:r>
-              <a:rPr lang="en-US" dirty="0">
-                <a:solidFill>
-                  <a:schemeClr val="dk1"/>
-                </a:solidFill>
-                <a:latin typeface="Tahoma"/>
-                <a:ea typeface="Tahoma"/>
-                <a:cs typeface="Tahoma"/>
-                <a:sym typeface="Tahoma"/>
-              </a:rPr>
-              <a:t>-world </a:t>
-            </a:r>
-            <a:r>
-              <a:rPr lang="ru-RU" dirty="0">
-                <a:solidFill>
-                  <a:schemeClr val="dk1"/>
-                </a:solidFill>
-                <a:latin typeface="Tahoma"/>
-                <a:ea typeface="Tahoma"/>
-                <a:cs typeface="Tahoma"/>
-                <a:sym typeface="Tahoma"/>
-              </a:rPr>
-              <a:t>приложение </a:t>
-            </a:r>
-            <a:endParaRPr lang="ru-RU" sz="1400" b="0" i="0" u="none" strike="noStrike" cap="none" dirty="0">
-              <a:solidFill>
-                <a:schemeClr val="dk1"/>
-              </a:solidFill>
-              <a:latin typeface="Tahoma"/>
-              <a:ea typeface="Tahoma"/>
-              <a:cs typeface="Tahoma"/>
-              <a:sym typeface="Tahoma"/>
-            </a:endParaRPr>
-          </a:p>
-          <a:p>
-            <a:pPr marL="139700" marR="0" lvl="0" algn="l" rtl="0">
-              <a:lnSpc>
-                <a:spcPct val="115000"/>
-              </a:lnSpc>
-              <a:spcBef>
-                <a:spcPts val="0"/>
-              </a:spcBef>
-              <a:spcAft>
-                <a:spcPts val="0"/>
-              </a:spcAft>
-              <a:buClr>
-                <a:schemeClr val="dk1"/>
-              </a:buClr>
-              <a:buSzPts val="1400"/>
-            </a:pPr>
-            <a:r>
-              <a:rPr lang="en-US" sz="1800" dirty="0">
-                <a:solidFill>
-                  <a:schemeClr val="accent5">
-                    <a:lumMod val="50000"/>
-                  </a:schemeClr>
-                </a:solidFill>
-                <a:latin typeface="Tahoma"/>
-                <a:ea typeface="Tahoma"/>
-                <a:cs typeface="Tahoma"/>
-                <a:sym typeface="Tahoma"/>
-              </a:rPr>
-              <a:t>create-react-app </a:t>
-            </a:r>
-            <a:r>
-              <a:rPr lang="en-US" sz="1800" dirty="0" err="1">
-                <a:solidFill>
-                  <a:schemeClr val="accent5">
-                    <a:lumMod val="50000"/>
-                  </a:schemeClr>
-                </a:solidFill>
-                <a:latin typeface="Tahoma"/>
-                <a:ea typeface="Tahoma"/>
-                <a:cs typeface="Tahoma"/>
-                <a:sym typeface="Tahoma"/>
-              </a:rPr>
-              <a:t>hellow</a:t>
-            </a:r>
-            <a:r>
-              <a:rPr lang="en-US" sz="1800" dirty="0">
-                <a:solidFill>
-                  <a:schemeClr val="accent5">
-                    <a:lumMod val="50000"/>
-                  </a:schemeClr>
-                </a:solidFill>
-                <a:latin typeface="Tahoma"/>
-                <a:ea typeface="Tahoma"/>
-                <a:cs typeface="Tahoma"/>
-                <a:sym typeface="Tahoma"/>
-              </a:rPr>
-              <a:t>-world</a:t>
-            </a:r>
-            <a:endParaRPr sz="1800" dirty="0">
-              <a:solidFill>
-                <a:schemeClr val="accent5">
-                  <a:lumMod val="50000"/>
-                </a:schemeClr>
-              </a:solidFill>
-              <a:latin typeface="Tahoma"/>
-              <a:ea typeface="Tahoma"/>
-              <a:cs typeface="Tahoma"/>
-              <a:sym typeface="Tahoma"/>
-            </a:endParaRPr>
-          </a:p>
-        </p:txBody>
-      </p:sp>
-      <p:sp>
-        <p:nvSpPr>
-          <p:cNvPr id="6" name="Google Shape;109;p24">
+          <p:cNvPr id="9" name="Google Shape;109;p24">
             <a:extLst>
               <a:ext uri="{FF2B5EF4-FFF2-40B4-BE49-F238E27FC236}">
-                <a16:creationId xmlns:a16="http://schemas.microsoft.com/office/drawing/2014/main" id="{A7E892A2-CF5A-4C76-B03A-1A5C69AB0A8C}"/>
+                <a16:creationId xmlns:a16="http://schemas.microsoft.com/office/drawing/2014/main" id="{FF1382A2-9408-44BE-BE4F-0486789751A1}"/>
               </a:ext>
             </a:extLst>
           </p:cNvPr>
@@ -19425,11 +19437,1818 @@
           </a:p>
         </p:txBody>
       </p:sp>
+      <p:sp>
+        <p:nvSpPr>
+          <p:cNvPr id="4" name="Прямоугольник: скругленные углы 3">
+            <a:extLst>
+              <a:ext uri="{FF2B5EF4-FFF2-40B4-BE49-F238E27FC236}">
+                <a16:creationId xmlns:a16="http://schemas.microsoft.com/office/drawing/2014/main" id="{E19F491B-0D5B-493A-BE80-BDA91A8E8AEE}"/>
+              </a:ext>
+            </a:extLst>
+          </p:cNvPr>
+          <p:cNvSpPr/>
+          <p:nvPr/>
+        </p:nvSpPr>
+        <p:spPr>
+          <a:xfrm>
+            <a:off x="385919" y="1453361"/>
+            <a:ext cx="3798154" cy="3247948"/>
+          </a:xfrm>
+          <a:prstGeom prst="roundRect">
+            <a:avLst>
+              <a:gd name="adj" fmla="val 3870"/>
+            </a:avLst>
+          </a:prstGeom>
+          <a:solidFill>
+            <a:schemeClr val="accent5">
+              <a:lumMod val="20000"/>
+              <a:lumOff val="80000"/>
+            </a:schemeClr>
+          </a:solidFill>
+          <a:ln>
+            <a:solidFill>
+              <a:schemeClr val="accent1">
+                <a:lumMod val="75000"/>
+              </a:schemeClr>
+            </a:solidFill>
+          </a:ln>
+        </p:spPr>
+        <p:style>
+          <a:lnRef idx="2">
+            <a:schemeClr val="accent1">
+              <a:shade val="50000"/>
+            </a:schemeClr>
+          </a:lnRef>
+          <a:fillRef idx="1">
+            <a:schemeClr val="accent1"/>
+          </a:fillRef>
+          <a:effectRef idx="0">
+            <a:schemeClr val="accent1"/>
+          </a:effectRef>
+          <a:fontRef idx="minor">
+            <a:schemeClr val="lt1"/>
+          </a:fontRef>
+        </p:style>
+        <p:txBody>
+          <a:bodyPr rtlCol="0" anchor="t"/>
+          <a:lstStyle/>
+          <a:p>
+            <a:r>
+              <a:rPr lang="en-US" dirty="0" err="1">
+                <a:solidFill>
+                  <a:schemeClr val="tx1"/>
+                </a:solidFill>
+                <a:effectLst>
+                  <a:outerShdw blurRad="50800" dist="38100" dir="5400000" algn="t" rotWithShape="0">
+                    <a:prstClr val="black">
+                      <a:alpha val="40000"/>
+                    </a:prstClr>
+                  </a:outerShdw>
+                </a:effectLst>
+              </a:rPr>
+              <a:t>ShoppingList</a:t>
+            </a:r>
+            <a:endParaRPr lang="ru-RU" dirty="0">
+              <a:solidFill>
+                <a:schemeClr val="tx1"/>
+              </a:solidFill>
+              <a:effectLst>
+                <a:outerShdw blurRad="50800" dist="38100" dir="5400000" algn="t" rotWithShape="0">
+                  <a:prstClr val="black">
+                    <a:alpha val="40000"/>
+                  </a:prstClr>
+                </a:outerShdw>
+              </a:effectLst>
+            </a:endParaRPr>
+          </a:p>
+        </p:txBody>
+      </p:sp>
+      <p:sp>
+        <p:nvSpPr>
+          <p:cNvPr id="15" name="Прямоугольник 14">
+            <a:extLst>
+              <a:ext uri="{FF2B5EF4-FFF2-40B4-BE49-F238E27FC236}">
+                <a16:creationId xmlns:a16="http://schemas.microsoft.com/office/drawing/2014/main" id="{0107D1B1-78A3-4481-9FFC-1D224B17A6DD}"/>
+              </a:ext>
+            </a:extLst>
+          </p:cNvPr>
+          <p:cNvSpPr/>
+          <p:nvPr/>
+        </p:nvSpPr>
+        <p:spPr>
+          <a:xfrm>
+            <a:off x="1965533" y="787400"/>
+            <a:ext cx="2645010" cy="511561"/>
+          </a:xfrm>
+          <a:prstGeom prst="rect">
+            <a:avLst/>
+          </a:prstGeom>
+          <a:solidFill>
+            <a:schemeClr val="bg1">
+              <a:lumMod val="95000"/>
+            </a:schemeClr>
+          </a:solidFill>
+          <a:ln>
+            <a:noFill/>
+          </a:ln>
+        </p:spPr>
+        <p:style>
+          <a:lnRef idx="2">
+            <a:schemeClr val="accent1">
+              <a:shade val="50000"/>
+            </a:schemeClr>
+          </a:lnRef>
+          <a:fillRef idx="1">
+            <a:schemeClr val="accent1"/>
+          </a:fillRef>
+          <a:effectRef idx="0">
+            <a:schemeClr val="accent1"/>
+          </a:effectRef>
+          <a:fontRef idx="minor">
+            <a:schemeClr val="lt1"/>
+          </a:fontRef>
+        </p:style>
+        <p:txBody>
+          <a:bodyPr rtlCol="0" anchor="ctr"/>
+          <a:lstStyle/>
+          <a:p>
+            <a:pPr algn="ctr"/>
+            <a:r>
+              <a:rPr lang="en-US" sz="2000" dirty="0">
+                <a:solidFill>
+                  <a:schemeClr val="tx1"/>
+                </a:solidFill>
+              </a:rPr>
+              <a:t>Virtual DOM</a:t>
+            </a:r>
+            <a:endParaRPr lang="ru-RU" sz="2000" dirty="0">
+              <a:solidFill>
+                <a:schemeClr val="tx1"/>
+              </a:solidFill>
+            </a:endParaRPr>
+          </a:p>
+        </p:txBody>
+      </p:sp>
+      <p:sp>
+        <p:nvSpPr>
+          <p:cNvPr id="24" name="Прямоугольник 23">
+            <a:extLst>
+              <a:ext uri="{FF2B5EF4-FFF2-40B4-BE49-F238E27FC236}">
+                <a16:creationId xmlns:a16="http://schemas.microsoft.com/office/drawing/2014/main" id="{5853CAF0-4AD8-45F0-8350-E654737339D7}"/>
+              </a:ext>
+            </a:extLst>
+          </p:cNvPr>
+          <p:cNvSpPr/>
+          <p:nvPr/>
+        </p:nvSpPr>
+        <p:spPr>
+          <a:xfrm>
+            <a:off x="4610543" y="785400"/>
+            <a:ext cx="2645010" cy="511561"/>
+          </a:xfrm>
+          <a:prstGeom prst="rect">
+            <a:avLst/>
+          </a:prstGeom>
+          <a:solidFill>
+            <a:schemeClr val="bg1">
+              <a:lumMod val="95000"/>
+            </a:schemeClr>
+          </a:solidFill>
+          <a:ln>
+            <a:noFill/>
+          </a:ln>
+        </p:spPr>
+        <p:style>
+          <a:lnRef idx="2">
+            <a:schemeClr val="accent1">
+              <a:shade val="50000"/>
+            </a:schemeClr>
+          </a:lnRef>
+          <a:fillRef idx="1">
+            <a:schemeClr val="accent1"/>
+          </a:fillRef>
+          <a:effectRef idx="0">
+            <a:schemeClr val="accent1"/>
+          </a:effectRef>
+          <a:fontRef idx="minor">
+            <a:schemeClr val="lt1"/>
+          </a:fontRef>
+        </p:style>
+        <p:txBody>
+          <a:bodyPr rtlCol="0" anchor="ctr"/>
+          <a:lstStyle/>
+          <a:p>
+            <a:pPr algn="ctr"/>
+            <a:r>
+              <a:rPr lang="en-US" sz="2000" dirty="0">
+                <a:solidFill>
+                  <a:schemeClr val="tx1"/>
+                </a:solidFill>
+              </a:rPr>
+              <a:t>html DOM</a:t>
+            </a:r>
+            <a:endParaRPr lang="ru-RU" sz="2000" dirty="0">
+              <a:solidFill>
+                <a:schemeClr val="tx1"/>
+              </a:solidFill>
+            </a:endParaRPr>
+          </a:p>
+        </p:txBody>
+      </p:sp>
+      <p:cxnSp>
+        <p:nvCxnSpPr>
+          <p:cNvPr id="17" name="Прямая соединительная линия 16">
+            <a:extLst>
+              <a:ext uri="{FF2B5EF4-FFF2-40B4-BE49-F238E27FC236}">
+                <a16:creationId xmlns:a16="http://schemas.microsoft.com/office/drawing/2014/main" id="{BEA2A798-325E-4C6F-86D6-635DA2ABE0C5}"/>
+              </a:ext>
+            </a:extLst>
+          </p:cNvPr>
+          <p:cNvCxnSpPr>
+            <a:cxnSpLocks/>
+          </p:cNvCxnSpPr>
+          <p:nvPr/>
+        </p:nvCxnSpPr>
+        <p:spPr>
+          <a:xfrm>
+            <a:off x="4610543" y="785400"/>
+            <a:ext cx="0" cy="511561"/>
+          </a:xfrm>
+          <a:prstGeom prst="line">
+            <a:avLst/>
+          </a:prstGeom>
+        </p:spPr>
+        <p:style>
+          <a:lnRef idx="1">
+            <a:schemeClr val="accent2"/>
+          </a:lnRef>
+          <a:fillRef idx="0">
+            <a:schemeClr val="accent2"/>
+          </a:fillRef>
+          <a:effectRef idx="0">
+            <a:schemeClr val="accent2"/>
+          </a:effectRef>
+          <a:fontRef idx="minor">
+            <a:schemeClr val="tx1"/>
+          </a:fontRef>
+        </p:style>
+      </p:cxnSp>
+      <p:sp>
+        <p:nvSpPr>
+          <p:cNvPr id="41" name="Прямоугольник: скругленные углы 40">
+            <a:extLst>
+              <a:ext uri="{FF2B5EF4-FFF2-40B4-BE49-F238E27FC236}">
+                <a16:creationId xmlns:a16="http://schemas.microsoft.com/office/drawing/2014/main" id="{15B3C998-75AF-4A58-88DF-8B914CEFB98A}"/>
+              </a:ext>
+            </a:extLst>
+          </p:cNvPr>
+          <p:cNvSpPr/>
+          <p:nvPr/>
+        </p:nvSpPr>
+        <p:spPr>
+          <a:xfrm>
+            <a:off x="5337351" y="1472159"/>
+            <a:ext cx="3160104" cy="3124935"/>
+          </a:xfrm>
+          <a:prstGeom prst="roundRect">
+            <a:avLst>
+              <a:gd name="adj" fmla="val 1593"/>
+            </a:avLst>
+          </a:prstGeom>
+          <a:solidFill>
+            <a:schemeClr val="accent1">
+              <a:lumMod val="75000"/>
+            </a:schemeClr>
+          </a:solidFill>
+          <a:ln>
+            <a:solidFill>
+              <a:schemeClr val="accent1">
+                <a:lumMod val="75000"/>
+              </a:schemeClr>
+            </a:solidFill>
+          </a:ln>
+        </p:spPr>
+        <p:style>
+          <a:lnRef idx="2">
+            <a:schemeClr val="accent1">
+              <a:shade val="50000"/>
+            </a:schemeClr>
+          </a:lnRef>
+          <a:fillRef idx="1">
+            <a:schemeClr val="accent1"/>
+          </a:fillRef>
+          <a:effectRef idx="0">
+            <a:schemeClr val="accent1"/>
+          </a:effectRef>
+          <a:fontRef idx="minor">
+            <a:schemeClr val="lt1"/>
+          </a:fontRef>
+        </p:style>
+        <p:txBody>
+          <a:bodyPr rtlCol="0" anchor="ctr"/>
+          <a:lstStyle/>
+          <a:p>
+            <a:pPr algn="ctr"/>
+            <a:endParaRPr lang="ru-RU" dirty="0">
+              <a:solidFill>
+                <a:schemeClr val="tx1"/>
+              </a:solidFill>
+              <a:effectLst>
+                <a:outerShdw blurRad="50800" dist="38100" dir="5400000" algn="t" rotWithShape="0">
+                  <a:prstClr val="black">
+                    <a:alpha val="40000"/>
+                  </a:prstClr>
+                </a:outerShdw>
+              </a:effectLst>
+            </a:endParaRPr>
+          </a:p>
+        </p:txBody>
+      </p:sp>
+      <p:sp>
+        <p:nvSpPr>
+          <p:cNvPr id="33" name="Прямоугольник: скругленные углы 32">
+            <a:extLst>
+              <a:ext uri="{FF2B5EF4-FFF2-40B4-BE49-F238E27FC236}">
+                <a16:creationId xmlns:a16="http://schemas.microsoft.com/office/drawing/2014/main" id="{9C0DBBC7-DCE0-4528-B88F-A9038D194282}"/>
+              </a:ext>
+            </a:extLst>
+          </p:cNvPr>
+          <p:cNvSpPr/>
+          <p:nvPr/>
+        </p:nvSpPr>
+        <p:spPr>
+          <a:xfrm>
+            <a:off x="974601" y="2022503"/>
+            <a:ext cx="2715491" cy="803565"/>
+          </a:xfrm>
+          <a:prstGeom prst="roundRect">
+            <a:avLst>
+              <a:gd name="adj" fmla="val 18256"/>
+            </a:avLst>
+          </a:prstGeom>
+          <a:solidFill>
+            <a:schemeClr val="accent5">
+              <a:lumMod val="40000"/>
+              <a:lumOff val="60000"/>
+            </a:schemeClr>
+          </a:solidFill>
+          <a:ln>
+            <a:solidFill>
+              <a:schemeClr val="accent5">
+                <a:lumMod val="60000"/>
+                <a:lumOff val="40000"/>
+              </a:schemeClr>
+            </a:solidFill>
+          </a:ln>
+        </p:spPr>
+        <p:style>
+          <a:lnRef idx="2">
+            <a:schemeClr val="accent1">
+              <a:shade val="50000"/>
+            </a:schemeClr>
+          </a:lnRef>
+          <a:fillRef idx="1">
+            <a:schemeClr val="accent1"/>
+          </a:fillRef>
+          <a:effectRef idx="0">
+            <a:schemeClr val="accent1"/>
+          </a:effectRef>
+          <a:fontRef idx="minor">
+            <a:schemeClr val="lt1"/>
+          </a:fontRef>
+        </p:style>
+        <p:txBody>
+          <a:bodyPr rtlCol="0" anchor="ctr"/>
+          <a:lstStyle/>
+          <a:p>
+            <a:pPr algn="ctr"/>
+            <a:r>
+              <a:rPr lang="en-US" dirty="0">
+                <a:solidFill>
+                  <a:schemeClr val="tx1"/>
+                </a:solidFill>
+                <a:effectLst>
+                  <a:outerShdw blurRad="50800" dist="38100" dir="5400000" algn="t" rotWithShape="0">
+                    <a:prstClr val="black">
+                      <a:alpha val="40000"/>
+                    </a:prstClr>
+                  </a:outerShdw>
+                </a:effectLst>
+              </a:rPr>
+              <a:t>Item	</a:t>
+            </a:r>
+            <a:r>
+              <a:rPr lang="ru-RU" dirty="0">
+                <a:solidFill>
+                  <a:schemeClr val="tx1"/>
+                </a:solidFill>
+                <a:effectLst>
+                  <a:outerShdw blurRad="50800" dist="38100" dir="5400000" algn="t" rotWithShape="0">
+                    <a:prstClr val="black">
+                      <a:alpha val="40000"/>
+                    </a:prstClr>
+                  </a:outerShdw>
+                </a:effectLst>
+              </a:rPr>
+              <a:t>              Яблоки</a:t>
+            </a:r>
+          </a:p>
+        </p:txBody>
+      </p:sp>
+      <p:sp>
+        <p:nvSpPr>
+          <p:cNvPr id="51" name="Прямоугольник: скругленные углы 50">
+            <a:extLst>
+              <a:ext uri="{FF2B5EF4-FFF2-40B4-BE49-F238E27FC236}">
+                <a16:creationId xmlns:a16="http://schemas.microsoft.com/office/drawing/2014/main" id="{920DB49C-90FE-47D7-BA51-F75B658E2961}"/>
+              </a:ext>
+            </a:extLst>
+          </p:cNvPr>
+          <p:cNvSpPr/>
+          <p:nvPr/>
+        </p:nvSpPr>
+        <p:spPr>
+          <a:xfrm>
+            <a:off x="974601" y="2912764"/>
+            <a:ext cx="2715491" cy="803565"/>
+          </a:xfrm>
+          <a:prstGeom prst="roundRect">
+            <a:avLst>
+              <a:gd name="adj" fmla="val 18256"/>
+            </a:avLst>
+          </a:prstGeom>
+          <a:solidFill>
+            <a:schemeClr val="accent5">
+              <a:lumMod val="40000"/>
+              <a:lumOff val="60000"/>
+            </a:schemeClr>
+          </a:solidFill>
+          <a:ln>
+            <a:solidFill>
+              <a:schemeClr val="accent5">
+                <a:lumMod val="60000"/>
+                <a:lumOff val="40000"/>
+              </a:schemeClr>
+            </a:solidFill>
+          </a:ln>
+        </p:spPr>
+        <p:style>
+          <a:lnRef idx="2">
+            <a:schemeClr val="accent1">
+              <a:shade val="50000"/>
+            </a:schemeClr>
+          </a:lnRef>
+          <a:fillRef idx="1">
+            <a:schemeClr val="accent1"/>
+          </a:fillRef>
+          <a:effectRef idx="0">
+            <a:schemeClr val="accent1"/>
+          </a:effectRef>
+          <a:fontRef idx="minor">
+            <a:schemeClr val="lt1"/>
+          </a:fontRef>
+        </p:style>
+        <p:txBody>
+          <a:bodyPr rtlCol="0" anchor="ctr"/>
+          <a:lstStyle/>
+          <a:p>
+            <a:pPr algn="ctr"/>
+            <a:r>
+              <a:rPr lang="en-US" dirty="0">
+                <a:solidFill>
+                  <a:schemeClr val="tx1"/>
+                </a:solidFill>
+                <a:effectLst>
+                  <a:outerShdw blurRad="50800" dist="38100" dir="5400000" algn="t" rotWithShape="0">
+                    <a:prstClr val="black">
+                      <a:alpha val="40000"/>
+                    </a:prstClr>
+                  </a:outerShdw>
+                </a:effectLst>
+              </a:rPr>
+              <a:t>Item	</a:t>
+            </a:r>
+            <a:r>
+              <a:rPr lang="ru-RU" dirty="0">
+                <a:solidFill>
+                  <a:schemeClr val="tx1"/>
+                </a:solidFill>
+                <a:effectLst>
+                  <a:outerShdw blurRad="50800" dist="38100" dir="5400000" algn="t" rotWithShape="0">
+                    <a:prstClr val="black">
+                      <a:alpha val="40000"/>
+                    </a:prstClr>
+                  </a:outerShdw>
+                </a:effectLst>
+              </a:rPr>
+              <a:t>              Бананы</a:t>
+            </a:r>
+          </a:p>
+        </p:txBody>
+      </p:sp>
+      <p:sp>
+        <p:nvSpPr>
+          <p:cNvPr id="52" name="Прямоугольник: скругленные углы 51">
+            <a:extLst>
+              <a:ext uri="{FF2B5EF4-FFF2-40B4-BE49-F238E27FC236}">
+                <a16:creationId xmlns:a16="http://schemas.microsoft.com/office/drawing/2014/main" id="{7A2E26CB-1F46-491D-86DB-981237E4EA7B}"/>
+              </a:ext>
+            </a:extLst>
+          </p:cNvPr>
+          <p:cNvSpPr/>
+          <p:nvPr/>
+        </p:nvSpPr>
+        <p:spPr>
+          <a:xfrm>
+            <a:off x="974601" y="3793529"/>
+            <a:ext cx="2715491" cy="803565"/>
+          </a:xfrm>
+          <a:prstGeom prst="roundRect">
+            <a:avLst>
+              <a:gd name="adj" fmla="val 18256"/>
+            </a:avLst>
+          </a:prstGeom>
+          <a:solidFill>
+            <a:schemeClr val="accent5">
+              <a:lumMod val="40000"/>
+              <a:lumOff val="60000"/>
+            </a:schemeClr>
+          </a:solidFill>
+          <a:ln>
+            <a:solidFill>
+              <a:schemeClr val="accent5">
+                <a:lumMod val="60000"/>
+                <a:lumOff val="40000"/>
+              </a:schemeClr>
+            </a:solidFill>
+          </a:ln>
+        </p:spPr>
+        <p:style>
+          <a:lnRef idx="2">
+            <a:schemeClr val="accent1">
+              <a:shade val="50000"/>
+            </a:schemeClr>
+          </a:lnRef>
+          <a:fillRef idx="1">
+            <a:schemeClr val="accent1"/>
+          </a:fillRef>
+          <a:effectRef idx="0">
+            <a:schemeClr val="accent1"/>
+          </a:effectRef>
+          <a:fontRef idx="minor">
+            <a:schemeClr val="lt1"/>
+          </a:fontRef>
+        </p:style>
+        <p:txBody>
+          <a:bodyPr rtlCol="0" anchor="ctr"/>
+          <a:lstStyle/>
+          <a:p>
+            <a:pPr algn="ctr"/>
+            <a:r>
+              <a:rPr lang="en-US" dirty="0">
+                <a:solidFill>
+                  <a:schemeClr val="tx1"/>
+                </a:solidFill>
+                <a:effectLst>
+                  <a:outerShdw blurRad="50800" dist="38100" dir="5400000" algn="t" rotWithShape="0">
+                    <a:prstClr val="black">
+                      <a:alpha val="40000"/>
+                    </a:prstClr>
+                  </a:outerShdw>
+                </a:effectLst>
+              </a:rPr>
+              <a:t>Item	</a:t>
+            </a:r>
+            <a:r>
+              <a:rPr lang="ru-RU" dirty="0">
+                <a:solidFill>
+                  <a:schemeClr val="tx1"/>
+                </a:solidFill>
+                <a:effectLst>
+                  <a:outerShdw blurRad="50800" dist="38100" dir="5400000" algn="t" rotWithShape="0">
+                    <a:prstClr val="black">
+                      <a:alpha val="40000"/>
+                    </a:prstClr>
+                  </a:outerShdw>
+                </a:effectLst>
+              </a:rPr>
+              <a:t>              </a:t>
+            </a:r>
+            <a:r>
+              <a:rPr lang="en-US" dirty="0" err="1">
+                <a:solidFill>
+                  <a:schemeClr val="tx1"/>
+                </a:solidFill>
+                <a:effectLst>
+                  <a:outerShdw blurRad="50800" dist="38100" dir="5400000" algn="t" rotWithShape="0">
+                    <a:prstClr val="black">
+                      <a:alpha val="40000"/>
+                    </a:prstClr>
+                  </a:outerShdw>
+                </a:effectLst>
+              </a:rPr>
+              <a:t>Iphone</a:t>
+            </a:r>
+            <a:endParaRPr lang="ru-RU" dirty="0">
+              <a:solidFill>
+                <a:schemeClr val="tx1"/>
+              </a:solidFill>
+              <a:effectLst>
+                <a:outerShdw blurRad="50800" dist="38100" dir="5400000" algn="t" rotWithShape="0">
+                  <a:prstClr val="black">
+                    <a:alpha val="40000"/>
+                  </a:prstClr>
+                </a:outerShdw>
+              </a:effectLst>
+            </a:endParaRPr>
+          </a:p>
+        </p:txBody>
+      </p:sp>
+      <p:sp>
+        <p:nvSpPr>
+          <p:cNvPr id="53" name="Прямоугольник 52">
+            <a:extLst>
+              <a:ext uri="{FF2B5EF4-FFF2-40B4-BE49-F238E27FC236}">
+                <a16:creationId xmlns:a16="http://schemas.microsoft.com/office/drawing/2014/main" id="{C4F2E07B-1512-4171-9EE5-DFE580E50ED9}"/>
+              </a:ext>
+            </a:extLst>
+          </p:cNvPr>
+          <p:cNvSpPr/>
+          <p:nvPr/>
+        </p:nvSpPr>
+        <p:spPr>
+          <a:xfrm>
+            <a:off x="5482800" y="1578779"/>
+            <a:ext cx="485125" cy="402942"/>
+          </a:xfrm>
+          <a:prstGeom prst="rect">
+            <a:avLst/>
+          </a:prstGeom>
+          <a:solidFill>
+            <a:schemeClr val="bg1">
+              <a:lumMod val="95000"/>
+            </a:schemeClr>
+          </a:solidFill>
+          <a:ln>
+            <a:noFill/>
+          </a:ln>
+        </p:spPr>
+        <p:style>
+          <a:lnRef idx="2">
+            <a:schemeClr val="accent1">
+              <a:shade val="50000"/>
+            </a:schemeClr>
+          </a:lnRef>
+          <a:fillRef idx="1">
+            <a:schemeClr val="accent1"/>
+          </a:fillRef>
+          <a:effectRef idx="0">
+            <a:schemeClr val="accent1"/>
+          </a:effectRef>
+          <a:fontRef idx="minor">
+            <a:schemeClr val="lt1"/>
+          </a:fontRef>
+        </p:style>
+        <p:txBody>
+          <a:bodyPr rtlCol="0" anchor="ctr"/>
+          <a:lstStyle/>
+          <a:p>
+            <a:pPr algn="ctr"/>
+            <a:r>
+              <a:rPr lang="en-US" sz="2000" dirty="0">
+                <a:solidFill>
+                  <a:schemeClr val="tx1"/>
+                </a:solidFill>
+              </a:rPr>
+              <a:t>ul</a:t>
+            </a:r>
+            <a:endParaRPr lang="ru-RU" sz="2000" dirty="0">
+              <a:solidFill>
+                <a:schemeClr val="tx1"/>
+              </a:solidFill>
+            </a:endParaRPr>
+          </a:p>
+        </p:txBody>
+      </p:sp>
+      <p:sp>
+        <p:nvSpPr>
+          <p:cNvPr id="2" name="Стрелка: пятиугольник 1">
+            <a:extLst>
+              <a:ext uri="{FF2B5EF4-FFF2-40B4-BE49-F238E27FC236}">
+                <a16:creationId xmlns:a16="http://schemas.microsoft.com/office/drawing/2014/main" id="{01DA8B94-5BC0-4C48-8FE1-C36DA2770A00}"/>
+              </a:ext>
+            </a:extLst>
+          </p:cNvPr>
+          <p:cNvSpPr/>
+          <p:nvPr/>
+        </p:nvSpPr>
+        <p:spPr>
+          <a:xfrm rot="10800000">
+            <a:off x="5482800" y="2202600"/>
+            <a:ext cx="2885346" cy="633000"/>
+          </a:xfrm>
+          <a:prstGeom prst="homePlate">
+            <a:avLst>
+              <a:gd name="adj" fmla="val 48541"/>
+            </a:avLst>
+          </a:prstGeom>
+        </p:spPr>
+        <p:style>
+          <a:lnRef idx="2">
+            <a:schemeClr val="accent1">
+              <a:shade val="50000"/>
+            </a:schemeClr>
+          </a:lnRef>
+          <a:fillRef idx="1">
+            <a:schemeClr val="accent1"/>
+          </a:fillRef>
+          <a:effectRef idx="0">
+            <a:schemeClr val="accent1"/>
+          </a:effectRef>
+          <a:fontRef idx="minor">
+            <a:schemeClr val="lt1"/>
+          </a:fontRef>
+        </p:style>
+        <p:txBody>
+          <a:bodyPr rtlCol="0" anchor="ctr"/>
+          <a:lstStyle/>
+          <a:p>
+            <a:pPr algn="ctr"/>
+            <a:endParaRPr lang="ru-RU" dirty="0"/>
+          </a:p>
+        </p:txBody>
+      </p:sp>
+      <p:sp>
+        <p:nvSpPr>
+          <p:cNvPr id="54" name="Прямоугольник 53">
+            <a:extLst>
+              <a:ext uri="{FF2B5EF4-FFF2-40B4-BE49-F238E27FC236}">
+                <a16:creationId xmlns:a16="http://schemas.microsoft.com/office/drawing/2014/main" id="{C53F1213-DD1E-4DAA-A277-32D83632ECD5}"/>
+              </a:ext>
+            </a:extLst>
+          </p:cNvPr>
+          <p:cNvSpPr/>
+          <p:nvPr/>
+        </p:nvSpPr>
+        <p:spPr>
+          <a:xfrm>
+            <a:off x="5714942" y="2340803"/>
+            <a:ext cx="485125" cy="402942"/>
+          </a:xfrm>
+          <a:prstGeom prst="rect">
+            <a:avLst/>
+          </a:prstGeom>
+          <a:noFill/>
+          <a:ln>
+            <a:noFill/>
+          </a:ln>
+        </p:spPr>
+        <p:style>
+          <a:lnRef idx="2">
+            <a:schemeClr val="accent1">
+              <a:shade val="50000"/>
+            </a:schemeClr>
+          </a:lnRef>
+          <a:fillRef idx="1">
+            <a:schemeClr val="accent1"/>
+          </a:fillRef>
+          <a:effectRef idx="0">
+            <a:schemeClr val="accent1"/>
+          </a:effectRef>
+          <a:fontRef idx="minor">
+            <a:schemeClr val="lt1"/>
+          </a:fontRef>
+        </p:style>
+        <p:txBody>
+          <a:bodyPr rtlCol="0" anchor="ctr"/>
+          <a:lstStyle/>
+          <a:p>
+            <a:pPr algn="ctr"/>
+            <a:r>
+              <a:rPr lang="en-US" sz="3600" dirty="0">
+                <a:solidFill>
+                  <a:schemeClr val="bg1"/>
+                </a:solidFill>
+                <a:latin typeface="Adobe Garamond Pro" panose="02020502060506020403" pitchFamily="18" charset="0"/>
+              </a:rPr>
+              <a:t>li</a:t>
+            </a:r>
+            <a:endParaRPr lang="ru-RU" sz="3600" dirty="0">
+              <a:solidFill>
+                <a:schemeClr val="bg1"/>
+              </a:solidFill>
+            </a:endParaRPr>
+          </a:p>
+        </p:txBody>
+      </p:sp>
+      <p:sp>
+        <p:nvSpPr>
+          <p:cNvPr id="55" name="Прямоугольник 54">
+            <a:extLst>
+              <a:ext uri="{FF2B5EF4-FFF2-40B4-BE49-F238E27FC236}">
+                <a16:creationId xmlns:a16="http://schemas.microsoft.com/office/drawing/2014/main" id="{1272FA3E-B0D8-47A7-9BCA-5840E8D878F7}"/>
+              </a:ext>
+            </a:extLst>
+          </p:cNvPr>
+          <p:cNvSpPr/>
+          <p:nvPr/>
+        </p:nvSpPr>
+        <p:spPr>
+          <a:xfrm>
+            <a:off x="6432209" y="2297666"/>
+            <a:ext cx="1935937" cy="402942"/>
+          </a:xfrm>
+          <a:prstGeom prst="rect">
+            <a:avLst/>
+          </a:prstGeom>
+          <a:noFill/>
+          <a:ln>
+            <a:noFill/>
+          </a:ln>
+        </p:spPr>
+        <p:style>
+          <a:lnRef idx="2">
+            <a:schemeClr val="accent1">
+              <a:shade val="50000"/>
+            </a:schemeClr>
+          </a:lnRef>
+          <a:fillRef idx="1">
+            <a:schemeClr val="accent1"/>
+          </a:fillRef>
+          <a:effectRef idx="0">
+            <a:schemeClr val="accent1"/>
+          </a:effectRef>
+          <a:fontRef idx="minor">
+            <a:schemeClr val="lt1"/>
+          </a:fontRef>
+        </p:style>
+        <p:txBody>
+          <a:bodyPr rtlCol="0" anchor="ctr"/>
+          <a:lstStyle/>
+          <a:p>
+            <a:pPr algn="ctr"/>
+            <a:r>
+              <a:rPr lang="ru-RU" sz="2800" dirty="0">
+                <a:solidFill>
+                  <a:schemeClr val="bg1"/>
+                </a:solidFill>
+                <a:latin typeface="Adobe Garamond Pro" panose="02020502060506020403" pitchFamily="18" charset="0"/>
+              </a:rPr>
+              <a:t>Яблоки</a:t>
+            </a:r>
+            <a:endParaRPr lang="ru-RU" sz="2800" dirty="0">
+              <a:solidFill>
+                <a:schemeClr val="bg1"/>
+              </a:solidFill>
+            </a:endParaRPr>
+          </a:p>
+        </p:txBody>
+      </p:sp>
+      <p:sp>
+        <p:nvSpPr>
+          <p:cNvPr id="56" name="Стрелка: пятиугольник 55">
+            <a:extLst>
+              <a:ext uri="{FF2B5EF4-FFF2-40B4-BE49-F238E27FC236}">
+                <a16:creationId xmlns:a16="http://schemas.microsoft.com/office/drawing/2014/main" id="{0DFE0B23-EBB9-411A-A707-5F6CEE85354A}"/>
+              </a:ext>
+            </a:extLst>
+          </p:cNvPr>
+          <p:cNvSpPr/>
+          <p:nvPr/>
+        </p:nvSpPr>
+        <p:spPr>
+          <a:xfrm rot="10800000">
+            <a:off x="5482800" y="3002388"/>
+            <a:ext cx="2885346" cy="633000"/>
+          </a:xfrm>
+          <a:prstGeom prst="homePlate">
+            <a:avLst>
+              <a:gd name="adj" fmla="val 48541"/>
+            </a:avLst>
+          </a:prstGeom>
+        </p:spPr>
+        <p:style>
+          <a:lnRef idx="2">
+            <a:schemeClr val="accent1">
+              <a:shade val="50000"/>
+            </a:schemeClr>
+          </a:lnRef>
+          <a:fillRef idx="1">
+            <a:schemeClr val="accent1"/>
+          </a:fillRef>
+          <a:effectRef idx="0">
+            <a:schemeClr val="accent1"/>
+          </a:effectRef>
+          <a:fontRef idx="minor">
+            <a:schemeClr val="lt1"/>
+          </a:fontRef>
+        </p:style>
+        <p:txBody>
+          <a:bodyPr rtlCol="0" anchor="ctr"/>
+          <a:lstStyle/>
+          <a:p>
+            <a:pPr algn="ctr"/>
+            <a:endParaRPr lang="ru-RU" dirty="0"/>
+          </a:p>
+        </p:txBody>
+      </p:sp>
+      <p:sp>
+        <p:nvSpPr>
+          <p:cNvPr id="57" name="Прямоугольник 56">
+            <a:extLst>
+              <a:ext uri="{FF2B5EF4-FFF2-40B4-BE49-F238E27FC236}">
+                <a16:creationId xmlns:a16="http://schemas.microsoft.com/office/drawing/2014/main" id="{A4A12573-0B07-4B9B-8E7C-18B1FB6690B5}"/>
+              </a:ext>
+            </a:extLst>
+          </p:cNvPr>
+          <p:cNvSpPr/>
+          <p:nvPr/>
+        </p:nvSpPr>
+        <p:spPr>
+          <a:xfrm>
+            <a:off x="5714942" y="3140591"/>
+            <a:ext cx="485125" cy="402942"/>
+          </a:xfrm>
+          <a:prstGeom prst="rect">
+            <a:avLst/>
+          </a:prstGeom>
+          <a:noFill/>
+          <a:ln>
+            <a:noFill/>
+          </a:ln>
+        </p:spPr>
+        <p:style>
+          <a:lnRef idx="2">
+            <a:schemeClr val="accent1">
+              <a:shade val="50000"/>
+            </a:schemeClr>
+          </a:lnRef>
+          <a:fillRef idx="1">
+            <a:schemeClr val="accent1"/>
+          </a:fillRef>
+          <a:effectRef idx="0">
+            <a:schemeClr val="accent1"/>
+          </a:effectRef>
+          <a:fontRef idx="minor">
+            <a:schemeClr val="lt1"/>
+          </a:fontRef>
+        </p:style>
+        <p:txBody>
+          <a:bodyPr rtlCol="0" anchor="ctr"/>
+          <a:lstStyle/>
+          <a:p>
+            <a:pPr algn="ctr"/>
+            <a:r>
+              <a:rPr lang="en-US" sz="3600" dirty="0">
+                <a:solidFill>
+                  <a:schemeClr val="bg1"/>
+                </a:solidFill>
+                <a:latin typeface="Adobe Garamond Pro" panose="02020502060506020403" pitchFamily="18" charset="0"/>
+              </a:rPr>
+              <a:t>li</a:t>
+            </a:r>
+            <a:endParaRPr lang="ru-RU" sz="3600" dirty="0">
+              <a:solidFill>
+                <a:schemeClr val="bg1"/>
+              </a:solidFill>
+            </a:endParaRPr>
+          </a:p>
+        </p:txBody>
+      </p:sp>
+      <p:sp>
+        <p:nvSpPr>
+          <p:cNvPr id="58" name="Прямоугольник 57">
+            <a:extLst>
+              <a:ext uri="{FF2B5EF4-FFF2-40B4-BE49-F238E27FC236}">
+                <a16:creationId xmlns:a16="http://schemas.microsoft.com/office/drawing/2014/main" id="{D794FD76-EDAA-4446-BC05-ECAD7422F9DD}"/>
+              </a:ext>
+            </a:extLst>
+          </p:cNvPr>
+          <p:cNvSpPr/>
+          <p:nvPr/>
+        </p:nvSpPr>
+        <p:spPr>
+          <a:xfrm>
+            <a:off x="6432209" y="3097454"/>
+            <a:ext cx="1935937" cy="402942"/>
+          </a:xfrm>
+          <a:prstGeom prst="rect">
+            <a:avLst/>
+          </a:prstGeom>
+          <a:noFill/>
+          <a:ln>
+            <a:noFill/>
+          </a:ln>
+        </p:spPr>
+        <p:style>
+          <a:lnRef idx="2">
+            <a:schemeClr val="accent1">
+              <a:shade val="50000"/>
+            </a:schemeClr>
+          </a:lnRef>
+          <a:fillRef idx="1">
+            <a:schemeClr val="accent1"/>
+          </a:fillRef>
+          <a:effectRef idx="0">
+            <a:schemeClr val="accent1"/>
+          </a:effectRef>
+          <a:fontRef idx="minor">
+            <a:schemeClr val="lt1"/>
+          </a:fontRef>
+        </p:style>
+        <p:txBody>
+          <a:bodyPr rtlCol="0" anchor="ctr"/>
+          <a:lstStyle/>
+          <a:p>
+            <a:pPr algn="ctr"/>
+            <a:r>
+              <a:rPr lang="ru-RU" sz="2800" dirty="0">
+                <a:solidFill>
+                  <a:schemeClr val="bg1"/>
+                </a:solidFill>
+                <a:latin typeface="Adobe Garamond Pro" panose="02020502060506020403" pitchFamily="18" charset="0"/>
+              </a:rPr>
+              <a:t>Бананы</a:t>
+            </a:r>
+            <a:endParaRPr lang="ru-RU" sz="2800" dirty="0">
+              <a:solidFill>
+                <a:schemeClr val="bg1"/>
+              </a:solidFill>
+            </a:endParaRPr>
+          </a:p>
+        </p:txBody>
+      </p:sp>
+      <p:sp>
+        <p:nvSpPr>
+          <p:cNvPr id="59" name="Стрелка: пятиугольник 58">
+            <a:extLst>
+              <a:ext uri="{FF2B5EF4-FFF2-40B4-BE49-F238E27FC236}">
+                <a16:creationId xmlns:a16="http://schemas.microsoft.com/office/drawing/2014/main" id="{D798E03B-2E98-4E29-9ED4-49E72EF776EC}"/>
+              </a:ext>
+            </a:extLst>
+          </p:cNvPr>
+          <p:cNvSpPr/>
+          <p:nvPr/>
+        </p:nvSpPr>
+        <p:spPr>
+          <a:xfrm rot="10800000">
+            <a:off x="5482800" y="3810586"/>
+            <a:ext cx="2885346" cy="633000"/>
+          </a:xfrm>
+          <a:prstGeom prst="homePlate">
+            <a:avLst>
+              <a:gd name="adj" fmla="val 48541"/>
+            </a:avLst>
+          </a:prstGeom>
+        </p:spPr>
+        <p:style>
+          <a:lnRef idx="2">
+            <a:schemeClr val="accent1">
+              <a:shade val="50000"/>
+            </a:schemeClr>
+          </a:lnRef>
+          <a:fillRef idx="1">
+            <a:schemeClr val="accent1"/>
+          </a:fillRef>
+          <a:effectRef idx="0">
+            <a:schemeClr val="accent1"/>
+          </a:effectRef>
+          <a:fontRef idx="minor">
+            <a:schemeClr val="lt1"/>
+          </a:fontRef>
+        </p:style>
+        <p:txBody>
+          <a:bodyPr rtlCol="0" anchor="ctr"/>
+          <a:lstStyle/>
+          <a:p>
+            <a:pPr algn="ctr"/>
+            <a:endParaRPr lang="ru-RU" dirty="0"/>
+          </a:p>
+        </p:txBody>
+      </p:sp>
+      <p:sp>
+        <p:nvSpPr>
+          <p:cNvPr id="60" name="Прямоугольник 59">
+            <a:extLst>
+              <a:ext uri="{FF2B5EF4-FFF2-40B4-BE49-F238E27FC236}">
+                <a16:creationId xmlns:a16="http://schemas.microsoft.com/office/drawing/2014/main" id="{7A1706A5-A245-4A74-9DB1-E8A085AB780A}"/>
+              </a:ext>
+            </a:extLst>
+          </p:cNvPr>
+          <p:cNvSpPr/>
+          <p:nvPr/>
+        </p:nvSpPr>
+        <p:spPr>
+          <a:xfrm>
+            <a:off x="5714942" y="3948789"/>
+            <a:ext cx="485125" cy="402942"/>
+          </a:xfrm>
+          <a:prstGeom prst="rect">
+            <a:avLst/>
+          </a:prstGeom>
+          <a:noFill/>
+          <a:ln>
+            <a:noFill/>
+          </a:ln>
+        </p:spPr>
+        <p:style>
+          <a:lnRef idx="2">
+            <a:schemeClr val="accent1">
+              <a:shade val="50000"/>
+            </a:schemeClr>
+          </a:lnRef>
+          <a:fillRef idx="1">
+            <a:schemeClr val="accent1"/>
+          </a:fillRef>
+          <a:effectRef idx="0">
+            <a:schemeClr val="accent1"/>
+          </a:effectRef>
+          <a:fontRef idx="minor">
+            <a:schemeClr val="lt1"/>
+          </a:fontRef>
+        </p:style>
+        <p:txBody>
+          <a:bodyPr rtlCol="0" anchor="ctr"/>
+          <a:lstStyle/>
+          <a:p>
+            <a:pPr algn="ctr"/>
+            <a:r>
+              <a:rPr lang="en-US" sz="3600" dirty="0">
+                <a:solidFill>
+                  <a:schemeClr val="bg1"/>
+                </a:solidFill>
+                <a:latin typeface="Adobe Garamond Pro" panose="02020502060506020403" pitchFamily="18" charset="0"/>
+              </a:rPr>
+              <a:t>li</a:t>
+            </a:r>
+            <a:endParaRPr lang="ru-RU" sz="3600" dirty="0">
+              <a:solidFill>
+                <a:schemeClr val="bg1"/>
+              </a:solidFill>
+            </a:endParaRPr>
+          </a:p>
+        </p:txBody>
+      </p:sp>
+      <p:sp>
+        <p:nvSpPr>
+          <p:cNvPr id="61" name="Прямоугольник 60">
+            <a:extLst>
+              <a:ext uri="{FF2B5EF4-FFF2-40B4-BE49-F238E27FC236}">
+                <a16:creationId xmlns:a16="http://schemas.microsoft.com/office/drawing/2014/main" id="{968E5669-75B6-40F2-AC15-A119FF55E00E}"/>
+              </a:ext>
+            </a:extLst>
+          </p:cNvPr>
+          <p:cNvSpPr/>
+          <p:nvPr/>
+        </p:nvSpPr>
+        <p:spPr>
+          <a:xfrm>
+            <a:off x="6432209" y="3905652"/>
+            <a:ext cx="1935937" cy="402942"/>
+          </a:xfrm>
+          <a:prstGeom prst="rect">
+            <a:avLst/>
+          </a:prstGeom>
+          <a:noFill/>
+          <a:ln>
+            <a:noFill/>
+          </a:ln>
+        </p:spPr>
+        <p:style>
+          <a:lnRef idx="2">
+            <a:schemeClr val="accent1">
+              <a:shade val="50000"/>
+            </a:schemeClr>
+          </a:lnRef>
+          <a:fillRef idx="1">
+            <a:schemeClr val="accent1"/>
+          </a:fillRef>
+          <a:effectRef idx="0">
+            <a:schemeClr val="accent1"/>
+          </a:effectRef>
+          <a:fontRef idx="minor">
+            <a:schemeClr val="lt1"/>
+          </a:fontRef>
+        </p:style>
+        <p:txBody>
+          <a:bodyPr rtlCol="0" anchor="ctr"/>
+          <a:lstStyle/>
+          <a:p>
+            <a:pPr algn="ctr"/>
+            <a:r>
+              <a:rPr lang="en-US" sz="2800" dirty="0" err="1">
+                <a:solidFill>
+                  <a:schemeClr val="bg1"/>
+                </a:solidFill>
+                <a:latin typeface="Adobe Garamond Pro" panose="02020502060506020403" pitchFamily="18" charset="0"/>
+              </a:rPr>
+              <a:t>Iphone</a:t>
+            </a:r>
+            <a:endParaRPr lang="ru-RU" sz="2800" dirty="0">
+              <a:solidFill>
+                <a:schemeClr val="bg1"/>
+              </a:solidFill>
+            </a:endParaRPr>
+          </a:p>
+        </p:txBody>
+      </p:sp>
     </p:spTree>
+    <p:extLst>
+      <p:ext uri="{BB962C8B-B14F-4D97-AF65-F5344CB8AC3E}">
+        <p14:creationId xmlns:p14="http://schemas.microsoft.com/office/powerpoint/2010/main" val="3017207059"/>
+      </p:ext>
+    </p:extLst>
   </p:cSld>
   <p:clrMapOvr>
     <a:masterClrMapping/>
   </p:clrMapOvr>
+  <p:timing>
+    <p:tnLst>
+      <p:par>
+        <p:cTn id="1" dur="indefinite" restart="never" nodeType="tmRoot">
+          <p:childTnLst>
+            <p:seq concurrent="1" nextAc="seek">
+              <p:cTn id="2" dur="indefinite" nodeType="mainSeq">
+                <p:childTnLst>
+                  <p:par>
+                    <p:cTn id="3" fill="hold">
+                      <p:stCondLst>
+                        <p:cond delay="indefinite"/>
+                      </p:stCondLst>
+                      <p:childTnLst>
+                        <p:par>
+                          <p:cTn id="4" fill="hold">
+                            <p:stCondLst>
+                              <p:cond delay="0"/>
+                            </p:stCondLst>
+                            <p:childTnLst>
+                              <p:par>
+                                <p:cTn id="5" presetID="10" presetClass="entr" presetSubtype="0" fill="hold" grpId="0" nodeType="clickEffect">
+                                  <p:stCondLst>
+                                    <p:cond delay="0"/>
+                                  </p:stCondLst>
+                                  <p:childTnLst>
+                                    <p:set>
+                                      <p:cBhvr>
+                                        <p:cTn id="6" dur="1" fill="hold">
+                                          <p:stCondLst>
+                                            <p:cond delay="0"/>
+                                          </p:stCondLst>
+                                        </p:cTn>
+                                        <p:tgtEl>
+                                          <p:spTgt spid="52"/>
+                                        </p:tgtEl>
+                                        <p:attrNameLst>
+                                          <p:attrName>style.visibility</p:attrName>
+                                        </p:attrNameLst>
+                                      </p:cBhvr>
+                                      <p:to>
+                                        <p:strVal val="visible"/>
+                                      </p:to>
+                                    </p:set>
+                                    <p:animEffect transition="in" filter="fade">
+                                      <p:cBhvr>
+                                        <p:cTn id="7" dur="500"/>
+                                        <p:tgtEl>
+                                          <p:spTgt spid="52"/>
+                                        </p:tgtEl>
+                                      </p:cBhvr>
+                                    </p:animEffect>
+                                  </p:childTnLst>
+                                </p:cTn>
+                              </p:par>
+                            </p:childTnLst>
+                          </p:cTn>
+                        </p:par>
+                      </p:childTnLst>
+                    </p:cTn>
+                  </p:par>
+                  <p:par>
+                    <p:cTn id="8" fill="hold">
+                      <p:stCondLst>
+                        <p:cond delay="indefinite"/>
+                      </p:stCondLst>
+                      <p:childTnLst>
+                        <p:par>
+                          <p:cTn id="9" fill="hold">
+                            <p:stCondLst>
+                              <p:cond delay="0"/>
+                            </p:stCondLst>
+                            <p:childTnLst>
+                              <p:par>
+                                <p:cTn id="10" presetID="19" presetClass="emph" presetSubtype="0" fill="hold" grpId="0" nodeType="clickEffect">
+                                  <p:stCondLst>
+                                    <p:cond delay="0"/>
+                                  </p:stCondLst>
+                                  <p:childTnLst>
+                                    <p:animClr clrSpc="rgb" dir="cw">
+                                      <p:cBhvr override="childStyle">
+                                        <p:cTn id="11" dur="500" fill="hold"/>
+                                        <p:tgtEl>
+                                          <p:spTgt spid="33"/>
+                                        </p:tgtEl>
+                                        <p:attrNameLst>
+                                          <p:attrName>style.color</p:attrName>
+                                        </p:attrNameLst>
+                                      </p:cBhvr>
+                                      <p:to>
+                                        <a:srgbClr val="2AFE2A"/>
+                                      </p:to>
+                                    </p:animClr>
+                                    <p:animClr clrSpc="rgb" dir="cw">
+                                      <p:cBhvr>
+                                        <p:cTn id="12" dur="500" fill="hold"/>
+                                        <p:tgtEl>
+                                          <p:spTgt spid="33"/>
+                                        </p:tgtEl>
+                                        <p:attrNameLst>
+                                          <p:attrName>fillcolor</p:attrName>
+                                        </p:attrNameLst>
+                                      </p:cBhvr>
+                                      <p:to>
+                                        <a:srgbClr val="2AFE2A"/>
+                                      </p:to>
+                                    </p:animClr>
+                                    <p:set>
+                                      <p:cBhvr>
+                                        <p:cTn id="13" dur="500" fill="hold"/>
+                                        <p:tgtEl>
+                                          <p:spTgt spid="33"/>
+                                        </p:tgtEl>
+                                        <p:attrNameLst>
+                                          <p:attrName>fill.type</p:attrName>
+                                        </p:attrNameLst>
+                                      </p:cBhvr>
+                                      <p:to>
+                                        <p:strVal val="solid"/>
+                                      </p:to>
+                                    </p:set>
+                                    <p:set>
+                                      <p:cBhvr>
+                                        <p:cTn id="14" dur="500" fill="hold"/>
+                                        <p:tgtEl>
+                                          <p:spTgt spid="33"/>
+                                        </p:tgtEl>
+                                        <p:attrNameLst>
+                                          <p:attrName>fill.on</p:attrName>
+                                        </p:attrNameLst>
+                                      </p:cBhvr>
+                                      <p:to>
+                                        <p:strVal val="true"/>
+                                      </p:to>
+                                    </p:set>
+                                  </p:childTnLst>
+                                </p:cTn>
+                              </p:par>
+                            </p:childTnLst>
+                          </p:cTn>
+                        </p:par>
+                        <p:par>
+                          <p:cTn id="15" fill="hold">
+                            <p:stCondLst>
+                              <p:cond delay="500"/>
+                            </p:stCondLst>
+                            <p:childTnLst>
+                              <p:par>
+                                <p:cTn id="16" presetID="19" presetClass="emph" presetSubtype="0" fill="hold" grpId="0" nodeType="afterEffect">
+                                  <p:stCondLst>
+                                    <p:cond delay="200"/>
+                                  </p:stCondLst>
+                                  <p:childTnLst>
+                                    <p:animClr clrSpc="rgb" dir="cw">
+                                      <p:cBhvr override="childStyle">
+                                        <p:cTn id="17" dur="500" fill="hold"/>
+                                        <p:tgtEl>
+                                          <p:spTgt spid="2"/>
+                                        </p:tgtEl>
+                                        <p:attrNameLst>
+                                          <p:attrName>style.color</p:attrName>
+                                        </p:attrNameLst>
+                                      </p:cBhvr>
+                                      <p:to>
+                                        <a:srgbClr val="2AFE2A"/>
+                                      </p:to>
+                                    </p:animClr>
+                                    <p:animClr clrSpc="rgb" dir="cw">
+                                      <p:cBhvr>
+                                        <p:cTn id="18" dur="500" fill="hold"/>
+                                        <p:tgtEl>
+                                          <p:spTgt spid="2"/>
+                                        </p:tgtEl>
+                                        <p:attrNameLst>
+                                          <p:attrName>fillcolor</p:attrName>
+                                        </p:attrNameLst>
+                                      </p:cBhvr>
+                                      <p:to>
+                                        <a:srgbClr val="2AFE2A"/>
+                                      </p:to>
+                                    </p:animClr>
+                                    <p:set>
+                                      <p:cBhvr>
+                                        <p:cTn id="19" dur="500" fill="hold"/>
+                                        <p:tgtEl>
+                                          <p:spTgt spid="2"/>
+                                        </p:tgtEl>
+                                        <p:attrNameLst>
+                                          <p:attrName>fill.type</p:attrName>
+                                        </p:attrNameLst>
+                                      </p:cBhvr>
+                                      <p:to>
+                                        <p:strVal val="solid"/>
+                                      </p:to>
+                                    </p:set>
+                                    <p:set>
+                                      <p:cBhvr>
+                                        <p:cTn id="20" dur="500" fill="hold"/>
+                                        <p:tgtEl>
+                                          <p:spTgt spid="2"/>
+                                        </p:tgtEl>
+                                        <p:attrNameLst>
+                                          <p:attrName>fill.on</p:attrName>
+                                        </p:attrNameLst>
+                                      </p:cBhvr>
+                                      <p:to>
+                                        <p:strVal val="true"/>
+                                      </p:to>
+                                    </p:set>
+                                  </p:childTnLst>
+                                </p:cTn>
+                              </p:par>
+                            </p:childTnLst>
+                          </p:cTn>
+                        </p:par>
+                        <p:par>
+                          <p:cTn id="21" fill="hold">
+                            <p:stCondLst>
+                              <p:cond delay="1200"/>
+                            </p:stCondLst>
+                            <p:childTnLst>
+                              <p:par>
+                                <p:cTn id="22" presetID="19" presetClass="emph" presetSubtype="0" fill="hold" grpId="0" nodeType="afterEffect">
+                                  <p:stCondLst>
+                                    <p:cond delay="0"/>
+                                  </p:stCondLst>
+                                  <p:childTnLst>
+                                    <p:animClr clrSpc="rgb" dir="cw">
+                                      <p:cBhvr override="childStyle">
+                                        <p:cTn id="23" dur="500" fill="hold"/>
+                                        <p:tgtEl>
+                                          <p:spTgt spid="51"/>
+                                        </p:tgtEl>
+                                        <p:attrNameLst>
+                                          <p:attrName>style.color</p:attrName>
+                                        </p:attrNameLst>
+                                      </p:cBhvr>
+                                      <p:to>
+                                        <a:srgbClr val="2AFE2A"/>
+                                      </p:to>
+                                    </p:animClr>
+                                    <p:animClr clrSpc="rgb" dir="cw">
+                                      <p:cBhvr>
+                                        <p:cTn id="24" dur="500" fill="hold"/>
+                                        <p:tgtEl>
+                                          <p:spTgt spid="51"/>
+                                        </p:tgtEl>
+                                        <p:attrNameLst>
+                                          <p:attrName>fillcolor</p:attrName>
+                                        </p:attrNameLst>
+                                      </p:cBhvr>
+                                      <p:to>
+                                        <a:srgbClr val="2AFE2A"/>
+                                      </p:to>
+                                    </p:animClr>
+                                    <p:set>
+                                      <p:cBhvr>
+                                        <p:cTn id="25" dur="500" fill="hold"/>
+                                        <p:tgtEl>
+                                          <p:spTgt spid="51"/>
+                                        </p:tgtEl>
+                                        <p:attrNameLst>
+                                          <p:attrName>fill.type</p:attrName>
+                                        </p:attrNameLst>
+                                      </p:cBhvr>
+                                      <p:to>
+                                        <p:strVal val="solid"/>
+                                      </p:to>
+                                    </p:set>
+                                    <p:set>
+                                      <p:cBhvr>
+                                        <p:cTn id="26" dur="500" fill="hold"/>
+                                        <p:tgtEl>
+                                          <p:spTgt spid="51"/>
+                                        </p:tgtEl>
+                                        <p:attrNameLst>
+                                          <p:attrName>fill.on</p:attrName>
+                                        </p:attrNameLst>
+                                      </p:cBhvr>
+                                      <p:to>
+                                        <p:strVal val="true"/>
+                                      </p:to>
+                                    </p:set>
+                                  </p:childTnLst>
+                                </p:cTn>
+                              </p:par>
+                            </p:childTnLst>
+                          </p:cTn>
+                        </p:par>
+                        <p:par>
+                          <p:cTn id="27" fill="hold">
+                            <p:stCondLst>
+                              <p:cond delay="1700"/>
+                            </p:stCondLst>
+                            <p:childTnLst>
+                              <p:par>
+                                <p:cTn id="28" presetID="19" presetClass="emph" presetSubtype="0" fill="hold" grpId="0" nodeType="afterEffect">
+                                  <p:stCondLst>
+                                    <p:cond delay="0"/>
+                                  </p:stCondLst>
+                                  <p:childTnLst>
+                                    <p:animClr clrSpc="rgb" dir="cw">
+                                      <p:cBhvr override="childStyle">
+                                        <p:cTn id="29" dur="500" fill="hold"/>
+                                        <p:tgtEl>
+                                          <p:spTgt spid="56"/>
+                                        </p:tgtEl>
+                                        <p:attrNameLst>
+                                          <p:attrName>style.color</p:attrName>
+                                        </p:attrNameLst>
+                                      </p:cBhvr>
+                                      <p:to>
+                                        <a:srgbClr val="2AFE2A"/>
+                                      </p:to>
+                                    </p:animClr>
+                                    <p:animClr clrSpc="rgb" dir="cw">
+                                      <p:cBhvr>
+                                        <p:cTn id="30" dur="500" fill="hold"/>
+                                        <p:tgtEl>
+                                          <p:spTgt spid="56"/>
+                                        </p:tgtEl>
+                                        <p:attrNameLst>
+                                          <p:attrName>fillcolor</p:attrName>
+                                        </p:attrNameLst>
+                                      </p:cBhvr>
+                                      <p:to>
+                                        <a:srgbClr val="2AFE2A"/>
+                                      </p:to>
+                                    </p:animClr>
+                                    <p:set>
+                                      <p:cBhvr>
+                                        <p:cTn id="31" dur="500" fill="hold"/>
+                                        <p:tgtEl>
+                                          <p:spTgt spid="56"/>
+                                        </p:tgtEl>
+                                        <p:attrNameLst>
+                                          <p:attrName>fill.type</p:attrName>
+                                        </p:attrNameLst>
+                                      </p:cBhvr>
+                                      <p:to>
+                                        <p:strVal val="solid"/>
+                                      </p:to>
+                                    </p:set>
+                                    <p:set>
+                                      <p:cBhvr>
+                                        <p:cTn id="32" dur="500" fill="hold"/>
+                                        <p:tgtEl>
+                                          <p:spTgt spid="56"/>
+                                        </p:tgtEl>
+                                        <p:attrNameLst>
+                                          <p:attrName>fill.on</p:attrName>
+                                        </p:attrNameLst>
+                                      </p:cBhvr>
+                                      <p:to>
+                                        <p:strVal val="true"/>
+                                      </p:to>
+                                    </p:set>
+                                  </p:childTnLst>
+                                </p:cTn>
+                              </p:par>
+                            </p:childTnLst>
+                          </p:cTn>
+                        </p:par>
+                        <p:par>
+                          <p:cTn id="33" fill="hold">
+                            <p:stCondLst>
+                              <p:cond delay="2200"/>
+                            </p:stCondLst>
+                            <p:childTnLst>
+                              <p:par>
+                                <p:cTn id="34" presetID="19" presetClass="emph" presetSubtype="0" fill="hold" grpId="1" nodeType="afterEffect">
+                                  <p:stCondLst>
+                                    <p:cond delay="0"/>
+                                  </p:stCondLst>
+                                  <p:childTnLst>
+                                    <p:animClr clrSpc="rgb" dir="cw">
+                                      <p:cBhvr override="childStyle">
+                                        <p:cTn id="35" dur="500" fill="hold"/>
+                                        <p:tgtEl>
+                                          <p:spTgt spid="52"/>
+                                        </p:tgtEl>
+                                        <p:attrNameLst>
+                                          <p:attrName>style.color</p:attrName>
+                                        </p:attrNameLst>
+                                      </p:cBhvr>
+                                      <p:to>
+                                        <a:srgbClr val="2AFE2A"/>
+                                      </p:to>
+                                    </p:animClr>
+                                    <p:animClr clrSpc="rgb" dir="cw">
+                                      <p:cBhvr>
+                                        <p:cTn id="36" dur="500" fill="hold"/>
+                                        <p:tgtEl>
+                                          <p:spTgt spid="52"/>
+                                        </p:tgtEl>
+                                        <p:attrNameLst>
+                                          <p:attrName>fillcolor</p:attrName>
+                                        </p:attrNameLst>
+                                      </p:cBhvr>
+                                      <p:to>
+                                        <a:srgbClr val="2AFE2A"/>
+                                      </p:to>
+                                    </p:animClr>
+                                    <p:set>
+                                      <p:cBhvr>
+                                        <p:cTn id="37" dur="500" fill="hold"/>
+                                        <p:tgtEl>
+                                          <p:spTgt spid="52"/>
+                                        </p:tgtEl>
+                                        <p:attrNameLst>
+                                          <p:attrName>fill.type</p:attrName>
+                                        </p:attrNameLst>
+                                      </p:cBhvr>
+                                      <p:to>
+                                        <p:strVal val="solid"/>
+                                      </p:to>
+                                    </p:set>
+                                    <p:set>
+                                      <p:cBhvr>
+                                        <p:cTn id="38" dur="500" fill="hold"/>
+                                        <p:tgtEl>
+                                          <p:spTgt spid="52"/>
+                                        </p:tgtEl>
+                                        <p:attrNameLst>
+                                          <p:attrName>fill.on</p:attrName>
+                                        </p:attrNameLst>
+                                      </p:cBhvr>
+                                      <p:to>
+                                        <p:strVal val="true"/>
+                                      </p:to>
+                                    </p:set>
+                                  </p:childTnLst>
+                                </p:cTn>
+                              </p:par>
+                            </p:childTnLst>
+                          </p:cTn>
+                        </p:par>
+                        <p:par>
+                          <p:cTn id="39" fill="hold">
+                            <p:stCondLst>
+                              <p:cond delay="2700"/>
+                            </p:stCondLst>
+                            <p:childTnLst>
+                              <p:par>
+                                <p:cTn id="40" presetID="10" presetClass="entr" presetSubtype="0" fill="hold" grpId="0" nodeType="afterEffect">
+                                  <p:stCondLst>
+                                    <p:cond delay="500"/>
+                                  </p:stCondLst>
+                                  <p:childTnLst>
+                                    <p:set>
+                                      <p:cBhvr>
+                                        <p:cTn id="41" dur="1" fill="hold">
+                                          <p:stCondLst>
+                                            <p:cond delay="0"/>
+                                          </p:stCondLst>
+                                        </p:cTn>
+                                        <p:tgtEl>
+                                          <p:spTgt spid="59"/>
+                                        </p:tgtEl>
+                                        <p:attrNameLst>
+                                          <p:attrName>style.visibility</p:attrName>
+                                        </p:attrNameLst>
+                                      </p:cBhvr>
+                                      <p:to>
+                                        <p:strVal val="visible"/>
+                                      </p:to>
+                                    </p:set>
+                                    <p:animEffect transition="in" filter="fade">
+                                      <p:cBhvr>
+                                        <p:cTn id="42" dur="500"/>
+                                        <p:tgtEl>
+                                          <p:spTgt spid="59"/>
+                                        </p:tgtEl>
+                                      </p:cBhvr>
+                                    </p:animEffect>
+                                  </p:childTnLst>
+                                </p:cTn>
+                              </p:par>
+                              <p:par>
+                                <p:cTn id="43" presetID="10" presetClass="entr" presetSubtype="0" fill="hold" grpId="0" nodeType="withEffect">
+                                  <p:stCondLst>
+                                    <p:cond delay="500"/>
+                                  </p:stCondLst>
+                                  <p:childTnLst>
+                                    <p:set>
+                                      <p:cBhvr>
+                                        <p:cTn id="44" dur="1" fill="hold">
+                                          <p:stCondLst>
+                                            <p:cond delay="0"/>
+                                          </p:stCondLst>
+                                        </p:cTn>
+                                        <p:tgtEl>
+                                          <p:spTgt spid="60"/>
+                                        </p:tgtEl>
+                                        <p:attrNameLst>
+                                          <p:attrName>style.visibility</p:attrName>
+                                        </p:attrNameLst>
+                                      </p:cBhvr>
+                                      <p:to>
+                                        <p:strVal val="visible"/>
+                                      </p:to>
+                                    </p:set>
+                                    <p:animEffect transition="in" filter="fade">
+                                      <p:cBhvr>
+                                        <p:cTn id="45" dur="500"/>
+                                        <p:tgtEl>
+                                          <p:spTgt spid="60"/>
+                                        </p:tgtEl>
+                                      </p:cBhvr>
+                                    </p:animEffect>
+                                  </p:childTnLst>
+                                </p:cTn>
+                              </p:par>
+                              <p:par>
+                                <p:cTn id="46" presetID="10" presetClass="entr" presetSubtype="0" fill="hold" grpId="0" nodeType="withEffect">
+                                  <p:stCondLst>
+                                    <p:cond delay="500"/>
+                                  </p:stCondLst>
+                                  <p:childTnLst>
+                                    <p:set>
+                                      <p:cBhvr>
+                                        <p:cTn id="47" dur="1" fill="hold">
+                                          <p:stCondLst>
+                                            <p:cond delay="0"/>
+                                          </p:stCondLst>
+                                        </p:cTn>
+                                        <p:tgtEl>
+                                          <p:spTgt spid="61"/>
+                                        </p:tgtEl>
+                                        <p:attrNameLst>
+                                          <p:attrName>style.visibility</p:attrName>
+                                        </p:attrNameLst>
+                                      </p:cBhvr>
+                                      <p:to>
+                                        <p:strVal val="visible"/>
+                                      </p:to>
+                                    </p:set>
+                                    <p:animEffect transition="in" filter="fade">
+                                      <p:cBhvr>
+                                        <p:cTn id="48" dur="500"/>
+                                        <p:tgtEl>
+                                          <p:spTgt spid="61"/>
+                                        </p:tgtEl>
+                                      </p:cBhvr>
+                                    </p:animEffect>
+                                  </p:childTnLst>
+                                </p:cTn>
+                              </p:par>
+                            </p:childTnLst>
+                          </p:cTn>
+                        </p:par>
+                      </p:childTnLst>
+                    </p:cTn>
+                  </p:par>
+                </p:childTnLst>
+              </p:cTn>
+              <p:prevCondLst>
+                <p:cond evt="onPrev" delay="0">
+                  <p:tgtEl>
+                    <p:sldTgt/>
+                  </p:tgtEl>
+                </p:cond>
+              </p:prevCondLst>
+              <p:nextCondLst>
+                <p:cond evt="onNext" delay="0">
+                  <p:tgtEl>
+                    <p:sldTgt/>
+                  </p:tgtEl>
+                </p:cond>
+              </p:nextCondLst>
+            </p:seq>
+          </p:childTnLst>
+        </p:cTn>
+      </p:par>
+    </p:tnLst>
+    <p:bldLst>
+      <p:bldP spid="33" grpId="0" animBg="1" autoUpdateAnimBg="0"/>
+      <p:bldP spid="51" grpId="0" animBg="1"/>
+      <p:bldP spid="52" grpId="0" animBg="1"/>
+      <p:bldP spid="52" grpId="1" animBg="1"/>
+      <p:bldP spid="2" grpId="0" animBg="1"/>
+      <p:bldP spid="56" grpId="0" animBg="1"/>
+      <p:bldP spid="59" grpId="0" animBg="1"/>
+      <p:bldP spid="60" grpId="0"/>
+      <p:bldP spid="61" grpId="0"/>
+    </p:bldLst>
+  </p:timing>
 </p:sld>
 </file>
 
@@ -19602,6 +21421,594 @@
         <p:spPr>
           <a:xfrm>
             <a:off x="206100" y="1167725"/>
+            <a:ext cx="8731800" cy="2088300"/>
+          </a:xfrm>
+          <a:prstGeom prst="rect">
+            <a:avLst/>
+          </a:prstGeom>
+          <a:noFill/>
+          <a:ln>
+            <a:noFill/>
+          </a:ln>
+        </p:spPr>
+        <p:txBody>
+          <a:bodyPr spcFirstLastPara="1" wrap="square" lIns="91425" tIns="91425" rIns="91425" bIns="91425" anchor="t" anchorCtr="0">
+            <a:noAutofit/>
+          </a:bodyPr>
+          <a:lstStyle/>
+          <a:p>
+            <a:pPr marL="0" lvl="0" indent="0" algn="l" rtl="0">
+              <a:spcBef>
+                <a:spcPts val="0"/>
+              </a:spcBef>
+              <a:spcAft>
+                <a:spcPts val="0"/>
+              </a:spcAft>
+              <a:buClr>
+                <a:schemeClr val="dk1"/>
+              </a:buClr>
+              <a:buSzPts val="2000"/>
+              <a:buFont typeface="Arial"/>
+              <a:buNone/>
+            </a:pPr>
+            <a:r>
+              <a:rPr lang="ru-RU" sz="2000" dirty="0">
+                <a:solidFill>
+                  <a:srgbClr val="2875C3"/>
+                </a:solidFill>
+                <a:latin typeface="Tahoma"/>
+                <a:ea typeface="Tahoma"/>
+                <a:cs typeface="Tahoma"/>
+                <a:sym typeface="Tahoma"/>
+              </a:rPr>
+              <a:t>Первое знакомство</a:t>
+            </a:r>
+            <a:endParaRPr sz="1600" b="1" i="0" u="none" strike="noStrike" cap="none" dirty="0">
+              <a:solidFill>
+                <a:srgbClr val="2875C3"/>
+              </a:solidFill>
+              <a:latin typeface="Tahoma"/>
+              <a:ea typeface="Tahoma"/>
+              <a:cs typeface="Tahoma"/>
+              <a:sym typeface="Tahoma"/>
+            </a:endParaRPr>
+          </a:p>
+          <a:p>
+            <a:pPr marL="0" lvl="0" indent="0" algn="l" rtl="0">
+              <a:spcBef>
+                <a:spcPts val="0"/>
+              </a:spcBef>
+              <a:spcAft>
+                <a:spcPts val="0"/>
+              </a:spcAft>
+              <a:buClr>
+                <a:schemeClr val="dk1"/>
+              </a:buClr>
+              <a:buSzPts val="2000"/>
+              <a:buFont typeface="Arial"/>
+              <a:buNone/>
+            </a:pPr>
+            <a:endParaRPr sz="1600" b="1" dirty="0">
+              <a:latin typeface="Tahoma"/>
+              <a:ea typeface="Tahoma"/>
+              <a:cs typeface="Tahoma"/>
+              <a:sym typeface="Tahoma"/>
+            </a:endParaRPr>
+          </a:p>
+          <a:p>
+            <a:pPr marL="139700">
+              <a:lnSpc>
+                <a:spcPct val="115000"/>
+              </a:lnSpc>
+              <a:buClr>
+                <a:schemeClr val="dk1"/>
+              </a:buClr>
+              <a:buSzPts val="1400"/>
+            </a:pPr>
+            <a:r>
+              <a:rPr lang="ru-RU" dirty="0">
+                <a:solidFill>
+                  <a:schemeClr val="dk1"/>
+                </a:solidFill>
+                <a:latin typeface="Tahoma"/>
+                <a:ea typeface="Tahoma"/>
+                <a:cs typeface="Tahoma"/>
+                <a:sym typeface="Tahoma"/>
+              </a:rPr>
+              <a:t>Устанавливаем приложение с шаблоном </a:t>
+            </a:r>
+            <a:r>
+              <a:rPr lang="en-US" dirty="0">
+                <a:solidFill>
+                  <a:schemeClr val="dk1"/>
+                </a:solidFill>
+                <a:latin typeface="Tahoma"/>
+                <a:ea typeface="Tahoma"/>
+                <a:cs typeface="Tahoma"/>
+                <a:sym typeface="Tahoma"/>
+              </a:rPr>
+              <a:t>react </a:t>
+            </a:r>
+            <a:r>
+              <a:rPr lang="ru-RU" dirty="0">
+                <a:solidFill>
+                  <a:schemeClr val="dk1"/>
+                </a:solidFill>
+                <a:latin typeface="Tahoma"/>
+                <a:ea typeface="Tahoma"/>
+                <a:cs typeface="Tahoma"/>
+                <a:sym typeface="Tahoma"/>
+              </a:rPr>
+              <a:t>приложения</a:t>
+            </a:r>
+          </a:p>
+          <a:p>
+            <a:pPr marL="139700" marR="0" lvl="0" algn="l" rtl="0">
+              <a:lnSpc>
+                <a:spcPct val="115000"/>
+              </a:lnSpc>
+              <a:spcBef>
+                <a:spcPts val="0"/>
+              </a:spcBef>
+              <a:spcAft>
+                <a:spcPts val="0"/>
+              </a:spcAft>
+              <a:buClr>
+                <a:schemeClr val="dk1"/>
+              </a:buClr>
+              <a:buSzPts val="1400"/>
+            </a:pPr>
+            <a:r>
+              <a:rPr lang="en-US" sz="1800" dirty="0" err="1">
+                <a:solidFill>
+                  <a:schemeClr val="accent5">
+                    <a:lumMod val="50000"/>
+                  </a:schemeClr>
+                </a:solidFill>
+                <a:latin typeface="Tahoma"/>
+                <a:ea typeface="Tahoma"/>
+                <a:cs typeface="Tahoma"/>
+                <a:sym typeface="Tahoma"/>
+              </a:rPr>
+              <a:t>npm</a:t>
+            </a:r>
+            <a:r>
+              <a:rPr lang="en-US" sz="1800" dirty="0">
+                <a:solidFill>
+                  <a:schemeClr val="accent5">
+                    <a:lumMod val="50000"/>
+                  </a:schemeClr>
+                </a:solidFill>
+                <a:latin typeface="Tahoma"/>
+                <a:ea typeface="Tahoma"/>
+                <a:cs typeface="Tahoma"/>
+                <a:sym typeface="Tahoma"/>
+              </a:rPr>
+              <a:t> install –g create-react-app</a:t>
+            </a:r>
+            <a:endParaRPr lang="ru-RU" sz="1800" dirty="0">
+              <a:solidFill>
+                <a:schemeClr val="accent5">
+                  <a:lumMod val="50000"/>
+                </a:schemeClr>
+              </a:solidFill>
+              <a:latin typeface="Tahoma"/>
+              <a:ea typeface="Tahoma"/>
+              <a:cs typeface="Tahoma"/>
+              <a:sym typeface="Tahoma"/>
+            </a:endParaRPr>
+          </a:p>
+          <a:p>
+            <a:pPr marL="139700" marR="0" lvl="0" algn="l" rtl="0">
+              <a:lnSpc>
+                <a:spcPct val="115000"/>
+              </a:lnSpc>
+              <a:spcBef>
+                <a:spcPts val="0"/>
+              </a:spcBef>
+              <a:spcAft>
+                <a:spcPts val="0"/>
+              </a:spcAft>
+              <a:buClr>
+                <a:schemeClr val="dk1"/>
+              </a:buClr>
+              <a:buSzPts val="1400"/>
+            </a:pPr>
+            <a:endParaRPr lang="ru-RU" sz="1400" b="0" i="0" u="none" strike="noStrike" cap="none" dirty="0">
+              <a:solidFill>
+                <a:schemeClr val="dk1"/>
+              </a:solidFill>
+              <a:latin typeface="Tahoma"/>
+              <a:ea typeface="Tahoma"/>
+              <a:cs typeface="Tahoma"/>
+              <a:sym typeface="Tahoma"/>
+            </a:endParaRPr>
+          </a:p>
+          <a:p>
+            <a:pPr marL="139700" marR="0" lvl="0" algn="l" rtl="0">
+              <a:lnSpc>
+                <a:spcPct val="115000"/>
+              </a:lnSpc>
+              <a:spcBef>
+                <a:spcPts val="0"/>
+              </a:spcBef>
+              <a:spcAft>
+                <a:spcPts val="0"/>
+              </a:spcAft>
+              <a:buClr>
+                <a:schemeClr val="dk1"/>
+              </a:buClr>
+              <a:buSzPts val="1400"/>
+            </a:pPr>
+            <a:r>
+              <a:rPr lang="ru-RU" dirty="0">
+                <a:solidFill>
+                  <a:schemeClr val="dk1"/>
+                </a:solidFill>
+                <a:latin typeface="Tahoma"/>
+                <a:ea typeface="Tahoma"/>
+                <a:cs typeface="Tahoma"/>
+                <a:sym typeface="Tahoma"/>
+              </a:rPr>
+              <a:t>Создаем </a:t>
+            </a:r>
+            <a:r>
+              <a:rPr lang="en-US" dirty="0" err="1">
+                <a:solidFill>
+                  <a:schemeClr val="dk1"/>
+                </a:solidFill>
+                <a:latin typeface="Tahoma"/>
+                <a:ea typeface="Tahoma"/>
+                <a:cs typeface="Tahoma"/>
+                <a:sym typeface="Tahoma"/>
+              </a:rPr>
+              <a:t>hellow</a:t>
+            </a:r>
+            <a:r>
+              <a:rPr lang="en-US" dirty="0">
+                <a:solidFill>
+                  <a:schemeClr val="dk1"/>
+                </a:solidFill>
+                <a:latin typeface="Tahoma"/>
+                <a:ea typeface="Tahoma"/>
+                <a:cs typeface="Tahoma"/>
+                <a:sym typeface="Tahoma"/>
+              </a:rPr>
+              <a:t>-world </a:t>
+            </a:r>
+            <a:r>
+              <a:rPr lang="ru-RU" dirty="0">
+                <a:solidFill>
+                  <a:schemeClr val="dk1"/>
+                </a:solidFill>
+                <a:latin typeface="Tahoma"/>
+                <a:ea typeface="Tahoma"/>
+                <a:cs typeface="Tahoma"/>
+                <a:sym typeface="Tahoma"/>
+              </a:rPr>
+              <a:t>приложение </a:t>
+            </a:r>
+            <a:endParaRPr lang="ru-RU" sz="1400" b="0" i="0" u="none" strike="noStrike" cap="none" dirty="0">
+              <a:solidFill>
+                <a:schemeClr val="dk1"/>
+              </a:solidFill>
+              <a:latin typeface="Tahoma"/>
+              <a:ea typeface="Tahoma"/>
+              <a:cs typeface="Tahoma"/>
+              <a:sym typeface="Tahoma"/>
+            </a:endParaRPr>
+          </a:p>
+          <a:p>
+            <a:pPr marL="139700" marR="0" lvl="0" algn="l" rtl="0">
+              <a:lnSpc>
+                <a:spcPct val="115000"/>
+              </a:lnSpc>
+              <a:spcBef>
+                <a:spcPts val="0"/>
+              </a:spcBef>
+              <a:spcAft>
+                <a:spcPts val="0"/>
+              </a:spcAft>
+              <a:buClr>
+                <a:schemeClr val="dk1"/>
+              </a:buClr>
+              <a:buSzPts val="1400"/>
+            </a:pPr>
+            <a:r>
+              <a:rPr lang="en-US" sz="1800" dirty="0">
+                <a:solidFill>
+                  <a:schemeClr val="accent5">
+                    <a:lumMod val="50000"/>
+                  </a:schemeClr>
+                </a:solidFill>
+                <a:latin typeface="Tahoma"/>
+                <a:ea typeface="Tahoma"/>
+                <a:cs typeface="Tahoma"/>
+                <a:sym typeface="Tahoma"/>
+              </a:rPr>
+              <a:t>create-react-app </a:t>
+            </a:r>
+            <a:r>
+              <a:rPr lang="en-US" sz="1800" dirty="0" err="1">
+                <a:solidFill>
+                  <a:schemeClr val="accent5">
+                    <a:lumMod val="50000"/>
+                  </a:schemeClr>
+                </a:solidFill>
+                <a:latin typeface="Tahoma"/>
+                <a:ea typeface="Tahoma"/>
+                <a:cs typeface="Tahoma"/>
+                <a:sym typeface="Tahoma"/>
+              </a:rPr>
+              <a:t>hellow</a:t>
+            </a:r>
+            <a:r>
+              <a:rPr lang="en-US" sz="1800" dirty="0">
+                <a:solidFill>
+                  <a:schemeClr val="accent5">
+                    <a:lumMod val="50000"/>
+                  </a:schemeClr>
+                </a:solidFill>
+                <a:latin typeface="Tahoma"/>
+                <a:ea typeface="Tahoma"/>
+                <a:cs typeface="Tahoma"/>
+                <a:sym typeface="Tahoma"/>
+              </a:rPr>
+              <a:t>-world</a:t>
+            </a:r>
+            <a:endParaRPr sz="1800" dirty="0">
+              <a:solidFill>
+                <a:schemeClr val="accent5">
+                  <a:lumMod val="50000"/>
+                </a:schemeClr>
+              </a:solidFill>
+              <a:latin typeface="Tahoma"/>
+              <a:ea typeface="Tahoma"/>
+              <a:cs typeface="Tahoma"/>
+              <a:sym typeface="Tahoma"/>
+            </a:endParaRPr>
+          </a:p>
+        </p:txBody>
+      </p:sp>
+      <p:sp>
+        <p:nvSpPr>
+          <p:cNvPr id="6" name="Google Shape;109;p24">
+            <a:extLst>
+              <a:ext uri="{FF2B5EF4-FFF2-40B4-BE49-F238E27FC236}">
+                <a16:creationId xmlns:a16="http://schemas.microsoft.com/office/drawing/2014/main" id="{A7E892A2-CF5A-4C76-B03A-1A5C69AB0A8C}"/>
+              </a:ext>
+            </a:extLst>
+          </p:cNvPr>
+          <p:cNvSpPr/>
+          <p:nvPr/>
+        </p:nvSpPr>
+        <p:spPr>
+          <a:xfrm>
+            <a:off x="0" y="5038200"/>
+            <a:ext cx="9144000" cy="105300"/>
+          </a:xfrm>
+          <a:prstGeom prst="rect">
+            <a:avLst/>
+          </a:prstGeom>
+          <a:solidFill>
+            <a:srgbClr val="662483"/>
+          </a:solidFill>
+          <a:ln>
+            <a:noFill/>
+          </a:ln>
+        </p:spPr>
+        <p:txBody>
+          <a:bodyPr spcFirstLastPara="1" wrap="square" lIns="91425" tIns="91425" rIns="91425" bIns="91425" anchor="ctr" anchorCtr="0">
+            <a:noAutofit/>
+          </a:bodyPr>
+          <a:lstStyle/>
+          <a:p>
+            <a:pPr marL="0" marR="0" lvl="0" indent="0" algn="l" rtl="0">
+              <a:lnSpc>
+                <a:spcPct val="100000"/>
+              </a:lnSpc>
+              <a:spcBef>
+                <a:spcPts val="0"/>
+              </a:spcBef>
+              <a:spcAft>
+                <a:spcPts val="0"/>
+              </a:spcAft>
+              <a:buClr>
+                <a:srgbClr val="000000"/>
+              </a:buClr>
+              <a:buSzPts val="1400"/>
+              <a:buFont typeface="Arial"/>
+              <a:buNone/>
+            </a:pPr>
+            <a:endParaRPr sz="1400" b="0" i="0" u="none" strike="noStrike" cap="none">
+              <a:solidFill>
+                <a:srgbClr val="000000"/>
+              </a:solidFill>
+              <a:latin typeface="Arial"/>
+              <a:ea typeface="Arial"/>
+              <a:cs typeface="Arial"/>
+              <a:sym typeface="Arial"/>
+            </a:endParaRPr>
+          </a:p>
+        </p:txBody>
+      </p:sp>
+    </p:spTree>
+  </p:cSld>
+  <p:clrMapOvr>
+    <a:masterClrMapping/>
+  </p:clrMapOvr>
+</p:sld>
+</file>
+
+<file path=ppt/slides/slide15.xml><?xml version="1.0" encoding="utf-8"?>
+<p:sld xmlns:a="http://schemas.openxmlformats.org/drawingml/2006/main" xmlns:r="http://schemas.openxmlformats.org/officeDocument/2006/relationships" xmlns:p="http://schemas.openxmlformats.org/presentationml/2006/main">
+  <p:cSld>
+    <p:spTree>
+      <p:nvGrpSpPr>
+        <p:cNvPr id="1" name="Shape 140"/>
+        <p:cNvGrpSpPr/>
+        <p:nvPr/>
+      </p:nvGrpSpPr>
+      <p:grpSpPr>
+        <a:xfrm>
+          <a:off x="0" y="0"/>
+          <a:ext cx="0" cy="0"/>
+          <a:chOff x="0" y="0"/>
+          <a:chExt cx="0" cy="0"/>
+        </a:xfrm>
+      </p:grpSpPr>
+      <p:grpSp>
+        <p:nvGrpSpPr>
+          <p:cNvPr id="141" name="Google Shape;141;p27"/>
+          <p:cNvGrpSpPr/>
+          <p:nvPr/>
+        </p:nvGrpSpPr>
+        <p:grpSpPr>
+          <a:xfrm>
+            <a:off x="0" y="0"/>
+            <a:ext cx="9144000" cy="633000"/>
+            <a:chOff x="125" y="215925"/>
+            <a:chExt cx="9144000" cy="633000"/>
+          </a:xfrm>
+        </p:grpSpPr>
+        <p:sp>
+          <p:nvSpPr>
+            <p:cNvPr id="142" name="Google Shape;142;p27"/>
+            <p:cNvSpPr/>
+            <p:nvPr/>
+          </p:nvSpPr>
+          <p:spPr>
+            <a:xfrm>
+              <a:off x="125" y="215925"/>
+              <a:ext cx="9144000" cy="633000"/>
+            </a:xfrm>
+            <a:prstGeom prst="rect">
+              <a:avLst/>
+            </a:prstGeom>
+            <a:solidFill>
+              <a:srgbClr val="88AF43"/>
+            </a:solidFill>
+            <a:ln w="9525" cap="flat" cmpd="sng">
+              <a:solidFill>
+                <a:srgbClr val="88AF43"/>
+              </a:solidFill>
+              <a:prstDash val="solid"/>
+              <a:round/>
+              <a:headEnd type="none" w="sm" len="sm"/>
+              <a:tailEnd type="none" w="sm" len="sm"/>
+            </a:ln>
+          </p:spPr>
+          <p:txBody>
+            <a:bodyPr spcFirstLastPara="1" wrap="square" lIns="91425" tIns="91425" rIns="91425" bIns="91425" anchor="ctr" anchorCtr="0">
+              <a:noAutofit/>
+            </a:bodyPr>
+            <a:lstStyle/>
+            <a:p>
+              <a:pPr marL="0" marR="0" lvl="0" indent="0" algn="l" rtl="0">
+                <a:lnSpc>
+                  <a:spcPct val="100000"/>
+                </a:lnSpc>
+                <a:spcBef>
+                  <a:spcPts val="0"/>
+                </a:spcBef>
+                <a:spcAft>
+                  <a:spcPts val="0"/>
+                </a:spcAft>
+                <a:buClr>
+                  <a:srgbClr val="000000"/>
+                </a:buClr>
+                <a:buSzPts val="1400"/>
+                <a:buFont typeface="Arial"/>
+                <a:buNone/>
+              </a:pPr>
+              <a:endParaRPr sz="1400" b="0" i="0" u="none" strike="noStrike" cap="none">
+                <a:solidFill>
+                  <a:srgbClr val="000000"/>
+                </a:solidFill>
+                <a:latin typeface="Arial"/>
+                <a:ea typeface="Arial"/>
+                <a:cs typeface="Arial"/>
+                <a:sym typeface="Arial"/>
+              </a:endParaRPr>
+            </a:p>
+          </p:txBody>
+        </p:sp>
+        <p:sp>
+          <p:nvSpPr>
+            <p:cNvPr id="143" name="Google Shape;143;p27"/>
+            <p:cNvSpPr txBox="1"/>
+            <p:nvPr/>
+          </p:nvSpPr>
+          <p:spPr>
+            <a:xfrm>
+              <a:off x="181650" y="285825"/>
+              <a:ext cx="5786400" cy="493200"/>
+            </a:xfrm>
+            <a:prstGeom prst="rect">
+              <a:avLst/>
+            </a:prstGeom>
+            <a:noFill/>
+            <a:ln>
+              <a:noFill/>
+            </a:ln>
+          </p:spPr>
+          <p:txBody>
+            <a:bodyPr spcFirstLastPara="1" wrap="square" lIns="91425" tIns="91425" rIns="91425" bIns="91425" anchor="t" anchorCtr="0">
+              <a:noAutofit/>
+            </a:bodyPr>
+            <a:lstStyle/>
+            <a:p>
+              <a:pPr marL="0" marR="0" lvl="0" indent="0" algn="l" rtl="0">
+                <a:lnSpc>
+                  <a:spcPct val="100000"/>
+                </a:lnSpc>
+                <a:spcBef>
+                  <a:spcPts val="0"/>
+                </a:spcBef>
+                <a:spcAft>
+                  <a:spcPts val="0"/>
+                </a:spcAft>
+                <a:buClr>
+                  <a:srgbClr val="000000"/>
+                </a:buClr>
+                <a:buSzPts val="2000"/>
+                <a:buFont typeface="Arial"/>
+                <a:buNone/>
+              </a:pPr>
+              <a:r>
+                <a:rPr lang="en-US" sz="2000" dirty="0">
+                  <a:solidFill>
+                    <a:srgbClr val="FFFFFF"/>
+                  </a:solidFill>
+                  <a:latin typeface="Tahoma"/>
+                  <a:ea typeface="Tahoma"/>
+                  <a:cs typeface="Tahoma"/>
+                  <a:sym typeface="Tahoma"/>
+                </a:rPr>
+                <a:t>Hello world</a:t>
+              </a:r>
+              <a:endParaRPr sz="1400" b="0" i="0" u="none" strike="noStrike" cap="none" dirty="0">
+                <a:solidFill>
+                  <a:srgbClr val="000000"/>
+                </a:solidFill>
+                <a:latin typeface="Arial"/>
+                <a:ea typeface="Arial"/>
+                <a:cs typeface="Arial"/>
+                <a:sym typeface="Arial"/>
+              </a:endParaRPr>
+            </a:p>
+          </p:txBody>
+        </p:sp>
+      </p:grpSp>
+      <p:sp>
+        <p:nvSpPr>
+          <p:cNvPr id="144" name="Google Shape;144;p27"/>
+          <p:cNvSpPr txBox="1"/>
+          <p:nvPr/>
+        </p:nvSpPr>
+        <p:spPr>
+          <a:xfrm>
+            <a:off x="206100" y="1167725"/>
             <a:ext cx="8671200" cy="2088300"/>
           </a:xfrm>
           <a:prstGeom prst="rect">
@@ -20040,7 +22447,7 @@
 </p:sld>
 </file>
 
-<file path=ppt/slides/slide15.xml><?xml version="1.0" encoding="utf-8"?>
+<file path=ppt/slides/slide16.xml><?xml version="1.0" encoding="utf-8"?>
 <p:sld xmlns:a="http://schemas.openxmlformats.org/drawingml/2006/main" xmlns:r="http://schemas.openxmlformats.org/officeDocument/2006/relationships" xmlns:p="http://schemas.openxmlformats.org/presentationml/2006/main">
   <p:cSld>
     <p:spTree>
@@ -21028,7 +23435,7 @@
 </p:sld>
 </file>
 
-<file path=ppt/slides/slide16.xml><?xml version="1.0" encoding="utf-8"?>
+<file path=ppt/slides/slide17.xml><?xml version="1.0" encoding="utf-8"?>
 <p:sld xmlns:a="http://schemas.openxmlformats.org/drawingml/2006/main" xmlns:r="http://schemas.openxmlformats.org/officeDocument/2006/relationships" xmlns:p="http://schemas.openxmlformats.org/presentationml/2006/main">
   <p:cSld>
     <p:spTree>
@@ -21784,7 +24191,7 @@
 </p:sld>
 </file>
 
-<file path=ppt/slides/slide17.xml><?xml version="1.0" encoding="utf-8"?>
+<file path=ppt/slides/slide18.xml><?xml version="1.0" encoding="utf-8"?>
 <p:sld xmlns:a="http://schemas.openxmlformats.org/drawingml/2006/main" xmlns:r="http://schemas.openxmlformats.org/officeDocument/2006/relationships" xmlns:p="http://schemas.openxmlformats.org/presentationml/2006/main">
   <p:cSld>
     <p:spTree>
@@ -23551,7 +25958,1999 @@
 </p:sld>
 </file>
 
-<file path=ppt/slides/slide18.xml><?xml version="1.0" encoding="utf-8"?>
+<file path=ppt/slides/slide19.xml><?xml version="1.0" encoding="utf-8"?>
+<p:sld xmlns:a="http://schemas.openxmlformats.org/drawingml/2006/main" xmlns:r="http://schemas.openxmlformats.org/officeDocument/2006/relationships" xmlns:p="http://schemas.openxmlformats.org/presentationml/2006/main">
+  <p:cSld>
+    <p:spTree>
+      <p:nvGrpSpPr>
+        <p:cNvPr id="1" name="Shape 176"/>
+        <p:cNvGrpSpPr/>
+        <p:nvPr/>
+      </p:nvGrpSpPr>
+      <p:grpSpPr>
+        <a:xfrm>
+          <a:off x="0" y="0"/>
+          <a:ext cx="0" cy="0"/>
+          <a:chOff x="0" y="0"/>
+          <a:chExt cx="0" cy="0"/>
+        </a:xfrm>
+      </p:grpSpPr>
+      <p:sp>
+        <p:nvSpPr>
+          <p:cNvPr id="177" name="Google Shape;177;p31"/>
+          <p:cNvSpPr/>
+          <p:nvPr/>
+        </p:nvSpPr>
+        <p:spPr>
+          <a:xfrm>
+            <a:off x="0" y="5038200"/>
+            <a:ext cx="9144000" cy="105300"/>
+          </a:xfrm>
+          <a:prstGeom prst="rect">
+            <a:avLst/>
+          </a:prstGeom>
+          <a:solidFill>
+            <a:srgbClr val="2875C3"/>
+          </a:solidFill>
+          <a:ln>
+            <a:noFill/>
+          </a:ln>
+        </p:spPr>
+        <p:txBody>
+          <a:bodyPr spcFirstLastPara="1" wrap="square" lIns="91425" tIns="91425" rIns="91425" bIns="91425" anchor="ctr" anchorCtr="0">
+            <a:noAutofit/>
+          </a:bodyPr>
+          <a:lstStyle/>
+          <a:p>
+            <a:pPr marL="0" marR="0" lvl="0" indent="0" algn="l" rtl="0">
+              <a:lnSpc>
+                <a:spcPct val="100000"/>
+              </a:lnSpc>
+              <a:spcBef>
+                <a:spcPts val="0"/>
+              </a:spcBef>
+              <a:spcAft>
+                <a:spcPts val="0"/>
+              </a:spcAft>
+              <a:buClr>
+                <a:srgbClr val="000000"/>
+              </a:buClr>
+              <a:buSzPts val="1400"/>
+              <a:buFont typeface="Arial"/>
+              <a:buNone/>
+            </a:pPr>
+            <a:endParaRPr sz="1400" b="0" i="0" u="none" strike="noStrike" cap="none">
+              <a:solidFill>
+                <a:srgbClr val="000000"/>
+              </a:solidFill>
+              <a:latin typeface="Arial"/>
+              <a:ea typeface="Arial"/>
+              <a:cs typeface="Arial"/>
+              <a:sym typeface="Arial"/>
+            </a:endParaRPr>
+          </a:p>
+        </p:txBody>
+      </p:sp>
+      <p:grpSp>
+        <p:nvGrpSpPr>
+          <p:cNvPr id="178" name="Google Shape;178;p31"/>
+          <p:cNvGrpSpPr/>
+          <p:nvPr/>
+        </p:nvGrpSpPr>
+        <p:grpSpPr>
+          <a:xfrm>
+            <a:off x="0" y="0"/>
+            <a:ext cx="9144000" cy="633000"/>
+            <a:chOff x="125" y="215925"/>
+            <a:chExt cx="9144000" cy="633000"/>
+          </a:xfrm>
+        </p:grpSpPr>
+        <p:sp>
+          <p:nvSpPr>
+            <p:cNvPr id="179" name="Google Shape;179;p31"/>
+            <p:cNvSpPr/>
+            <p:nvPr/>
+          </p:nvSpPr>
+          <p:spPr>
+            <a:xfrm>
+              <a:off x="125" y="215925"/>
+              <a:ext cx="9144000" cy="633000"/>
+            </a:xfrm>
+            <a:prstGeom prst="rect">
+              <a:avLst/>
+            </a:prstGeom>
+            <a:solidFill>
+              <a:srgbClr val="88AF43"/>
+            </a:solidFill>
+            <a:ln w="9525" cap="flat" cmpd="sng">
+              <a:solidFill>
+                <a:srgbClr val="88AF43"/>
+              </a:solidFill>
+              <a:prstDash val="solid"/>
+              <a:round/>
+              <a:headEnd type="none" w="sm" len="sm"/>
+              <a:tailEnd type="none" w="sm" len="sm"/>
+            </a:ln>
+          </p:spPr>
+          <p:txBody>
+            <a:bodyPr spcFirstLastPara="1" wrap="square" lIns="91425" tIns="91425" rIns="91425" bIns="91425" anchor="ctr" anchorCtr="0">
+              <a:noAutofit/>
+            </a:bodyPr>
+            <a:lstStyle/>
+            <a:p>
+              <a:pPr marL="0" marR="0" lvl="0" indent="0" algn="l" rtl="0">
+                <a:lnSpc>
+                  <a:spcPct val="100000"/>
+                </a:lnSpc>
+                <a:spcBef>
+                  <a:spcPts val="0"/>
+                </a:spcBef>
+                <a:spcAft>
+                  <a:spcPts val="0"/>
+                </a:spcAft>
+                <a:buClr>
+                  <a:srgbClr val="000000"/>
+                </a:buClr>
+                <a:buSzPts val="1400"/>
+                <a:buFont typeface="Arial"/>
+                <a:buNone/>
+              </a:pPr>
+              <a:endParaRPr sz="1400" b="0" i="0" u="none" strike="noStrike" cap="none">
+                <a:solidFill>
+                  <a:srgbClr val="000000"/>
+                </a:solidFill>
+                <a:latin typeface="Arial"/>
+                <a:ea typeface="Arial"/>
+                <a:cs typeface="Arial"/>
+                <a:sym typeface="Arial"/>
+              </a:endParaRPr>
+            </a:p>
+          </p:txBody>
+        </p:sp>
+        <p:sp>
+          <p:nvSpPr>
+            <p:cNvPr id="180" name="Google Shape;180;p31"/>
+            <p:cNvSpPr txBox="1"/>
+            <p:nvPr/>
+          </p:nvSpPr>
+          <p:spPr>
+            <a:xfrm>
+              <a:off x="181650" y="285825"/>
+              <a:ext cx="5786400" cy="493200"/>
+            </a:xfrm>
+            <a:prstGeom prst="rect">
+              <a:avLst/>
+            </a:prstGeom>
+            <a:noFill/>
+            <a:ln>
+              <a:noFill/>
+            </a:ln>
+          </p:spPr>
+          <p:txBody>
+            <a:bodyPr spcFirstLastPara="1" wrap="square" lIns="91425" tIns="91425" rIns="91425" bIns="91425" anchor="t" anchorCtr="0">
+              <a:noAutofit/>
+            </a:bodyPr>
+            <a:lstStyle/>
+            <a:p>
+              <a:pPr marL="0" marR="0" lvl="0" indent="0" algn="l" rtl="0">
+                <a:lnSpc>
+                  <a:spcPct val="100000"/>
+                </a:lnSpc>
+                <a:spcBef>
+                  <a:spcPts val="0"/>
+                </a:spcBef>
+                <a:spcAft>
+                  <a:spcPts val="0"/>
+                </a:spcAft>
+                <a:buClr>
+                  <a:srgbClr val="000000"/>
+                </a:buClr>
+                <a:buSzPts val="2000"/>
+                <a:buFont typeface="Arial"/>
+                <a:buNone/>
+              </a:pPr>
+              <a:r>
+                <a:rPr lang="en-US" sz="2000" dirty="0">
+                  <a:solidFill>
+                    <a:srgbClr val="FFFFFF"/>
+                  </a:solidFill>
+                  <a:latin typeface="Tahoma"/>
+                  <a:ea typeface="Tahoma"/>
+                  <a:cs typeface="Tahoma"/>
+                  <a:sym typeface="Tahoma"/>
+                </a:rPr>
+                <a:t>JSX</a:t>
+              </a:r>
+              <a:endParaRPr sz="2000" b="0" i="0" u="none" strike="noStrike" cap="none" dirty="0">
+                <a:solidFill>
+                  <a:srgbClr val="FFFFFF"/>
+                </a:solidFill>
+                <a:latin typeface="Tahoma"/>
+                <a:ea typeface="Tahoma"/>
+                <a:cs typeface="Tahoma"/>
+                <a:sym typeface="Tahoma"/>
+              </a:endParaRPr>
+            </a:p>
+          </p:txBody>
+        </p:sp>
+      </p:grpSp>
+      <p:sp>
+        <p:nvSpPr>
+          <p:cNvPr id="14" name="Google Shape;98;p23">
+            <a:extLst>
+              <a:ext uri="{FF2B5EF4-FFF2-40B4-BE49-F238E27FC236}">
+                <a16:creationId xmlns:a16="http://schemas.microsoft.com/office/drawing/2014/main" id="{E8296BEB-2659-431F-B9AB-6524DDACCCA9}"/>
+              </a:ext>
+            </a:extLst>
+          </p:cNvPr>
+          <p:cNvSpPr txBox="1">
+            <a:spLocks/>
+          </p:cNvSpPr>
+          <p:nvPr/>
+        </p:nvSpPr>
+        <p:spPr>
+          <a:xfrm>
+            <a:off x="468059" y="721342"/>
+            <a:ext cx="6582221" cy="633000"/>
+          </a:xfrm>
+          <a:prstGeom prst="rect">
+            <a:avLst/>
+          </a:prstGeom>
+          <a:noFill/>
+          <a:ln>
+            <a:noFill/>
+          </a:ln>
+        </p:spPr>
+        <p:txBody>
+          <a:bodyPr spcFirstLastPara="1" wrap="square" lIns="91425" tIns="91425" rIns="91425" bIns="91425" anchor="t" anchorCtr="0">
+            <a:noAutofit/>
+          </a:bodyPr>
+          <a:lstStyle>
+            <a:defPPr marR="0" lvl="0" algn="l" rtl="0">
+              <a:lnSpc>
+                <a:spcPct val="100000"/>
+              </a:lnSpc>
+              <a:spcBef>
+                <a:spcPts val="0"/>
+              </a:spcBef>
+              <a:spcAft>
+                <a:spcPts val="0"/>
+              </a:spcAft>
+            </a:defPPr>
+            <a:lvl1pPr marL="457200" marR="0" lvl="0" indent="-342900" algn="ctr" rtl="0">
+              <a:lnSpc>
+                <a:spcPct val="100000"/>
+              </a:lnSpc>
+              <a:spcBef>
+                <a:spcPts val="0"/>
+              </a:spcBef>
+              <a:spcAft>
+                <a:spcPts val="0"/>
+              </a:spcAft>
+              <a:buClr>
+                <a:schemeClr val="dk2"/>
+              </a:buClr>
+              <a:buSzPts val="2800"/>
+              <a:buFont typeface="Arial"/>
+              <a:buNone/>
+              <a:defRPr sz="2800" b="0" i="0" u="none" strike="noStrike" cap="none">
+                <a:solidFill>
+                  <a:schemeClr val="dk2"/>
+                </a:solidFill>
+                <a:latin typeface="Arial"/>
+                <a:ea typeface="Arial"/>
+                <a:cs typeface="Arial"/>
+                <a:sym typeface="Arial"/>
+              </a:defRPr>
+            </a:lvl1pPr>
+            <a:lvl2pPr marL="914400" marR="0" lvl="1" indent="-317500" algn="ctr" rtl="0">
+              <a:lnSpc>
+                <a:spcPct val="100000"/>
+              </a:lnSpc>
+              <a:spcBef>
+                <a:spcPts val="0"/>
+              </a:spcBef>
+              <a:spcAft>
+                <a:spcPts val="0"/>
+              </a:spcAft>
+              <a:buClr>
+                <a:schemeClr val="dk2"/>
+              </a:buClr>
+              <a:buSzPts val="2800"/>
+              <a:buFont typeface="Arial"/>
+              <a:buNone/>
+              <a:defRPr sz="2800" b="0" i="0" u="none" strike="noStrike" cap="none">
+                <a:solidFill>
+                  <a:schemeClr val="dk2"/>
+                </a:solidFill>
+                <a:latin typeface="Arial"/>
+                <a:ea typeface="Arial"/>
+                <a:cs typeface="Arial"/>
+                <a:sym typeface="Arial"/>
+              </a:defRPr>
+            </a:lvl2pPr>
+            <a:lvl3pPr marL="1371600" marR="0" lvl="2" indent="-317500" algn="ctr" rtl="0">
+              <a:lnSpc>
+                <a:spcPct val="100000"/>
+              </a:lnSpc>
+              <a:spcBef>
+                <a:spcPts val="0"/>
+              </a:spcBef>
+              <a:spcAft>
+                <a:spcPts val="0"/>
+              </a:spcAft>
+              <a:buClr>
+                <a:schemeClr val="dk2"/>
+              </a:buClr>
+              <a:buSzPts val="2800"/>
+              <a:buFont typeface="Arial"/>
+              <a:buNone/>
+              <a:defRPr sz="2800" b="0" i="0" u="none" strike="noStrike" cap="none">
+                <a:solidFill>
+                  <a:schemeClr val="dk2"/>
+                </a:solidFill>
+                <a:latin typeface="Arial"/>
+                <a:ea typeface="Arial"/>
+                <a:cs typeface="Arial"/>
+                <a:sym typeface="Arial"/>
+              </a:defRPr>
+            </a:lvl3pPr>
+            <a:lvl4pPr marL="1828800" marR="0" lvl="3" indent="-317500" algn="ctr" rtl="0">
+              <a:lnSpc>
+                <a:spcPct val="100000"/>
+              </a:lnSpc>
+              <a:spcBef>
+                <a:spcPts val="0"/>
+              </a:spcBef>
+              <a:spcAft>
+                <a:spcPts val="0"/>
+              </a:spcAft>
+              <a:buClr>
+                <a:schemeClr val="dk2"/>
+              </a:buClr>
+              <a:buSzPts val="2800"/>
+              <a:buFont typeface="Arial"/>
+              <a:buNone/>
+              <a:defRPr sz="2800" b="0" i="0" u="none" strike="noStrike" cap="none">
+                <a:solidFill>
+                  <a:schemeClr val="dk2"/>
+                </a:solidFill>
+                <a:latin typeface="Arial"/>
+                <a:ea typeface="Arial"/>
+                <a:cs typeface="Arial"/>
+                <a:sym typeface="Arial"/>
+              </a:defRPr>
+            </a:lvl4pPr>
+            <a:lvl5pPr marL="2286000" marR="0" lvl="4" indent="-317500" algn="ctr" rtl="0">
+              <a:lnSpc>
+                <a:spcPct val="100000"/>
+              </a:lnSpc>
+              <a:spcBef>
+                <a:spcPts val="0"/>
+              </a:spcBef>
+              <a:spcAft>
+                <a:spcPts val="0"/>
+              </a:spcAft>
+              <a:buClr>
+                <a:schemeClr val="dk2"/>
+              </a:buClr>
+              <a:buSzPts val="2800"/>
+              <a:buFont typeface="Arial"/>
+              <a:buNone/>
+              <a:defRPr sz="2800" b="0" i="0" u="none" strike="noStrike" cap="none">
+                <a:solidFill>
+                  <a:schemeClr val="dk2"/>
+                </a:solidFill>
+                <a:latin typeface="Arial"/>
+                <a:ea typeface="Arial"/>
+                <a:cs typeface="Arial"/>
+                <a:sym typeface="Arial"/>
+              </a:defRPr>
+            </a:lvl5pPr>
+            <a:lvl6pPr marL="2743200" marR="0" lvl="5" indent="-317500" algn="ctr" rtl="0">
+              <a:lnSpc>
+                <a:spcPct val="100000"/>
+              </a:lnSpc>
+              <a:spcBef>
+                <a:spcPts val="0"/>
+              </a:spcBef>
+              <a:spcAft>
+                <a:spcPts val="0"/>
+              </a:spcAft>
+              <a:buClr>
+                <a:schemeClr val="dk2"/>
+              </a:buClr>
+              <a:buSzPts val="2800"/>
+              <a:buFont typeface="Arial"/>
+              <a:buNone/>
+              <a:defRPr sz="2800" b="0" i="0" u="none" strike="noStrike" cap="none">
+                <a:solidFill>
+                  <a:schemeClr val="dk2"/>
+                </a:solidFill>
+                <a:latin typeface="Arial"/>
+                <a:ea typeface="Arial"/>
+                <a:cs typeface="Arial"/>
+                <a:sym typeface="Arial"/>
+              </a:defRPr>
+            </a:lvl6pPr>
+            <a:lvl7pPr marL="3200400" marR="0" lvl="6" indent="-317500" algn="ctr" rtl="0">
+              <a:lnSpc>
+                <a:spcPct val="100000"/>
+              </a:lnSpc>
+              <a:spcBef>
+                <a:spcPts val="0"/>
+              </a:spcBef>
+              <a:spcAft>
+                <a:spcPts val="0"/>
+              </a:spcAft>
+              <a:buClr>
+                <a:schemeClr val="dk2"/>
+              </a:buClr>
+              <a:buSzPts val="2800"/>
+              <a:buFont typeface="Arial"/>
+              <a:buNone/>
+              <a:defRPr sz="2800" b="0" i="0" u="none" strike="noStrike" cap="none">
+                <a:solidFill>
+                  <a:schemeClr val="dk2"/>
+                </a:solidFill>
+                <a:latin typeface="Arial"/>
+                <a:ea typeface="Arial"/>
+                <a:cs typeface="Arial"/>
+                <a:sym typeface="Arial"/>
+              </a:defRPr>
+            </a:lvl7pPr>
+            <a:lvl8pPr marL="3657600" marR="0" lvl="7" indent="-317500" algn="ctr" rtl="0">
+              <a:lnSpc>
+                <a:spcPct val="100000"/>
+              </a:lnSpc>
+              <a:spcBef>
+                <a:spcPts val="0"/>
+              </a:spcBef>
+              <a:spcAft>
+                <a:spcPts val="0"/>
+              </a:spcAft>
+              <a:buClr>
+                <a:schemeClr val="dk2"/>
+              </a:buClr>
+              <a:buSzPts val="2800"/>
+              <a:buFont typeface="Arial"/>
+              <a:buNone/>
+              <a:defRPr sz="2800" b="0" i="0" u="none" strike="noStrike" cap="none">
+                <a:solidFill>
+                  <a:schemeClr val="dk2"/>
+                </a:solidFill>
+                <a:latin typeface="Arial"/>
+                <a:ea typeface="Arial"/>
+                <a:cs typeface="Arial"/>
+                <a:sym typeface="Arial"/>
+              </a:defRPr>
+            </a:lvl8pPr>
+            <a:lvl9pPr marL="4114800" marR="0" lvl="8" indent="-317500" algn="ctr" rtl="0">
+              <a:lnSpc>
+                <a:spcPct val="100000"/>
+              </a:lnSpc>
+              <a:spcBef>
+                <a:spcPts val="0"/>
+              </a:spcBef>
+              <a:spcAft>
+                <a:spcPts val="0"/>
+              </a:spcAft>
+              <a:buClr>
+                <a:schemeClr val="dk2"/>
+              </a:buClr>
+              <a:buSzPts val="2800"/>
+              <a:buFont typeface="Arial"/>
+              <a:buNone/>
+              <a:defRPr sz="2800" b="0" i="0" u="none" strike="noStrike" cap="none">
+                <a:solidFill>
+                  <a:schemeClr val="dk2"/>
+                </a:solidFill>
+                <a:latin typeface="Arial"/>
+                <a:ea typeface="Arial"/>
+                <a:cs typeface="Arial"/>
+                <a:sym typeface="Arial"/>
+              </a:defRPr>
+            </a:lvl9pPr>
+          </a:lstStyle>
+          <a:p>
+            <a:pPr marL="139700" indent="0" algn="l">
+              <a:lnSpc>
+                <a:spcPct val="150000"/>
+              </a:lnSpc>
+              <a:buSzPts val="1400"/>
+            </a:pPr>
+            <a:r>
+              <a:rPr lang="ru-RU" sz="1800" b="1" dirty="0">
+                <a:solidFill>
+                  <a:srgbClr val="662483"/>
+                </a:solidFill>
+                <a:latin typeface="Tahoma"/>
+                <a:ea typeface="Tahoma"/>
+                <a:cs typeface="Tahoma"/>
+                <a:sym typeface="Tahoma"/>
+              </a:rPr>
+              <a:t>Отличия в названиях атрибутов</a:t>
+            </a:r>
+          </a:p>
+        </p:txBody>
+      </p:sp>
+      <p:sp>
+        <p:nvSpPr>
+          <p:cNvPr id="15" name="Google Shape;98;p23">
+            <a:extLst>
+              <a:ext uri="{FF2B5EF4-FFF2-40B4-BE49-F238E27FC236}">
+                <a16:creationId xmlns:a16="http://schemas.microsoft.com/office/drawing/2014/main" id="{F2F77C5E-656C-46DE-BF8C-FF1CF9988424}"/>
+              </a:ext>
+            </a:extLst>
+          </p:cNvPr>
+          <p:cNvSpPr txBox="1">
+            <a:spLocks/>
+          </p:cNvSpPr>
+          <p:nvPr/>
+        </p:nvSpPr>
+        <p:spPr>
+          <a:xfrm>
+            <a:off x="468060" y="1212890"/>
+            <a:ext cx="8207882" cy="3555664"/>
+          </a:xfrm>
+          <a:prstGeom prst="rect">
+            <a:avLst/>
+          </a:prstGeom>
+          <a:noFill/>
+          <a:ln>
+            <a:noFill/>
+          </a:ln>
+        </p:spPr>
+        <p:txBody>
+          <a:bodyPr spcFirstLastPara="1" wrap="square" lIns="91425" tIns="91425" rIns="91425" bIns="91425" anchor="t" anchorCtr="0">
+            <a:noAutofit/>
+          </a:bodyPr>
+          <a:lstStyle>
+            <a:defPPr marR="0" lvl="0" algn="l" rtl="0">
+              <a:lnSpc>
+                <a:spcPct val="100000"/>
+              </a:lnSpc>
+              <a:spcBef>
+                <a:spcPts val="0"/>
+              </a:spcBef>
+              <a:spcAft>
+                <a:spcPts val="0"/>
+              </a:spcAft>
+            </a:defPPr>
+            <a:lvl1pPr marL="457200" marR="0" lvl="0" indent="-342900" algn="ctr" rtl="0">
+              <a:lnSpc>
+                <a:spcPct val="100000"/>
+              </a:lnSpc>
+              <a:spcBef>
+                <a:spcPts val="0"/>
+              </a:spcBef>
+              <a:spcAft>
+                <a:spcPts val="0"/>
+              </a:spcAft>
+              <a:buClr>
+                <a:schemeClr val="dk2"/>
+              </a:buClr>
+              <a:buSzPts val="2800"/>
+              <a:buFont typeface="Arial"/>
+              <a:buNone/>
+              <a:defRPr sz="2800" b="0" i="0" u="none" strike="noStrike" cap="none">
+                <a:solidFill>
+                  <a:schemeClr val="dk2"/>
+                </a:solidFill>
+                <a:latin typeface="Arial"/>
+                <a:ea typeface="Arial"/>
+                <a:cs typeface="Arial"/>
+                <a:sym typeface="Arial"/>
+              </a:defRPr>
+            </a:lvl1pPr>
+            <a:lvl2pPr marL="914400" marR="0" lvl="1" indent="-317500" algn="ctr" rtl="0">
+              <a:lnSpc>
+                <a:spcPct val="100000"/>
+              </a:lnSpc>
+              <a:spcBef>
+                <a:spcPts val="0"/>
+              </a:spcBef>
+              <a:spcAft>
+                <a:spcPts val="0"/>
+              </a:spcAft>
+              <a:buClr>
+                <a:schemeClr val="dk2"/>
+              </a:buClr>
+              <a:buSzPts val="2800"/>
+              <a:buFont typeface="Arial"/>
+              <a:buNone/>
+              <a:defRPr sz="2800" b="0" i="0" u="none" strike="noStrike" cap="none">
+                <a:solidFill>
+                  <a:schemeClr val="dk2"/>
+                </a:solidFill>
+                <a:latin typeface="Arial"/>
+                <a:ea typeface="Arial"/>
+                <a:cs typeface="Arial"/>
+                <a:sym typeface="Arial"/>
+              </a:defRPr>
+            </a:lvl2pPr>
+            <a:lvl3pPr marL="1371600" marR="0" lvl="2" indent="-317500" algn="ctr" rtl="0">
+              <a:lnSpc>
+                <a:spcPct val="100000"/>
+              </a:lnSpc>
+              <a:spcBef>
+                <a:spcPts val="0"/>
+              </a:spcBef>
+              <a:spcAft>
+                <a:spcPts val="0"/>
+              </a:spcAft>
+              <a:buClr>
+                <a:schemeClr val="dk2"/>
+              </a:buClr>
+              <a:buSzPts val="2800"/>
+              <a:buFont typeface="Arial"/>
+              <a:buNone/>
+              <a:defRPr sz="2800" b="0" i="0" u="none" strike="noStrike" cap="none">
+                <a:solidFill>
+                  <a:schemeClr val="dk2"/>
+                </a:solidFill>
+                <a:latin typeface="Arial"/>
+                <a:ea typeface="Arial"/>
+                <a:cs typeface="Arial"/>
+                <a:sym typeface="Arial"/>
+              </a:defRPr>
+            </a:lvl3pPr>
+            <a:lvl4pPr marL="1828800" marR="0" lvl="3" indent="-317500" algn="ctr" rtl="0">
+              <a:lnSpc>
+                <a:spcPct val="100000"/>
+              </a:lnSpc>
+              <a:spcBef>
+                <a:spcPts val="0"/>
+              </a:spcBef>
+              <a:spcAft>
+                <a:spcPts val="0"/>
+              </a:spcAft>
+              <a:buClr>
+                <a:schemeClr val="dk2"/>
+              </a:buClr>
+              <a:buSzPts val="2800"/>
+              <a:buFont typeface="Arial"/>
+              <a:buNone/>
+              <a:defRPr sz="2800" b="0" i="0" u="none" strike="noStrike" cap="none">
+                <a:solidFill>
+                  <a:schemeClr val="dk2"/>
+                </a:solidFill>
+                <a:latin typeface="Arial"/>
+                <a:ea typeface="Arial"/>
+                <a:cs typeface="Arial"/>
+                <a:sym typeface="Arial"/>
+              </a:defRPr>
+            </a:lvl4pPr>
+            <a:lvl5pPr marL="2286000" marR="0" lvl="4" indent="-317500" algn="ctr" rtl="0">
+              <a:lnSpc>
+                <a:spcPct val="100000"/>
+              </a:lnSpc>
+              <a:spcBef>
+                <a:spcPts val="0"/>
+              </a:spcBef>
+              <a:spcAft>
+                <a:spcPts val="0"/>
+              </a:spcAft>
+              <a:buClr>
+                <a:schemeClr val="dk2"/>
+              </a:buClr>
+              <a:buSzPts val="2800"/>
+              <a:buFont typeface="Arial"/>
+              <a:buNone/>
+              <a:defRPr sz="2800" b="0" i="0" u="none" strike="noStrike" cap="none">
+                <a:solidFill>
+                  <a:schemeClr val="dk2"/>
+                </a:solidFill>
+                <a:latin typeface="Arial"/>
+                <a:ea typeface="Arial"/>
+                <a:cs typeface="Arial"/>
+                <a:sym typeface="Arial"/>
+              </a:defRPr>
+            </a:lvl5pPr>
+            <a:lvl6pPr marL="2743200" marR="0" lvl="5" indent="-317500" algn="ctr" rtl="0">
+              <a:lnSpc>
+                <a:spcPct val="100000"/>
+              </a:lnSpc>
+              <a:spcBef>
+                <a:spcPts val="0"/>
+              </a:spcBef>
+              <a:spcAft>
+                <a:spcPts val="0"/>
+              </a:spcAft>
+              <a:buClr>
+                <a:schemeClr val="dk2"/>
+              </a:buClr>
+              <a:buSzPts val="2800"/>
+              <a:buFont typeface="Arial"/>
+              <a:buNone/>
+              <a:defRPr sz="2800" b="0" i="0" u="none" strike="noStrike" cap="none">
+                <a:solidFill>
+                  <a:schemeClr val="dk2"/>
+                </a:solidFill>
+                <a:latin typeface="Arial"/>
+                <a:ea typeface="Arial"/>
+                <a:cs typeface="Arial"/>
+                <a:sym typeface="Arial"/>
+              </a:defRPr>
+            </a:lvl6pPr>
+            <a:lvl7pPr marL="3200400" marR="0" lvl="6" indent="-317500" algn="ctr" rtl="0">
+              <a:lnSpc>
+                <a:spcPct val="100000"/>
+              </a:lnSpc>
+              <a:spcBef>
+                <a:spcPts val="0"/>
+              </a:spcBef>
+              <a:spcAft>
+                <a:spcPts val="0"/>
+              </a:spcAft>
+              <a:buClr>
+                <a:schemeClr val="dk2"/>
+              </a:buClr>
+              <a:buSzPts val="2800"/>
+              <a:buFont typeface="Arial"/>
+              <a:buNone/>
+              <a:defRPr sz="2800" b="0" i="0" u="none" strike="noStrike" cap="none">
+                <a:solidFill>
+                  <a:schemeClr val="dk2"/>
+                </a:solidFill>
+                <a:latin typeface="Arial"/>
+                <a:ea typeface="Arial"/>
+                <a:cs typeface="Arial"/>
+                <a:sym typeface="Arial"/>
+              </a:defRPr>
+            </a:lvl7pPr>
+            <a:lvl8pPr marL="3657600" marR="0" lvl="7" indent="-317500" algn="ctr" rtl="0">
+              <a:lnSpc>
+                <a:spcPct val="100000"/>
+              </a:lnSpc>
+              <a:spcBef>
+                <a:spcPts val="0"/>
+              </a:spcBef>
+              <a:spcAft>
+                <a:spcPts val="0"/>
+              </a:spcAft>
+              <a:buClr>
+                <a:schemeClr val="dk2"/>
+              </a:buClr>
+              <a:buSzPts val="2800"/>
+              <a:buFont typeface="Arial"/>
+              <a:buNone/>
+              <a:defRPr sz="2800" b="0" i="0" u="none" strike="noStrike" cap="none">
+                <a:solidFill>
+                  <a:schemeClr val="dk2"/>
+                </a:solidFill>
+                <a:latin typeface="Arial"/>
+                <a:ea typeface="Arial"/>
+                <a:cs typeface="Arial"/>
+                <a:sym typeface="Arial"/>
+              </a:defRPr>
+            </a:lvl8pPr>
+            <a:lvl9pPr marL="4114800" marR="0" lvl="8" indent="-317500" algn="ctr" rtl="0">
+              <a:lnSpc>
+                <a:spcPct val="100000"/>
+              </a:lnSpc>
+              <a:spcBef>
+                <a:spcPts val="0"/>
+              </a:spcBef>
+              <a:spcAft>
+                <a:spcPts val="0"/>
+              </a:spcAft>
+              <a:buClr>
+                <a:schemeClr val="dk2"/>
+              </a:buClr>
+              <a:buSzPts val="2800"/>
+              <a:buFont typeface="Arial"/>
+              <a:buNone/>
+              <a:defRPr sz="2800" b="0" i="0" u="none" strike="noStrike" cap="none">
+                <a:solidFill>
+                  <a:schemeClr val="dk2"/>
+                </a:solidFill>
+                <a:latin typeface="Arial"/>
+                <a:ea typeface="Arial"/>
+                <a:cs typeface="Arial"/>
+                <a:sym typeface="Arial"/>
+              </a:defRPr>
+            </a:lvl9pPr>
+          </a:lstStyle>
+          <a:p>
+            <a:pPr marL="425450" indent="-285750" algn="l">
+              <a:lnSpc>
+                <a:spcPct val="150000"/>
+              </a:lnSpc>
+              <a:buSzPts val="1400"/>
+              <a:buFont typeface="Arial" panose="020B0604020202020204" pitchFamily="34" charset="0"/>
+              <a:buChar char="•"/>
+            </a:pPr>
+            <a:r>
+              <a:rPr lang="en-US" sz="1400" dirty="0" err="1">
+                <a:solidFill>
+                  <a:schemeClr val="dk1"/>
+                </a:solidFill>
+                <a:latin typeface="Tahoma"/>
+                <a:ea typeface="Tahoma"/>
+                <a:cs typeface="Tahoma"/>
+                <a:sym typeface="Tahoma"/>
+              </a:rPr>
+              <a:t>className</a:t>
+            </a:r>
+            <a:endParaRPr lang="en-US" sz="1400" dirty="0">
+              <a:solidFill>
+                <a:schemeClr val="dk1"/>
+              </a:solidFill>
+              <a:latin typeface="Tahoma"/>
+              <a:ea typeface="Tahoma"/>
+              <a:cs typeface="Tahoma"/>
+              <a:sym typeface="Tahoma"/>
+            </a:endParaRPr>
+          </a:p>
+          <a:p>
+            <a:pPr marL="425450" indent="-285750" algn="l">
+              <a:lnSpc>
+                <a:spcPct val="150000"/>
+              </a:lnSpc>
+              <a:buSzPts val="1400"/>
+              <a:buFont typeface="Arial" panose="020B0604020202020204" pitchFamily="34" charset="0"/>
+              <a:buChar char="•"/>
+            </a:pPr>
+            <a:r>
+              <a:rPr lang="en-US" sz="1400" dirty="0">
+                <a:solidFill>
+                  <a:schemeClr val="dk1"/>
+                </a:solidFill>
+                <a:latin typeface="Tahoma"/>
+                <a:ea typeface="Tahoma"/>
+                <a:cs typeface="Tahoma"/>
+              </a:rPr>
+              <a:t>checked</a:t>
+            </a:r>
+          </a:p>
+          <a:p>
+            <a:pPr marL="425450" indent="-285750" algn="l">
+              <a:lnSpc>
+                <a:spcPct val="150000"/>
+              </a:lnSpc>
+              <a:buSzPts val="1400"/>
+              <a:buFont typeface="Arial" panose="020B0604020202020204" pitchFamily="34" charset="0"/>
+              <a:buChar char="•"/>
+            </a:pPr>
+            <a:r>
+              <a:rPr lang="en-US" sz="1400" dirty="0" err="1">
+                <a:solidFill>
+                  <a:schemeClr val="dk1"/>
+                </a:solidFill>
+                <a:latin typeface="Tahoma"/>
+                <a:ea typeface="Tahoma"/>
+                <a:cs typeface="Tahoma"/>
+              </a:rPr>
+              <a:t>dangerouslySetInnerHTML</a:t>
+            </a:r>
+            <a:endParaRPr lang="en-US" sz="1400" dirty="0">
+              <a:solidFill>
+                <a:schemeClr val="dk1"/>
+              </a:solidFill>
+              <a:latin typeface="Tahoma"/>
+              <a:ea typeface="Tahoma"/>
+              <a:cs typeface="Tahoma"/>
+            </a:endParaRPr>
+          </a:p>
+          <a:p>
+            <a:pPr marL="425450" indent="-285750" algn="l">
+              <a:lnSpc>
+                <a:spcPct val="150000"/>
+              </a:lnSpc>
+              <a:buSzPts val="1400"/>
+              <a:buFont typeface="Arial" panose="020B0604020202020204" pitchFamily="34" charset="0"/>
+              <a:buChar char="•"/>
+            </a:pPr>
+            <a:r>
+              <a:rPr lang="en-US" sz="1400" dirty="0" err="1">
+                <a:solidFill>
+                  <a:schemeClr val="dk1"/>
+                </a:solidFill>
+                <a:latin typeface="Tahoma"/>
+                <a:ea typeface="Tahoma"/>
+                <a:cs typeface="Tahoma"/>
+              </a:rPr>
+              <a:t>htmlFor</a:t>
+            </a:r>
+            <a:endParaRPr lang="en-US" sz="1400" dirty="0">
+              <a:solidFill>
+                <a:schemeClr val="dk1"/>
+              </a:solidFill>
+              <a:latin typeface="Tahoma"/>
+              <a:ea typeface="Tahoma"/>
+              <a:cs typeface="Tahoma"/>
+            </a:endParaRPr>
+          </a:p>
+          <a:p>
+            <a:pPr marL="425450" indent="-285750" algn="l">
+              <a:lnSpc>
+                <a:spcPct val="150000"/>
+              </a:lnSpc>
+              <a:buSzPts val="1400"/>
+              <a:buFont typeface="Arial" panose="020B0604020202020204" pitchFamily="34" charset="0"/>
+              <a:buChar char="•"/>
+            </a:pPr>
+            <a:r>
+              <a:rPr lang="en-US" sz="1400" dirty="0" err="1">
+                <a:solidFill>
+                  <a:schemeClr val="dk1"/>
+                </a:solidFill>
+                <a:latin typeface="Tahoma"/>
+                <a:ea typeface="Tahoma"/>
+                <a:cs typeface="Tahoma"/>
+              </a:rPr>
+              <a:t>onChange</a:t>
+            </a:r>
+            <a:endParaRPr lang="en-US" sz="1400" dirty="0">
+              <a:solidFill>
+                <a:schemeClr val="dk1"/>
+              </a:solidFill>
+              <a:latin typeface="Tahoma"/>
+              <a:ea typeface="Tahoma"/>
+              <a:cs typeface="Tahoma"/>
+            </a:endParaRPr>
+          </a:p>
+          <a:p>
+            <a:pPr marL="425450" indent="-285750" algn="l">
+              <a:lnSpc>
+                <a:spcPct val="150000"/>
+              </a:lnSpc>
+              <a:buSzPts val="1400"/>
+              <a:buFont typeface="Arial" panose="020B0604020202020204" pitchFamily="34" charset="0"/>
+              <a:buChar char="•"/>
+            </a:pPr>
+            <a:r>
+              <a:rPr lang="en-US" sz="1400" dirty="0">
+                <a:solidFill>
+                  <a:schemeClr val="dk1"/>
+                </a:solidFill>
+                <a:latin typeface="Tahoma"/>
+                <a:ea typeface="Tahoma"/>
+                <a:cs typeface="Tahoma"/>
+              </a:rPr>
+              <a:t>selected</a:t>
+            </a:r>
+          </a:p>
+          <a:p>
+            <a:pPr marL="425450" indent="-285750" algn="l">
+              <a:lnSpc>
+                <a:spcPct val="150000"/>
+              </a:lnSpc>
+              <a:buSzPts val="1400"/>
+              <a:buFont typeface="Arial" panose="020B0604020202020204" pitchFamily="34" charset="0"/>
+              <a:buChar char="•"/>
+            </a:pPr>
+            <a:r>
+              <a:rPr lang="en-US" sz="1400" dirty="0">
+                <a:solidFill>
+                  <a:schemeClr val="dk1"/>
+                </a:solidFill>
+                <a:latin typeface="Tahoma"/>
+                <a:ea typeface="Tahoma"/>
+                <a:cs typeface="Tahoma"/>
+              </a:rPr>
+              <a:t>style</a:t>
+            </a:r>
+          </a:p>
+          <a:p>
+            <a:pPr marL="425450" indent="-285750" algn="l">
+              <a:lnSpc>
+                <a:spcPct val="150000"/>
+              </a:lnSpc>
+              <a:buSzPts val="1400"/>
+              <a:buFont typeface="Arial" panose="020B0604020202020204" pitchFamily="34" charset="0"/>
+              <a:buChar char="•"/>
+            </a:pPr>
+            <a:r>
+              <a:rPr lang="en-US" sz="1400" dirty="0">
+                <a:solidFill>
+                  <a:schemeClr val="dk1"/>
+                </a:solidFill>
+                <a:latin typeface="Tahoma"/>
+                <a:ea typeface="Tahoma"/>
+                <a:cs typeface="Tahoma"/>
+              </a:rPr>
+              <a:t>value/</a:t>
+            </a:r>
+            <a:r>
+              <a:rPr lang="en-US" sz="1400" dirty="0" err="1">
+                <a:solidFill>
+                  <a:schemeClr val="dk1"/>
+                </a:solidFill>
+                <a:latin typeface="Tahoma"/>
+                <a:ea typeface="Tahoma"/>
+                <a:cs typeface="Tahoma"/>
+              </a:rPr>
+              <a:t>defaultValue</a:t>
+            </a:r>
+            <a:endParaRPr lang="en-US" sz="1400" dirty="0">
+              <a:solidFill>
+                <a:schemeClr val="dk1"/>
+              </a:solidFill>
+              <a:latin typeface="Tahoma"/>
+              <a:ea typeface="Tahoma"/>
+              <a:cs typeface="Tahoma"/>
+            </a:endParaRPr>
+          </a:p>
+          <a:p>
+            <a:pPr marL="139700" indent="0" algn="l">
+              <a:lnSpc>
+                <a:spcPct val="150000"/>
+              </a:lnSpc>
+              <a:buSzPts val="1400"/>
+            </a:pPr>
+            <a:r>
+              <a:rPr lang="ru-RU" sz="1400" dirty="0">
+                <a:solidFill>
+                  <a:schemeClr val="dk1"/>
+                </a:solidFill>
+                <a:latin typeface="Tahoma"/>
+                <a:ea typeface="Tahoma"/>
+                <a:cs typeface="Tahoma"/>
+              </a:rPr>
+              <a:t>В остальных  ситуациях </a:t>
+            </a:r>
+            <a:r>
+              <a:rPr lang="en-US" sz="1400" dirty="0">
+                <a:solidFill>
+                  <a:schemeClr val="dk1"/>
+                </a:solidFill>
+                <a:latin typeface="Tahoma"/>
+                <a:ea typeface="Tahoma"/>
+                <a:cs typeface="Tahoma"/>
+              </a:rPr>
+              <a:t>react </a:t>
+            </a:r>
+            <a:r>
+              <a:rPr lang="ru-RU" sz="1400" dirty="0">
+                <a:solidFill>
+                  <a:schemeClr val="dk1"/>
+                </a:solidFill>
+                <a:latin typeface="Tahoma"/>
+                <a:ea typeface="Tahoma"/>
+                <a:cs typeface="Tahoma"/>
+              </a:rPr>
+              <a:t>поддерживает </a:t>
+            </a:r>
+            <a:r>
+              <a:rPr lang="en-US" sz="1400" dirty="0">
+                <a:solidFill>
+                  <a:schemeClr val="dk1"/>
+                </a:solidFill>
+                <a:latin typeface="Tahoma"/>
+                <a:ea typeface="Tahoma"/>
+                <a:cs typeface="Tahoma"/>
+              </a:rPr>
+              <a:t>camelCase </a:t>
+            </a:r>
+            <a:r>
+              <a:rPr lang="ru-RU" sz="1400" dirty="0">
+                <a:solidFill>
+                  <a:schemeClr val="dk1"/>
+                </a:solidFill>
+                <a:latin typeface="Tahoma"/>
+                <a:ea typeface="Tahoma"/>
+                <a:cs typeface="Tahoma"/>
+              </a:rPr>
+              <a:t>вариант названия атрибутов. Как в </a:t>
+            </a:r>
+            <a:r>
+              <a:rPr lang="en-US" sz="1400" dirty="0">
+                <a:solidFill>
+                  <a:schemeClr val="dk1"/>
+                </a:solidFill>
+                <a:latin typeface="Tahoma"/>
+                <a:ea typeface="Tahoma"/>
+                <a:cs typeface="Tahoma"/>
+              </a:rPr>
+              <a:t>DOM API</a:t>
+            </a:r>
+            <a:r>
+              <a:rPr lang="ru-RU" sz="1400" dirty="0">
+                <a:solidFill>
+                  <a:schemeClr val="dk1"/>
+                </a:solidFill>
+                <a:latin typeface="Tahoma"/>
+                <a:ea typeface="Tahoma"/>
+                <a:cs typeface="Tahoma"/>
+              </a:rPr>
+              <a:t> </a:t>
+            </a:r>
+            <a:r>
+              <a:rPr lang="en-US" sz="1400" dirty="0">
+                <a:solidFill>
+                  <a:schemeClr val="dk1"/>
+                </a:solidFill>
+                <a:latin typeface="Tahoma"/>
+                <a:ea typeface="Tahoma"/>
+                <a:cs typeface="Tahoma"/>
+              </a:rPr>
+              <a:t> (</a:t>
+            </a:r>
+            <a:r>
+              <a:rPr lang="en-US" sz="1400" dirty="0" err="1">
+                <a:solidFill>
+                  <a:schemeClr val="dk1"/>
+                </a:solidFill>
+                <a:latin typeface="Tahoma"/>
+                <a:ea typeface="Tahoma"/>
+                <a:cs typeface="Tahoma"/>
+              </a:rPr>
+              <a:t>node.readOnly</a:t>
+            </a:r>
+            <a:r>
+              <a:rPr lang="en-US" sz="1400" dirty="0">
+                <a:solidFill>
+                  <a:schemeClr val="dk1"/>
+                </a:solidFill>
+                <a:latin typeface="Tahoma"/>
+                <a:ea typeface="Tahoma"/>
+                <a:cs typeface="Tahoma"/>
+              </a:rPr>
+              <a:t>, </a:t>
+            </a:r>
+            <a:r>
+              <a:rPr lang="en-US" sz="1400" dirty="0" err="1">
+                <a:solidFill>
+                  <a:schemeClr val="dk1"/>
+                </a:solidFill>
+                <a:latin typeface="Tahoma"/>
+                <a:ea typeface="Tahoma"/>
+                <a:cs typeface="Tahoma"/>
+              </a:rPr>
+              <a:t>node.className</a:t>
+            </a:r>
+            <a:r>
+              <a:rPr lang="en-US" sz="1400" dirty="0">
+                <a:solidFill>
+                  <a:schemeClr val="dk1"/>
+                </a:solidFill>
+                <a:latin typeface="Tahoma"/>
+                <a:ea typeface="Tahoma"/>
+                <a:cs typeface="Tahoma"/>
+              </a:rPr>
+              <a:t>, </a:t>
+            </a:r>
+            <a:r>
+              <a:rPr lang="en-US" sz="1400" dirty="0" err="1">
+                <a:solidFill>
+                  <a:schemeClr val="dk1"/>
+                </a:solidFill>
+                <a:latin typeface="Tahoma"/>
+                <a:ea typeface="Tahoma"/>
+                <a:cs typeface="Tahoma"/>
+              </a:rPr>
+              <a:t>node.tabIndex</a:t>
+            </a:r>
+            <a:r>
+              <a:rPr lang="en-US" sz="1400" dirty="0">
+                <a:solidFill>
+                  <a:schemeClr val="dk1"/>
+                </a:solidFill>
+                <a:latin typeface="Tahoma"/>
+                <a:ea typeface="Tahoma"/>
+                <a:cs typeface="Tahoma"/>
+              </a:rPr>
+              <a:t>)</a:t>
+            </a:r>
+          </a:p>
+          <a:p>
+            <a:pPr marL="425450" indent="-285750" algn="l">
+              <a:lnSpc>
+                <a:spcPct val="150000"/>
+              </a:lnSpc>
+              <a:buSzPts val="1400"/>
+              <a:buFont typeface="Arial" panose="020B0604020202020204" pitchFamily="34" charset="0"/>
+              <a:buChar char="•"/>
+            </a:pPr>
+            <a:endParaRPr lang="en-US" sz="1400" dirty="0">
+              <a:solidFill>
+                <a:schemeClr val="dk1"/>
+              </a:solidFill>
+              <a:latin typeface="Tahoma"/>
+              <a:ea typeface="Tahoma"/>
+              <a:cs typeface="Tahoma"/>
+            </a:endParaRPr>
+          </a:p>
+          <a:p>
+            <a:pPr marL="425450" indent="-285750" algn="l">
+              <a:lnSpc>
+                <a:spcPct val="150000"/>
+              </a:lnSpc>
+              <a:buSzPts val="1400"/>
+              <a:buFont typeface="Arial" panose="020B0604020202020204" pitchFamily="34" charset="0"/>
+              <a:buChar char="•"/>
+            </a:pPr>
+            <a:endParaRPr lang="en-US" sz="1400" dirty="0">
+              <a:solidFill>
+                <a:schemeClr val="dk1"/>
+              </a:solidFill>
+              <a:latin typeface="Tahoma"/>
+              <a:ea typeface="Tahoma"/>
+              <a:cs typeface="Tahoma"/>
+            </a:endParaRPr>
+          </a:p>
+          <a:p>
+            <a:pPr marL="425450" indent="-285750" algn="l">
+              <a:lnSpc>
+                <a:spcPct val="150000"/>
+              </a:lnSpc>
+              <a:buSzPts val="1400"/>
+              <a:buFont typeface="Arial" panose="020B0604020202020204" pitchFamily="34" charset="0"/>
+              <a:buChar char="•"/>
+            </a:pPr>
+            <a:endParaRPr lang="en-US" sz="1400" dirty="0">
+              <a:solidFill>
+                <a:schemeClr val="dk1"/>
+              </a:solidFill>
+              <a:latin typeface="Tahoma"/>
+              <a:ea typeface="Tahoma"/>
+              <a:cs typeface="Tahoma"/>
+            </a:endParaRPr>
+          </a:p>
+          <a:p>
+            <a:pPr marL="425450" indent="-285750" algn="l">
+              <a:lnSpc>
+                <a:spcPct val="150000"/>
+              </a:lnSpc>
+              <a:buSzPts val="1400"/>
+              <a:buFont typeface="Arial" panose="020B0604020202020204" pitchFamily="34" charset="0"/>
+              <a:buChar char="•"/>
+            </a:pPr>
+            <a:endParaRPr lang="en-US" sz="1400" dirty="0">
+              <a:solidFill>
+                <a:schemeClr val="dk1"/>
+              </a:solidFill>
+              <a:latin typeface="Tahoma"/>
+              <a:ea typeface="Tahoma"/>
+              <a:cs typeface="Tahoma"/>
+            </a:endParaRPr>
+          </a:p>
+          <a:p>
+            <a:pPr marL="425450" indent="-285750" algn="l">
+              <a:lnSpc>
+                <a:spcPct val="150000"/>
+              </a:lnSpc>
+              <a:buSzPts val="1400"/>
+              <a:buFont typeface="Arial" panose="020B0604020202020204" pitchFamily="34" charset="0"/>
+              <a:buChar char="•"/>
+            </a:pPr>
+            <a:endParaRPr lang="en-US" sz="1400" dirty="0">
+              <a:solidFill>
+                <a:schemeClr val="dk1"/>
+              </a:solidFill>
+              <a:latin typeface="Tahoma"/>
+              <a:ea typeface="Tahoma"/>
+              <a:cs typeface="Tahoma"/>
+            </a:endParaRPr>
+          </a:p>
+          <a:p>
+            <a:pPr marL="425450" indent="-285750" algn="l">
+              <a:lnSpc>
+                <a:spcPct val="150000"/>
+              </a:lnSpc>
+              <a:buSzPts val="1400"/>
+              <a:buFont typeface="Arial" panose="020B0604020202020204" pitchFamily="34" charset="0"/>
+              <a:buChar char="•"/>
+            </a:pPr>
+            <a:endParaRPr lang="ru-RU" sz="1400" dirty="0">
+              <a:solidFill>
+                <a:schemeClr val="dk1"/>
+              </a:solidFill>
+              <a:latin typeface="Tahoma"/>
+              <a:ea typeface="Tahoma"/>
+              <a:cs typeface="Tahoma"/>
+              <a:sym typeface="Tahoma"/>
+            </a:endParaRPr>
+          </a:p>
+        </p:txBody>
+      </p:sp>
+    </p:spTree>
+    <p:extLst>
+      <p:ext uri="{BB962C8B-B14F-4D97-AF65-F5344CB8AC3E}">
+        <p14:creationId xmlns:p14="http://schemas.microsoft.com/office/powerpoint/2010/main" val="3573226555"/>
+      </p:ext>
+    </p:extLst>
+  </p:cSld>
+  <p:clrMapOvr>
+    <a:masterClrMapping/>
+  </p:clrMapOvr>
+</p:sld>
+</file>
+
+<file path=ppt/slides/slide2.xml><?xml version="1.0" encoding="utf-8"?>
+<p:sld xmlns:a="http://schemas.openxmlformats.org/drawingml/2006/main" xmlns:r="http://schemas.openxmlformats.org/officeDocument/2006/relationships" xmlns:p="http://schemas.openxmlformats.org/presentationml/2006/main">
+  <p:cSld>
+    <p:spTree>
+      <p:nvGrpSpPr>
+        <p:cNvPr id="1" name="Shape 97"/>
+        <p:cNvGrpSpPr/>
+        <p:nvPr/>
+      </p:nvGrpSpPr>
+      <p:grpSpPr>
+        <a:xfrm>
+          <a:off x="0" y="0"/>
+          <a:ext cx="0" cy="0"/>
+          <a:chOff x="0" y="0"/>
+          <a:chExt cx="0" cy="0"/>
+        </a:xfrm>
+      </p:grpSpPr>
+      <p:sp>
+        <p:nvSpPr>
+          <p:cNvPr id="98" name="Google Shape;98;p23"/>
+          <p:cNvSpPr txBox="1">
+            <a:spLocks noGrp="1"/>
+          </p:cNvSpPr>
+          <p:nvPr>
+            <p:ph type="body" idx="1"/>
+          </p:nvPr>
+        </p:nvSpPr>
+        <p:spPr>
+          <a:xfrm>
+            <a:off x="294608" y="954334"/>
+            <a:ext cx="4875900" cy="3416400"/>
+          </a:xfrm>
+          <a:prstGeom prst="rect">
+            <a:avLst/>
+          </a:prstGeom>
+          <a:noFill/>
+          <a:ln>
+            <a:noFill/>
+          </a:ln>
+        </p:spPr>
+        <p:txBody>
+          <a:bodyPr spcFirstLastPara="1" wrap="square" lIns="91425" tIns="91425" rIns="91425" bIns="91425" anchor="t" anchorCtr="0">
+            <a:noAutofit/>
+          </a:bodyPr>
+          <a:lstStyle/>
+          <a:p>
+            <a:pPr marL="139700" lvl="0" indent="0" algn="l" rtl="0">
+              <a:lnSpc>
+                <a:spcPct val="150000"/>
+              </a:lnSpc>
+              <a:spcBef>
+                <a:spcPts val="0"/>
+              </a:spcBef>
+              <a:spcAft>
+                <a:spcPts val="0"/>
+              </a:spcAft>
+              <a:buSzPts val="1400"/>
+              <a:buNone/>
+            </a:pPr>
+            <a:r>
+              <a:rPr lang="ru" sz="1800" b="1" dirty="0">
+                <a:solidFill>
+                  <a:srgbClr val="662483"/>
+                </a:solidFill>
+                <a:latin typeface="Tahoma"/>
+                <a:ea typeface="Tahoma"/>
+                <a:cs typeface="Tahoma"/>
+                <a:sym typeface="Tahoma"/>
+              </a:rPr>
+              <a:t>Цель</a:t>
+            </a:r>
+            <a:r>
+              <a:rPr lang="ru" sz="1800" b="1" dirty="0">
+                <a:solidFill>
+                  <a:srgbClr val="2875C3"/>
+                </a:solidFill>
+                <a:latin typeface="Tahoma"/>
+                <a:ea typeface="Tahoma"/>
+                <a:cs typeface="Tahoma"/>
+                <a:sym typeface="Tahoma"/>
+              </a:rPr>
+              <a:t> </a:t>
+            </a:r>
+            <a:endParaRPr sz="1800" dirty="0">
+              <a:solidFill>
+                <a:srgbClr val="2875C3"/>
+              </a:solidFill>
+              <a:latin typeface="Tahoma"/>
+              <a:ea typeface="Tahoma"/>
+              <a:cs typeface="Tahoma"/>
+              <a:sym typeface="Tahoma"/>
+            </a:endParaRPr>
+          </a:p>
+          <a:p>
+            <a:pPr>
+              <a:lnSpc>
+                <a:spcPct val="150000"/>
+              </a:lnSpc>
+            </a:pPr>
+            <a:r>
+              <a:rPr lang="ru-RU" dirty="0">
+                <a:solidFill>
+                  <a:schemeClr val="dk1"/>
+                </a:solidFill>
+                <a:latin typeface="Tahoma"/>
+                <a:ea typeface="Tahoma"/>
+                <a:cs typeface="Tahoma"/>
+                <a:sym typeface="Tahoma"/>
+              </a:rPr>
+              <a:t>Понять компонентный подход</a:t>
+            </a:r>
+            <a:endParaRPr lang="en-US" dirty="0">
+              <a:solidFill>
+                <a:schemeClr val="dk1"/>
+              </a:solidFill>
+              <a:latin typeface="Tahoma"/>
+              <a:ea typeface="Tahoma"/>
+              <a:cs typeface="Tahoma"/>
+              <a:sym typeface="Tahoma"/>
+            </a:endParaRPr>
+          </a:p>
+          <a:p>
+            <a:pPr>
+              <a:lnSpc>
+                <a:spcPct val="150000"/>
+              </a:lnSpc>
+            </a:pPr>
+            <a:r>
+              <a:rPr lang="ru-RU" dirty="0">
+                <a:solidFill>
+                  <a:schemeClr val="dk1"/>
+                </a:solidFill>
+                <a:latin typeface="Tahoma"/>
+                <a:ea typeface="Tahoma"/>
+                <a:cs typeface="Tahoma"/>
+                <a:sym typeface="Tahoma"/>
+              </a:rPr>
+              <a:t>Как работает виртуальный </a:t>
+            </a:r>
+            <a:r>
+              <a:rPr lang="en-US" dirty="0">
+                <a:solidFill>
+                  <a:schemeClr val="dk1"/>
+                </a:solidFill>
+                <a:latin typeface="Tahoma"/>
+                <a:ea typeface="Tahoma"/>
+                <a:cs typeface="Tahoma"/>
+                <a:sym typeface="Tahoma"/>
+              </a:rPr>
+              <a:t>DOM</a:t>
+            </a:r>
+          </a:p>
+          <a:p>
+            <a:pPr>
+              <a:lnSpc>
+                <a:spcPct val="150000"/>
+              </a:lnSpc>
+            </a:pPr>
+            <a:r>
+              <a:rPr lang="ru-RU" dirty="0">
+                <a:solidFill>
+                  <a:schemeClr val="dk1"/>
+                </a:solidFill>
+                <a:latin typeface="Tahoma"/>
+                <a:ea typeface="Tahoma"/>
+                <a:cs typeface="Tahoma"/>
+                <a:sym typeface="Tahoma"/>
+              </a:rPr>
+              <a:t>Изучить </a:t>
+            </a:r>
+            <a:r>
+              <a:rPr lang="en-US" dirty="0">
+                <a:solidFill>
+                  <a:schemeClr val="dk1"/>
+                </a:solidFill>
+                <a:latin typeface="Tahoma"/>
+                <a:ea typeface="Tahoma"/>
+                <a:cs typeface="Tahoma"/>
+                <a:sym typeface="Tahoma"/>
+              </a:rPr>
+              <a:t>JSX</a:t>
+            </a:r>
+            <a:endParaRPr lang="ru-RU" dirty="0">
+              <a:solidFill>
+                <a:schemeClr val="dk1"/>
+              </a:solidFill>
+              <a:latin typeface="Tahoma"/>
+              <a:ea typeface="Tahoma"/>
+              <a:cs typeface="Tahoma"/>
+              <a:sym typeface="Tahoma"/>
+            </a:endParaRPr>
+          </a:p>
+          <a:p>
+            <a:pPr>
+              <a:lnSpc>
+                <a:spcPct val="150000"/>
+              </a:lnSpc>
+            </a:pPr>
+            <a:r>
+              <a:rPr lang="ru-RU" dirty="0">
+                <a:solidFill>
+                  <a:schemeClr val="dk1"/>
+                </a:solidFill>
+                <a:latin typeface="Tahoma"/>
+                <a:ea typeface="Tahoma"/>
+                <a:cs typeface="Tahoma"/>
+                <a:sym typeface="Tahoma"/>
+              </a:rPr>
+              <a:t>Научиться подключать </a:t>
+            </a:r>
+            <a:r>
+              <a:rPr lang="en-US" dirty="0">
+                <a:solidFill>
+                  <a:schemeClr val="dk1"/>
+                </a:solidFill>
+                <a:latin typeface="Tahoma"/>
+                <a:ea typeface="Tahoma"/>
+                <a:cs typeface="Tahoma"/>
+                <a:sym typeface="Tahoma"/>
+              </a:rPr>
+              <a:t>react</a:t>
+            </a:r>
+          </a:p>
+          <a:p>
+            <a:pPr marL="139700" lvl="0" indent="0" algn="l" rtl="0">
+              <a:lnSpc>
+                <a:spcPct val="150000"/>
+              </a:lnSpc>
+              <a:spcBef>
+                <a:spcPts val="0"/>
+              </a:spcBef>
+              <a:spcAft>
+                <a:spcPts val="0"/>
+              </a:spcAft>
+              <a:buSzPts val="1400"/>
+              <a:buNone/>
+            </a:pPr>
+            <a:endParaRPr dirty="0">
+              <a:solidFill>
+                <a:schemeClr val="dk1"/>
+              </a:solidFill>
+              <a:latin typeface="Tahoma"/>
+              <a:ea typeface="Tahoma"/>
+              <a:cs typeface="Tahoma"/>
+              <a:sym typeface="Tahoma"/>
+            </a:endParaRPr>
+          </a:p>
+          <a:p>
+            <a:pPr marL="139700" lvl="0" indent="0" algn="l" rtl="0">
+              <a:lnSpc>
+                <a:spcPct val="150000"/>
+              </a:lnSpc>
+              <a:spcBef>
+                <a:spcPts val="0"/>
+              </a:spcBef>
+              <a:spcAft>
+                <a:spcPts val="0"/>
+              </a:spcAft>
+              <a:buSzPts val="1400"/>
+              <a:buNone/>
+            </a:pPr>
+            <a:r>
+              <a:rPr lang="ru" sz="1800" b="1" dirty="0">
+                <a:solidFill>
+                  <a:srgbClr val="662483"/>
+                </a:solidFill>
+                <a:latin typeface="Tahoma"/>
+                <a:ea typeface="Tahoma"/>
+                <a:cs typeface="Tahoma"/>
+                <a:sym typeface="Tahoma"/>
+              </a:rPr>
+              <a:t>Задачи </a:t>
+            </a:r>
+          </a:p>
+          <a:p>
+            <a:pPr>
+              <a:lnSpc>
+                <a:spcPct val="150000"/>
+              </a:lnSpc>
+            </a:pPr>
+            <a:r>
+              <a:rPr lang="ru-RU" dirty="0">
+                <a:solidFill>
+                  <a:schemeClr val="dk1"/>
+                </a:solidFill>
+                <a:latin typeface="Tahoma"/>
+                <a:ea typeface="Tahoma"/>
+                <a:cs typeface="Tahoma"/>
+                <a:sym typeface="Tahoma"/>
+              </a:rPr>
+              <a:t>Разбить </a:t>
+            </a:r>
+            <a:r>
+              <a:rPr lang="en-US" dirty="0">
+                <a:solidFill>
+                  <a:schemeClr val="dk1"/>
+                </a:solidFill>
+                <a:latin typeface="Tahoma"/>
+                <a:ea typeface="Tahoma"/>
+                <a:cs typeface="Tahoma"/>
+                <a:sym typeface="Tahoma"/>
+              </a:rPr>
+              <a:t>UI </a:t>
+            </a:r>
+            <a:r>
+              <a:rPr lang="ru-RU" dirty="0">
+                <a:solidFill>
+                  <a:schemeClr val="dk1"/>
+                </a:solidFill>
+                <a:latin typeface="Tahoma"/>
+                <a:ea typeface="Tahoma"/>
+                <a:cs typeface="Tahoma"/>
+                <a:sym typeface="Tahoma"/>
+              </a:rPr>
+              <a:t>на компоненты</a:t>
+            </a:r>
+            <a:endParaRPr lang="en-US" dirty="0">
+              <a:solidFill>
+                <a:schemeClr val="dk1"/>
+              </a:solidFill>
+              <a:latin typeface="Tahoma"/>
+              <a:ea typeface="Tahoma"/>
+              <a:cs typeface="Tahoma"/>
+              <a:sym typeface="Tahoma"/>
+            </a:endParaRPr>
+          </a:p>
+          <a:p>
+            <a:pPr>
+              <a:lnSpc>
+                <a:spcPct val="150000"/>
+              </a:lnSpc>
+            </a:pPr>
+            <a:r>
+              <a:rPr lang="ru-RU" dirty="0">
+                <a:solidFill>
+                  <a:schemeClr val="dk1"/>
+                </a:solidFill>
+                <a:latin typeface="Tahoma"/>
+                <a:ea typeface="Tahoma"/>
+                <a:cs typeface="Tahoma"/>
+                <a:sym typeface="Tahoma"/>
+              </a:rPr>
+              <a:t>Подключить </a:t>
+            </a:r>
+            <a:r>
+              <a:rPr lang="en-US" dirty="0">
+                <a:solidFill>
+                  <a:schemeClr val="dk1"/>
+                </a:solidFill>
+                <a:latin typeface="Tahoma"/>
+                <a:ea typeface="Tahoma"/>
+                <a:cs typeface="Tahoma"/>
+                <a:sym typeface="Tahoma"/>
+              </a:rPr>
+              <a:t>React</a:t>
+            </a:r>
+            <a:endParaRPr lang="ru-RU" dirty="0">
+              <a:solidFill>
+                <a:schemeClr val="dk1"/>
+              </a:solidFill>
+              <a:latin typeface="Tahoma"/>
+              <a:ea typeface="Tahoma"/>
+              <a:cs typeface="Tahoma"/>
+              <a:sym typeface="Tahoma"/>
+            </a:endParaRPr>
+          </a:p>
+          <a:p>
+            <a:pPr>
+              <a:lnSpc>
+                <a:spcPct val="150000"/>
+              </a:lnSpc>
+            </a:pPr>
+            <a:r>
+              <a:rPr lang="ru-RU" dirty="0">
+                <a:solidFill>
+                  <a:schemeClr val="dk1"/>
+                </a:solidFill>
+                <a:latin typeface="Tahoma"/>
+                <a:ea typeface="Tahoma"/>
+                <a:cs typeface="Tahoma"/>
+                <a:sym typeface="Tahoma"/>
+              </a:rPr>
+              <a:t>Подключить </a:t>
+            </a:r>
+            <a:r>
+              <a:rPr lang="en-US" dirty="0">
+                <a:solidFill>
+                  <a:schemeClr val="dk1"/>
+                </a:solidFill>
+                <a:latin typeface="Tahoma"/>
+                <a:ea typeface="Tahoma"/>
+                <a:cs typeface="Tahoma"/>
+                <a:sym typeface="Tahoma"/>
+              </a:rPr>
+              <a:t>JSX</a:t>
+            </a:r>
+            <a:endParaRPr lang="ru-RU" dirty="0">
+              <a:solidFill>
+                <a:schemeClr val="dk1"/>
+              </a:solidFill>
+              <a:latin typeface="Tahoma"/>
+              <a:ea typeface="Tahoma"/>
+              <a:cs typeface="Tahoma"/>
+              <a:sym typeface="Tahoma"/>
+            </a:endParaRPr>
+          </a:p>
+          <a:p>
+            <a:pPr lvl="0">
+              <a:lnSpc>
+                <a:spcPct val="150000"/>
+              </a:lnSpc>
+            </a:pPr>
+            <a:r>
+              <a:rPr lang="ru-RU" dirty="0">
+                <a:solidFill>
+                  <a:schemeClr val="dk1"/>
+                </a:solidFill>
+                <a:latin typeface="Tahoma"/>
+                <a:ea typeface="Tahoma"/>
+                <a:cs typeface="Tahoma"/>
+                <a:sym typeface="Tahoma"/>
+              </a:rPr>
+              <a:t>Воспользоваться </a:t>
+            </a:r>
+            <a:r>
+              <a:rPr lang="en-US" dirty="0">
+                <a:solidFill>
+                  <a:schemeClr val="dk1"/>
+                </a:solidFill>
+                <a:latin typeface="Tahoma"/>
+                <a:ea typeface="Tahoma"/>
+                <a:cs typeface="Tahoma"/>
+                <a:sym typeface="Tahoma"/>
+              </a:rPr>
+              <a:t>create-react-app</a:t>
+            </a:r>
+            <a:endParaRPr lang="ru-RU" dirty="0">
+              <a:solidFill>
+                <a:schemeClr val="dk1"/>
+              </a:solidFill>
+              <a:latin typeface="Tahoma"/>
+              <a:ea typeface="Tahoma"/>
+              <a:cs typeface="Tahoma"/>
+              <a:sym typeface="Tahoma"/>
+            </a:endParaRPr>
+          </a:p>
+        </p:txBody>
+      </p:sp>
+      <p:grpSp>
+        <p:nvGrpSpPr>
+          <p:cNvPr id="99" name="Google Shape;99;p23"/>
+          <p:cNvGrpSpPr/>
+          <p:nvPr/>
+        </p:nvGrpSpPr>
+        <p:grpSpPr>
+          <a:xfrm>
+            <a:off x="0" y="0"/>
+            <a:ext cx="9144000" cy="633000"/>
+            <a:chOff x="125" y="215925"/>
+            <a:chExt cx="9144000" cy="633000"/>
+          </a:xfrm>
+        </p:grpSpPr>
+        <p:sp>
+          <p:nvSpPr>
+            <p:cNvPr id="100" name="Google Shape;100;p23"/>
+            <p:cNvSpPr/>
+            <p:nvPr/>
+          </p:nvSpPr>
+          <p:spPr>
+            <a:xfrm>
+              <a:off x="125" y="215925"/>
+              <a:ext cx="9144000" cy="633000"/>
+            </a:xfrm>
+            <a:prstGeom prst="rect">
+              <a:avLst/>
+            </a:prstGeom>
+            <a:solidFill>
+              <a:srgbClr val="88AF43"/>
+            </a:solidFill>
+            <a:ln w="9525" cap="flat" cmpd="sng">
+              <a:solidFill>
+                <a:srgbClr val="88AF43"/>
+              </a:solidFill>
+              <a:prstDash val="solid"/>
+              <a:round/>
+              <a:headEnd type="none" w="sm" len="sm"/>
+              <a:tailEnd type="none" w="sm" len="sm"/>
+            </a:ln>
+          </p:spPr>
+          <p:txBody>
+            <a:bodyPr spcFirstLastPara="1" wrap="square" lIns="91425" tIns="91425" rIns="91425" bIns="91425" anchor="ctr" anchorCtr="0">
+              <a:noAutofit/>
+            </a:bodyPr>
+            <a:lstStyle/>
+            <a:p>
+              <a:pPr marL="0" marR="0" lvl="0" indent="0" algn="l" rtl="0">
+                <a:lnSpc>
+                  <a:spcPct val="100000"/>
+                </a:lnSpc>
+                <a:spcBef>
+                  <a:spcPts val="0"/>
+                </a:spcBef>
+                <a:spcAft>
+                  <a:spcPts val="0"/>
+                </a:spcAft>
+                <a:buClr>
+                  <a:srgbClr val="000000"/>
+                </a:buClr>
+                <a:buSzPts val="1400"/>
+                <a:buFont typeface="Arial"/>
+                <a:buNone/>
+              </a:pPr>
+              <a:endParaRPr sz="1400" b="0" i="0" u="none" strike="noStrike" cap="none">
+                <a:solidFill>
+                  <a:srgbClr val="000000"/>
+                </a:solidFill>
+                <a:latin typeface="Arial"/>
+                <a:ea typeface="Arial"/>
+                <a:cs typeface="Arial"/>
+                <a:sym typeface="Arial"/>
+              </a:endParaRPr>
+            </a:p>
+          </p:txBody>
+        </p:sp>
+        <p:sp>
+          <p:nvSpPr>
+            <p:cNvPr id="101" name="Google Shape;101;p23"/>
+            <p:cNvSpPr txBox="1"/>
+            <p:nvPr/>
+          </p:nvSpPr>
+          <p:spPr>
+            <a:xfrm>
+              <a:off x="181650" y="285825"/>
+              <a:ext cx="5786400" cy="493200"/>
+            </a:xfrm>
+            <a:prstGeom prst="rect">
+              <a:avLst/>
+            </a:prstGeom>
+            <a:noFill/>
+            <a:ln>
+              <a:noFill/>
+            </a:ln>
+          </p:spPr>
+          <p:txBody>
+            <a:bodyPr spcFirstLastPara="1" wrap="square" lIns="91425" tIns="91425" rIns="91425" bIns="91425" anchor="t" anchorCtr="0">
+              <a:noAutofit/>
+            </a:bodyPr>
+            <a:lstStyle/>
+            <a:p>
+              <a:pPr marL="0" marR="0" lvl="0" indent="0" algn="l" rtl="0">
+                <a:lnSpc>
+                  <a:spcPct val="100000"/>
+                </a:lnSpc>
+                <a:spcBef>
+                  <a:spcPts val="0"/>
+                </a:spcBef>
+                <a:spcAft>
+                  <a:spcPts val="0"/>
+                </a:spcAft>
+                <a:buClr>
+                  <a:srgbClr val="000000"/>
+                </a:buClr>
+                <a:buSzPts val="2000"/>
+                <a:buFont typeface="Arial"/>
+                <a:buNone/>
+              </a:pPr>
+              <a:r>
+                <a:rPr lang="ru" sz="2000" b="0" i="0" u="none" strike="noStrike" cap="none">
+                  <a:solidFill>
+                    <a:srgbClr val="FFFFFF"/>
+                  </a:solidFill>
+                  <a:latin typeface="Tahoma"/>
+                  <a:ea typeface="Tahoma"/>
+                  <a:cs typeface="Tahoma"/>
+                  <a:sym typeface="Tahoma"/>
+                </a:rPr>
+                <a:t>Цель и задачи занятия</a:t>
+              </a:r>
+              <a:endParaRPr sz="2000" b="0" i="0" u="none" strike="noStrike" cap="none">
+                <a:solidFill>
+                  <a:srgbClr val="FFFFFF"/>
+                </a:solidFill>
+                <a:latin typeface="Tahoma"/>
+                <a:ea typeface="Tahoma"/>
+                <a:cs typeface="Tahoma"/>
+                <a:sym typeface="Tahoma"/>
+              </a:endParaRPr>
+            </a:p>
+          </p:txBody>
+        </p:sp>
+      </p:grpSp>
+      <p:sp>
+        <p:nvSpPr>
+          <p:cNvPr id="102" name="Google Shape;102;p23"/>
+          <p:cNvSpPr/>
+          <p:nvPr/>
+        </p:nvSpPr>
+        <p:spPr>
+          <a:xfrm>
+            <a:off x="0" y="5038200"/>
+            <a:ext cx="9144000" cy="105300"/>
+          </a:xfrm>
+          <a:prstGeom prst="rect">
+            <a:avLst/>
+          </a:prstGeom>
+          <a:solidFill>
+            <a:srgbClr val="662483"/>
+          </a:solidFill>
+          <a:ln>
+            <a:noFill/>
+          </a:ln>
+        </p:spPr>
+        <p:txBody>
+          <a:bodyPr spcFirstLastPara="1" wrap="square" lIns="91425" tIns="91425" rIns="91425" bIns="91425" anchor="ctr" anchorCtr="0">
+            <a:noAutofit/>
+          </a:bodyPr>
+          <a:lstStyle/>
+          <a:p>
+            <a:pPr marL="0" marR="0" lvl="0" indent="0" algn="l" rtl="0">
+              <a:lnSpc>
+                <a:spcPct val="100000"/>
+              </a:lnSpc>
+              <a:spcBef>
+                <a:spcPts val="0"/>
+              </a:spcBef>
+              <a:spcAft>
+                <a:spcPts val="0"/>
+              </a:spcAft>
+              <a:buClr>
+                <a:srgbClr val="000000"/>
+              </a:buClr>
+              <a:buSzPts val="1400"/>
+              <a:buFont typeface="Arial"/>
+              <a:buNone/>
+            </a:pPr>
+            <a:endParaRPr sz="1400" b="0" i="0" u="none" strike="noStrike" cap="none">
+              <a:solidFill>
+                <a:srgbClr val="000000"/>
+              </a:solidFill>
+              <a:latin typeface="Arial"/>
+              <a:ea typeface="Arial"/>
+              <a:cs typeface="Arial"/>
+              <a:sym typeface="Arial"/>
+            </a:endParaRPr>
+          </a:p>
+        </p:txBody>
+      </p:sp>
+      <p:pic>
+        <p:nvPicPr>
+          <p:cNvPr id="4" name="Рисунок 3" descr="Мозговой штурм группы">
+            <a:extLst>
+              <a:ext uri="{FF2B5EF4-FFF2-40B4-BE49-F238E27FC236}">
+                <a16:creationId xmlns:a16="http://schemas.microsoft.com/office/drawing/2014/main" id="{4EFB9B1D-173A-4715-8F61-F147A08C887C}"/>
+              </a:ext>
+            </a:extLst>
+          </p:cNvPr>
+          <p:cNvPicPr>
+            <a:picLocks noChangeAspect="1"/>
+          </p:cNvPicPr>
+          <p:nvPr/>
+        </p:nvPicPr>
+        <p:blipFill>
+          <a:blip r:embed="rId3">
+            <a:extLst>
+              <a:ext uri="{96DAC541-7B7A-43D3-8B79-37D633B846F1}">
+                <asvg:svgBlip xmlns:asvg="http://schemas.microsoft.com/office/drawing/2016/SVG/main" r:embed="rId4"/>
+              </a:ext>
+            </a:extLst>
+          </a:blip>
+          <a:stretch>
+            <a:fillRect/>
+          </a:stretch>
+        </p:blipFill>
+        <p:spPr>
+          <a:xfrm>
+            <a:off x="5324030" y="1267715"/>
+            <a:ext cx="2435552" cy="2435552"/>
+          </a:xfrm>
+          <a:prstGeom prst="rect">
+            <a:avLst/>
+          </a:prstGeom>
+        </p:spPr>
+      </p:pic>
+    </p:spTree>
+  </p:cSld>
+  <p:clrMapOvr>
+    <a:masterClrMapping/>
+  </p:clrMapOvr>
+</p:sld>
+</file>
+
+<file path=ppt/slides/slide20.xml><?xml version="1.0" encoding="utf-8"?>
 <p:sld xmlns:a="http://schemas.openxmlformats.org/drawingml/2006/main" xmlns:r="http://schemas.openxmlformats.org/officeDocument/2006/relationships" xmlns:p="http://schemas.openxmlformats.org/presentationml/2006/main">
   <p:cSld>
     <p:spTree>
@@ -24782,7 +29181,7 @@
 </p:sld>
 </file>
 
-<file path=ppt/slides/slide19.xml><?xml version="1.0" encoding="utf-8"?>
+<file path=ppt/slides/slide21.xml><?xml version="1.0" encoding="utf-8"?>
 <p:sld xmlns:a="http://schemas.openxmlformats.org/drawingml/2006/main" xmlns:r="http://schemas.openxmlformats.org/officeDocument/2006/relationships" xmlns:p="http://schemas.openxmlformats.org/presentationml/2006/main">
   <p:cSld>
     <p:spTree>
@@ -25168,698 +29567,7 @@
 </p:sld>
 </file>
 
-<file path=ppt/slides/slide2.xml><?xml version="1.0" encoding="utf-8"?>
-<p:sld xmlns:a="http://schemas.openxmlformats.org/drawingml/2006/main" xmlns:r="http://schemas.openxmlformats.org/officeDocument/2006/relationships" xmlns:p="http://schemas.openxmlformats.org/presentationml/2006/main">
-  <p:cSld>
-    <p:spTree>
-      <p:nvGrpSpPr>
-        <p:cNvPr id="1" name="Shape 97"/>
-        <p:cNvGrpSpPr/>
-        <p:nvPr/>
-      </p:nvGrpSpPr>
-      <p:grpSpPr>
-        <a:xfrm>
-          <a:off x="0" y="0"/>
-          <a:ext cx="0" cy="0"/>
-          <a:chOff x="0" y="0"/>
-          <a:chExt cx="0" cy="0"/>
-        </a:xfrm>
-      </p:grpSpPr>
-      <p:sp>
-        <p:nvSpPr>
-          <p:cNvPr id="98" name="Google Shape;98;p23"/>
-          <p:cNvSpPr txBox="1">
-            <a:spLocks noGrp="1"/>
-          </p:cNvSpPr>
-          <p:nvPr>
-            <p:ph type="body" idx="1"/>
-          </p:nvPr>
-        </p:nvSpPr>
-        <p:spPr>
-          <a:xfrm>
-            <a:off x="294608" y="954334"/>
-            <a:ext cx="4875900" cy="3416400"/>
-          </a:xfrm>
-          <a:prstGeom prst="rect">
-            <a:avLst/>
-          </a:prstGeom>
-          <a:noFill/>
-          <a:ln>
-            <a:noFill/>
-          </a:ln>
-        </p:spPr>
-        <p:txBody>
-          <a:bodyPr spcFirstLastPara="1" wrap="square" lIns="91425" tIns="91425" rIns="91425" bIns="91425" anchor="t" anchorCtr="0">
-            <a:noAutofit/>
-          </a:bodyPr>
-          <a:lstStyle/>
-          <a:p>
-            <a:pPr marL="139700" lvl="0" indent="0" algn="l" rtl="0">
-              <a:lnSpc>
-                <a:spcPct val="150000"/>
-              </a:lnSpc>
-              <a:spcBef>
-                <a:spcPts val="0"/>
-              </a:spcBef>
-              <a:spcAft>
-                <a:spcPts val="0"/>
-              </a:spcAft>
-              <a:buSzPts val="1400"/>
-              <a:buNone/>
-            </a:pPr>
-            <a:r>
-              <a:rPr lang="ru" sz="1800" b="1" dirty="0">
-                <a:solidFill>
-                  <a:srgbClr val="662483"/>
-                </a:solidFill>
-                <a:latin typeface="Tahoma"/>
-                <a:ea typeface="Tahoma"/>
-                <a:cs typeface="Tahoma"/>
-                <a:sym typeface="Tahoma"/>
-              </a:rPr>
-              <a:t>Цель</a:t>
-            </a:r>
-            <a:r>
-              <a:rPr lang="ru" sz="1800" b="1" dirty="0">
-                <a:solidFill>
-                  <a:srgbClr val="2875C3"/>
-                </a:solidFill>
-                <a:latin typeface="Tahoma"/>
-                <a:ea typeface="Tahoma"/>
-                <a:cs typeface="Tahoma"/>
-                <a:sym typeface="Tahoma"/>
-              </a:rPr>
-              <a:t> </a:t>
-            </a:r>
-            <a:endParaRPr sz="1800" dirty="0">
-              <a:solidFill>
-                <a:srgbClr val="2875C3"/>
-              </a:solidFill>
-              <a:latin typeface="Tahoma"/>
-              <a:ea typeface="Tahoma"/>
-              <a:cs typeface="Tahoma"/>
-              <a:sym typeface="Tahoma"/>
-            </a:endParaRPr>
-          </a:p>
-          <a:p>
-            <a:pPr>
-              <a:lnSpc>
-                <a:spcPct val="150000"/>
-              </a:lnSpc>
-            </a:pPr>
-            <a:r>
-              <a:rPr lang="ru-RU" dirty="0">
-                <a:solidFill>
-                  <a:schemeClr val="dk1"/>
-                </a:solidFill>
-                <a:latin typeface="Tahoma"/>
-                <a:ea typeface="Tahoma"/>
-                <a:cs typeface="Tahoma"/>
-                <a:sym typeface="Tahoma"/>
-              </a:rPr>
-              <a:t>Понять компонентный подход</a:t>
-            </a:r>
-            <a:endParaRPr lang="en-US" dirty="0">
-              <a:solidFill>
-                <a:schemeClr val="dk1"/>
-              </a:solidFill>
-              <a:latin typeface="Tahoma"/>
-              <a:ea typeface="Tahoma"/>
-              <a:cs typeface="Tahoma"/>
-              <a:sym typeface="Tahoma"/>
-            </a:endParaRPr>
-          </a:p>
-          <a:p>
-            <a:pPr>
-              <a:lnSpc>
-                <a:spcPct val="150000"/>
-              </a:lnSpc>
-            </a:pPr>
-            <a:r>
-              <a:rPr lang="ru-RU" dirty="0">
-                <a:solidFill>
-                  <a:schemeClr val="dk1"/>
-                </a:solidFill>
-                <a:latin typeface="Tahoma"/>
-                <a:ea typeface="Tahoma"/>
-                <a:cs typeface="Tahoma"/>
-                <a:sym typeface="Tahoma"/>
-              </a:rPr>
-              <a:t>Как работает виртуальный </a:t>
-            </a:r>
-            <a:r>
-              <a:rPr lang="en-US" dirty="0">
-                <a:solidFill>
-                  <a:schemeClr val="dk1"/>
-                </a:solidFill>
-                <a:latin typeface="Tahoma"/>
-                <a:ea typeface="Tahoma"/>
-                <a:cs typeface="Tahoma"/>
-                <a:sym typeface="Tahoma"/>
-              </a:rPr>
-              <a:t>DOM</a:t>
-            </a:r>
-          </a:p>
-          <a:p>
-            <a:pPr>
-              <a:lnSpc>
-                <a:spcPct val="150000"/>
-              </a:lnSpc>
-            </a:pPr>
-            <a:r>
-              <a:rPr lang="ru-RU" dirty="0">
-                <a:solidFill>
-                  <a:schemeClr val="dk1"/>
-                </a:solidFill>
-                <a:latin typeface="Tahoma"/>
-                <a:ea typeface="Tahoma"/>
-                <a:cs typeface="Tahoma"/>
-                <a:sym typeface="Tahoma"/>
-              </a:rPr>
-              <a:t>Изучить </a:t>
-            </a:r>
-            <a:r>
-              <a:rPr lang="en-US" dirty="0">
-                <a:solidFill>
-                  <a:schemeClr val="dk1"/>
-                </a:solidFill>
-                <a:latin typeface="Tahoma"/>
-                <a:ea typeface="Tahoma"/>
-                <a:cs typeface="Tahoma"/>
-                <a:sym typeface="Tahoma"/>
-              </a:rPr>
-              <a:t>JSX</a:t>
-            </a:r>
-            <a:endParaRPr lang="ru-RU" dirty="0">
-              <a:solidFill>
-                <a:schemeClr val="dk1"/>
-              </a:solidFill>
-              <a:latin typeface="Tahoma"/>
-              <a:ea typeface="Tahoma"/>
-              <a:cs typeface="Tahoma"/>
-              <a:sym typeface="Tahoma"/>
-            </a:endParaRPr>
-          </a:p>
-          <a:p>
-            <a:pPr>
-              <a:lnSpc>
-                <a:spcPct val="150000"/>
-              </a:lnSpc>
-            </a:pPr>
-            <a:r>
-              <a:rPr lang="ru-RU" dirty="0">
-                <a:solidFill>
-                  <a:schemeClr val="dk1"/>
-                </a:solidFill>
-                <a:latin typeface="Tahoma"/>
-                <a:ea typeface="Tahoma"/>
-                <a:cs typeface="Tahoma"/>
-                <a:sym typeface="Tahoma"/>
-              </a:rPr>
-              <a:t>Научиться подключать </a:t>
-            </a:r>
-            <a:r>
-              <a:rPr lang="en-US" dirty="0">
-                <a:solidFill>
-                  <a:schemeClr val="dk1"/>
-                </a:solidFill>
-                <a:latin typeface="Tahoma"/>
-                <a:ea typeface="Tahoma"/>
-                <a:cs typeface="Tahoma"/>
-                <a:sym typeface="Tahoma"/>
-              </a:rPr>
-              <a:t>react</a:t>
-            </a:r>
-          </a:p>
-          <a:p>
-            <a:pPr marL="139700" lvl="0" indent="0" algn="l" rtl="0">
-              <a:lnSpc>
-                <a:spcPct val="150000"/>
-              </a:lnSpc>
-              <a:spcBef>
-                <a:spcPts val="0"/>
-              </a:spcBef>
-              <a:spcAft>
-                <a:spcPts val="0"/>
-              </a:spcAft>
-              <a:buSzPts val="1400"/>
-              <a:buNone/>
-            </a:pPr>
-            <a:endParaRPr dirty="0">
-              <a:solidFill>
-                <a:schemeClr val="dk1"/>
-              </a:solidFill>
-              <a:latin typeface="Tahoma"/>
-              <a:ea typeface="Tahoma"/>
-              <a:cs typeface="Tahoma"/>
-              <a:sym typeface="Tahoma"/>
-            </a:endParaRPr>
-          </a:p>
-          <a:p>
-            <a:pPr marL="139700" lvl="0" indent="0" algn="l" rtl="0">
-              <a:lnSpc>
-                <a:spcPct val="150000"/>
-              </a:lnSpc>
-              <a:spcBef>
-                <a:spcPts val="0"/>
-              </a:spcBef>
-              <a:spcAft>
-                <a:spcPts val="0"/>
-              </a:spcAft>
-              <a:buSzPts val="1400"/>
-              <a:buNone/>
-            </a:pPr>
-            <a:r>
-              <a:rPr lang="ru" sz="1800" b="1" dirty="0">
-                <a:solidFill>
-                  <a:srgbClr val="662483"/>
-                </a:solidFill>
-                <a:latin typeface="Tahoma"/>
-                <a:ea typeface="Tahoma"/>
-                <a:cs typeface="Tahoma"/>
-                <a:sym typeface="Tahoma"/>
-              </a:rPr>
-              <a:t>Задачи </a:t>
-            </a:r>
-          </a:p>
-          <a:p>
-            <a:pPr>
-              <a:lnSpc>
-                <a:spcPct val="150000"/>
-              </a:lnSpc>
-            </a:pPr>
-            <a:r>
-              <a:rPr lang="ru-RU" dirty="0">
-                <a:solidFill>
-                  <a:schemeClr val="dk1"/>
-                </a:solidFill>
-                <a:latin typeface="Tahoma"/>
-                <a:ea typeface="Tahoma"/>
-                <a:cs typeface="Tahoma"/>
-                <a:sym typeface="Tahoma"/>
-              </a:rPr>
-              <a:t>Разбить </a:t>
-            </a:r>
-            <a:r>
-              <a:rPr lang="en-US" dirty="0">
-                <a:solidFill>
-                  <a:schemeClr val="dk1"/>
-                </a:solidFill>
-                <a:latin typeface="Tahoma"/>
-                <a:ea typeface="Tahoma"/>
-                <a:cs typeface="Tahoma"/>
-                <a:sym typeface="Tahoma"/>
-              </a:rPr>
-              <a:t>UI </a:t>
-            </a:r>
-            <a:r>
-              <a:rPr lang="ru-RU" dirty="0">
-                <a:solidFill>
-                  <a:schemeClr val="dk1"/>
-                </a:solidFill>
-                <a:latin typeface="Tahoma"/>
-                <a:ea typeface="Tahoma"/>
-                <a:cs typeface="Tahoma"/>
-                <a:sym typeface="Tahoma"/>
-              </a:rPr>
-              <a:t>на компоненты</a:t>
-            </a:r>
-            <a:endParaRPr lang="en-US" dirty="0">
-              <a:solidFill>
-                <a:schemeClr val="dk1"/>
-              </a:solidFill>
-              <a:latin typeface="Tahoma"/>
-              <a:ea typeface="Tahoma"/>
-              <a:cs typeface="Tahoma"/>
-              <a:sym typeface="Tahoma"/>
-            </a:endParaRPr>
-          </a:p>
-          <a:p>
-            <a:pPr>
-              <a:lnSpc>
-                <a:spcPct val="150000"/>
-              </a:lnSpc>
-            </a:pPr>
-            <a:r>
-              <a:rPr lang="ru-RU" dirty="0">
-                <a:solidFill>
-                  <a:schemeClr val="dk1"/>
-                </a:solidFill>
-                <a:latin typeface="Tahoma"/>
-                <a:ea typeface="Tahoma"/>
-                <a:cs typeface="Tahoma"/>
-                <a:sym typeface="Tahoma"/>
-              </a:rPr>
-              <a:t>Подключить </a:t>
-            </a:r>
-            <a:r>
-              <a:rPr lang="en-US" dirty="0">
-                <a:solidFill>
-                  <a:schemeClr val="dk1"/>
-                </a:solidFill>
-                <a:latin typeface="Tahoma"/>
-                <a:ea typeface="Tahoma"/>
-                <a:cs typeface="Tahoma"/>
-                <a:sym typeface="Tahoma"/>
-              </a:rPr>
-              <a:t>React</a:t>
-            </a:r>
-            <a:endParaRPr lang="ru-RU" dirty="0">
-              <a:solidFill>
-                <a:schemeClr val="dk1"/>
-              </a:solidFill>
-              <a:latin typeface="Tahoma"/>
-              <a:ea typeface="Tahoma"/>
-              <a:cs typeface="Tahoma"/>
-              <a:sym typeface="Tahoma"/>
-            </a:endParaRPr>
-          </a:p>
-          <a:p>
-            <a:pPr>
-              <a:lnSpc>
-                <a:spcPct val="150000"/>
-              </a:lnSpc>
-            </a:pPr>
-            <a:r>
-              <a:rPr lang="ru-RU" dirty="0">
-                <a:solidFill>
-                  <a:schemeClr val="dk1"/>
-                </a:solidFill>
-                <a:latin typeface="Tahoma"/>
-                <a:ea typeface="Tahoma"/>
-                <a:cs typeface="Tahoma"/>
-                <a:sym typeface="Tahoma"/>
-              </a:rPr>
-              <a:t>Подключить </a:t>
-            </a:r>
-            <a:r>
-              <a:rPr lang="en-US" dirty="0">
-                <a:solidFill>
-                  <a:schemeClr val="dk1"/>
-                </a:solidFill>
-                <a:latin typeface="Tahoma"/>
-                <a:ea typeface="Tahoma"/>
-                <a:cs typeface="Tahoma"/>
-                <a:sym typeface="Tahoma"/>
-              </a:rPr>
-              <a:t>JSX</a:t>
-            </a:r>
-            <a:endParaRPr lang="ru-RU" dirty="0">
-              <a:solidFill>
-                <a:schemeClr val="dk1"/>
-              </a:solidFill>
-              <a:latin typeface="Tahoma"/>
-              <a:ea typeface="Tahoma"/>
-              <a:cs typeface="Tahoma"/>
-              <a:sym typeface="Tahoma"/>
-            </a:endParaRPr>
-          </a:p>
-          <a:p>
-            <a:pPr lvl="0">
-              <a:lnSpc>
-                <a:spcPct val="150000"/>
-              </a:lnSpc>
-            </a:pPr>
-            <a:r>
-              <a:rPr lang="ru-RU" dirty="0">
-                <a:solidFill>
-                  <a:schemeClr val="dk1"/>
-                </a:solidFill>
-                <a:latin typeface="Tahoma"/>
-                <a:ea typeface="Tahoma"/>
-                <a:cs typeface="Tahoma"/>
-                <a:sym typeface="Tahoma"/>
-              </a:rPr>
-              <a:t>Воспользоваться </a:t>
-            </a:r>
-            <a:r>
-              <a:rPr lang="en-US" dirty="0">
-                <a:solidFill>
-                  <a:schemeClr val="dk1"/>
-                </a:solidFill>
-                <a:latin typeface="Tahoma"/>
-                <a:ea typeface="Tahoma"/>
-                <a:cs typeface="Tahoma"/>
-                <a:sym typeface="Tahoma"/>
-              </a:rPr>
-              <a:t>create-react-app</a:t>
-            </a:r>
-            <a:endParaRPr lang="ru-RU" dirty="0">
-              <a:solidFill>
-                <a:schemeClr val="dk1"/>
-              </a:solidFill>
-              <a:latin typeface="Tahoma"/>
-              <a:ea typeface="Tahoma"/>
-              <a:cs typeface="Tahoma"/>
-              <a:sym typeface="Tahoma"/>
-            </a:endParaRPr>
-          </a:p>
-        </p:txBody>
-      </p:sp>
-      <p:grpSp>
-        <p:nvGrpSpPr>
-          <p:cNvPr id="99" name="Google Shape;99;p23"/>
-          <p:cNvGrpSpPr/>
-          <p:nvPr/>
-        </p:nvGrpSpPr>
-        <p:grpSpPr>
-          <a:xfrm>
-            <a:off x="0" y="0"/>
-            <a:ext cx="9144000" cy="633000"/>
-            <a:chOff x="125" y="215925"/>
-            <a:chExt cx="9144000" cy="633000"/>
-          </a:xfrm>
-        </p:grpSpPr>
-        <p:sp>
-          <p:nvSpPr>
-            <p:cNvPr id="100" name="Google Shape;100;p23"/>
-            <p:cNvSpPr/>
-            <p:nvPr/>
-          </p:nvSpPr>
-          <p:spPr>
-            <a:xfrm>
-              <a:off x="125" y="215925"/>
-              <a:ext cx="9144000" cy="633000"/>
-            </a:xfrm>
-            <a:prstGeom prst="rect">
-              <a:avLst/>
-            </a:prstGeom>
-            <a:solidFill>
-              <a:srgbClr val="88AF43"/>
-            </a:solidFill>
-            <a:ln w="9525" cap="flat" cmpd="sng">
-              <a:solidFill>
-                <a:srgbClr val="88AF43"/>
-              </a:solidFill>
-              <a:prstDash val="solid"/>
-              <a:round/>
-              <a:headEnd type="none" w="sm" len="sm"/>
-              <a:tailEnd type="none" w="sm" len="sm"/>
-            </a:ln>
-          </p:spPr>
-          <p:txBody>
-            <a:bodyPr spcFirstLastPara="1" wrap="square" lIns="91425" tIns="91425" rIns="91425" bIns="91425" anchor="ctr" anchorCtr="0">
-              <a:noAutofit/>
-            </a:bodyPr>
-            <a:lstStyle/>
-            <a:p>
-              <a:pPr marL="0" marR="0" lvl="0" indent="0" algn="l" rtl="0">
-                <a:lnSpc>
-                  <a:spcPct val="100000"/>
-                </a:lnSpc>
-                <a:spcBef>
-                  <a:spcPts val="0"/>
-                </a:spcBef>
-                <a:spcAft>
-                  <a:spcPts val="0"/>
-                </a:spcAft>
-                <a:buClr>
-                  <a:srgbClr val="000000"/>
-                </a:buClr>
-                <a:buSzPts val="1400"/>
-                <a:buFont typeface="Arial"/>
-                <a:buNone/>
-              </a:pPr>
-              <a:endParaRPr sz="1400" b="0" i="0" u="none" strike="noStrike" cap="none">
-                <a:solidFill>
-                  <a:srgbClr val="000000"/>
-                </a:solidFill>
-                <a:latin typeface="Arial"/>
-                <a:ea typeface="Arial"/>
-                <a:cs typeface="Arial"/>
-                <a:sym typeface="Arial"/>
-              </a:endParaRPr>
-            </a:p>
-          </p:txBody>
-        </p:sp>
-        <p:sp>
-          <p:nvSpPr>
-            <p:cNvPr id="101" name="Google Shape;101;p23"/>
-            <p:cNvSpPr txBox="1"/>
-            <p:nvPr/>
-          </p:nvSpPr>
-          <p:spPr>
-            <a:xfrm>
-              <a:off x="181650" y="285825"/>
-              <a:ext cx="5786400" cy="493200"/>
-            </a:xfrm>
-            <a:prstGeom prst="rect">
-              <a:avLst/>
-            </a:prstGeom>
-            <a:noFill/>
-            <a:ln>
-              <a:noFill/>
-            </a:ln>
-          </p:spPr>
-          <p:txBody>
-            <a:bodyPr spcFirstLastPara="1" wrap="square" lIns="91425" tIns="91425" rIns="91425" bIns="91425" anchor="t" anchorCtr="0">
-              <a:noAutofit/>
-            </a:bodyPr>
-            <a:lstStyle/>
-            <a:p>
-              <a:pPr marL="0" marR="0" lvl="0" indent="0" algn="l" rtl="0">
-                <a:lnSpc>
-                  <a:spcPct val="100000"/>
-                </a:lnSpc>
-                <a:spcBef>
-                  <a:spcPts val="0"/>
-                </a:spcBef>
-                <a:spcAft>
-                  <a:spcPts val="0"/>
-                </a:spcAft>
-                <a:buClr>
-                  <a:srgbClr val="000000"/>
-                </a:buClr>
-                <a:buSzPts val="2000"/>
-                <a:buFont typeface="Arial"/>
-                <a:buNone/>
-              </a:pPr>
-              <a:r>
-                <a:rPr lang="ru" sz="2000" b="0" i="0" u="none" strike="noStrike" cap="none">
-                  <a:solidFill>
-                    <a:srgbClr val="FFFFFF"/>
-                  </a:solidFill>
-                  <a:latin typeface="Tahoma"/>
-                  <a:ea typeface="Tahoma"/>
-                  <a:cs typeface="Tahoma"/>
-                  <a:sym typeface="Tahoma"/>
-                </a:rPr>
-                <a:t>Цель и задачи занятия</a:t>
-              </a:r>
-              <a:endParaRPr sz="2000" b="0" i="0" u="none" strike="noStrike" cap="none">
-                <a:solidFill>
-                  <a:srgbClr val="FFFFFF"/>
-                </a:solidFill>
-                <a:latin typeface="Tahoma"/>
-                <a:ea typeface="Tahoma"/>
-                <a:cs typeface="Tahoma"/>
-                <a:sym typeface="Tahoma"/>
-              </a:endParaRPr>
-            </a:p>
-          </p:txBody>
-        </p:sp>
-      </p:grpSp>
-      <p:sp>
-        <p:nvSpPr>
-          <p:cNvPr id="102" name="Google Shape;102;p23"/>
-          <p:cNvSpPr/>
-          <p:nvPr/>
-        </p:nvSpPr>
-        <p:spPr>
-          <a:xfrm>
-            <a:off x="0" y="5038200"/>
-            <a:ext cx="9144000" cy="105300"/>
-          </a:xfrm>
-          <a:prstGeom prst="rect">
-            <a:avLst/>
-          </a:prstGeom>
-          <a:solidFill>
-            <a:srgbClr val="662483"/>
-          </a:solidFill>
-          <a:ln>
-            <a:noFill/>
-          </a:ln>
-        </p:spPr>
-        <p:txBody>
-          <a:bodyPr spcFirstLastPara="1" wrap="square" lIns="91425" tIns="91425" rIns="91425" bIns="91425" anchor="ctr" anchorCtr="0">
-            <a:noAutofit/>
-          </a:bodyPr>
-          <a:lstStyle/>
-          <a:p>
-            <a:pPr marL="0" marR="0" lvl="0" indent="0" algn="l" rtl="0">
-              <a:lnSpc>
-                <a:spcPct val="100000"/>
-              </a:lnSpc>
-              <a:spcBef>
-                <a:spcPts val="0"/>
-              </a:spcBef>
-              <a:spcAft>
-                <a:spcPts val="0"/>
-              </a:spcAft>
-              <a:buClr>
-                <a:srgbClr val="000000"/>
-              </a:buClr>
-              <a:buSzPts val="1400"/>
-              <a:buFont typeface="Arial"/>
-              <a:buNone/>
-            </a:pPr>
-            <a:endParaRPr sz="1400" b="0" i="0" u="none" strike="noStrike" cap="none">
-              <a:solidFill>
-                <a:srgbClr val="000000"/>
-              </a:solidFill>
-              <a:latin typeface="Arial"/>
-              <a:ea typeface="Arial"/>
-              <a:cs typeface="Arial"/>
-              <a:sym typeface="Arial"/>
-            </a:endParaRPr>
-          </a:p>
-        </p:txBody>
-      </p:sp>
-      <p:pic>
-        <p:nvPicPr>
-          <p:cNvPr id="4" name="Рисунок 3" descr="Мозговой штурм группы">
-            <a:extLst>
-              <a:ext uri="{FF2B5EF4-FFF2-40B4-BE49-F238E27FC236}">
-                <a16:creationId xmlns:a16="http://schemas.microsoft.com/office/drawing/2014/main" id="{4EFB9B1D-173A-4715-8F61-F147A08C887C}"/>
-              </a:ext>
-            </a:extLst>
-          </p:cNvPr>
-          <p:cNvPicPr>
-            <a:picLocks noChangeAspect="1"/>
-          </p:cNvPicPr>
-          <p:nvPr/>
-        </p:nvPicPr>
-        <p:blipFill>
-          <a:blip r:embed="rId3">
-            <a:extLst>
-              <a:ext uri="{96DAC541-7B7A-43D3-8B79-37D633B846F1}">
-                <asvg:svgBlip xmlns:asvg="http://schemas.microsoft.com/office/drawing/2016/SVG/main" r:embed="rId4"/>
-              </a:ext>
-            </a:extLst>
-          </a:blip>
-          <a:stretch>
-            <a:fillRect/>
-          </a:stretch>
-        </p:blipFill>
-        <p:spPr>
-          <a:xfrm>
-            <a:off x="5324030" y="1267715"/>
-            <a:ext cx="2435552" cy="2435552"/>
-          </a:xfrm>
-          <a:prstGeom prst="rect">
-            <a:avLst/>
-          </a:prstGeom>
-        </p:spPr>
-      </p:pic>
-    </p:spTree>
-  </p:cSld>
-  <p:clrMapOvr>
-    <a:masterClrMapping/>
-  </p:clrMapOvr>
-</p:sld>
-</file>
-
-<file path=ppt/slides/slide20.xml><?xml version="1.0" encoding="utf-8"?>
+<file path=ppt/slides/slide22.xml><?xml version="1.0" encoding="utf-8"?>
 <p:sld xmlns:a="http://schemas.openxmlformats.org/drawingml/2006/main" xmlns:r="http://schemas.openxmlformats.org/officeDocument/2006/relationships" xmlns:p="http://schemas.openxmlformats.org/presentationml/2006/main">
   <p:cSld>
     <p:spTree>

--- a/2019/II.  React/2.1 Вводная по react, компонентный подход/Презентация 2.1 react.pptx
+++ b/2019/II.  React/2.1 Вводная по react, компонентный подход/Презентация 2.1 react.pptx
@@ -6,7 +6,7 @@
     <p:sldMasterId id="2147483668" r:id="rId2"/>
   </p:sldMasterIdLst>
   <p:notesMasterIdLst>
-    <p:notesMasterId r:id="rId25"/>
+    <p:notesMasterId r:id="rId27"/>
   </p:notesMasterIdLst>
   <p:sldIdLst>
     <p:sldId id="256" r:id="rId3"/>
@@ -29,21 +29,30 @@
     <p:sldId id="288" r:id="rId20"/>
     <p:sldId id="289" r:id="rId21"/>
     <p:sldId id="287" r:id="rId22"/>
-    <p:sldId id="283" r:id="rId23"/>
-    <p:sldId id="268" r:id="rId24"/>
+    <p:sldId id="291" r:id="rId23"/>
+    <p:sldId id="283" r:id="rId24"/>
+    <p:sldId id="293" r:id="rId25"/>
+    <p:sldId id="268" r:id="rId26"/>
   </p:sldIdLst>
   <p:sldSz cx="9144000" cy="5143500" type="screen16x9"/>
   <p:notesSz cx="6858000" cy="9144000"/>
   <p:embeddedFontLst>
     <p:embeddedFont>
       <p:font typeface="Adobe Garamond Pro" panose="02020502060506020403" pitchFamily="18" charset="0"/>
-      <p:regular r:id="rId26"/>
-      <p:italic r:id="rId27"/>
+      <p:regular r:id="rId28"/>
+      <p:italic r:id="rId29"/>
+    </p:embeddedFont>
+    <p:embeddedFont>
+      <p:font typeface="Lato" panose="020B0604020202020204" charset="0"/>
+      <p:regular r:id="rId30"/>
+      <p:bold r:id="rId31"/>
+      <p:italic r:id="rId32"/>
+      <p:boldItalic r:id="rId33"/>
     </p:embeddedFont>
     <p:embeddedFont>
       <p:font typeface="Tahoma" panose="020B0604030504040204" pitchFamily="34" charset="0"/>
-      <p:regular r:id="rId28"/>
-      <p:bold r:id="rId29"/>
+      <p:regular r:id="rId34"/>
+      <p:bold r:id="rId35"/>
     </p:embeddedFont>
   </p:embeddedFontLst>
   <p:defaultTextStyle>
@@ -2351,6 +2360,237 @@
   <p:cSld>
     <p:spTree>
       <p:nvGrpSpPr>
+        <p:cNvPr id="1" name="Shape 128"/>
+        <p:cNvGrpSpPr/>
+        <p:nvPr/>
+      </p:nvGrpSpPr>
+      <p:grpSpPr>
+        <a:xfrm>
+          <a:off x="0" y="0"/>
+          <a:ext cx="0" cy="0"/>
+          <a:chOff x="0" y="0"/>
+          <a:chExt cx="0" cy="0"/>
+        </a:xfrm>
+      </p:grpSpPr>
+      <p:sp>
+        <p:nvSpPr>
+          <p:cNvPr id="129" name="Google Shape;129;g582beb433c_2_70:notes"/>
+          <p:cNvSpPr txBox="1">
+            <a:spLocks noGrp="1"/>
+          </p:cNvSpPr>
+          <p:nvPr>
+            <p:ph type="body" idx="1"/>
+          </p:nvPr>
+        </p:nvSpPr>
+        <p:spPr>
+          <a:xfrm>
+            <a:off x="685800" y="4343400"/>
+            <a:ext cx="5486400" cy="4114800"/>
+          </a:xfrm>
+          <a:prstGeom prst="rect">
+            <a:avLst/>
+          </a:prstGeom>
+          <a:noFill/>
+          <a:ln>
+            <a:noFill/>
+          </a:ln>
+        </p:spPr>
+        <p:txBody>
+          <a:bodyPr spcFirstLastPara="1" wrap="square" lIns="91425" tIns="91425" rIns="91425" bIns="91425" anchor="t" anchorCtr="0">
+            <a:noAutofit/>
+          </a:bodyPr>
+          <a:lstStyle/>
+          <a:p>
+            <a:pPr marL="0" lvl="0" indent="0" algn="l" rtl="0">
+              <a:lnSpc>
+                <a:spcPct val="100000"/>
+              </a:lnSpc>
+              <a:spcBef>
+                <a:spcPts val="0"/>
+              </a:spcBef>
+              <a:spcAft>
+                <a:spcPts val="0"/>
+              </a:spcAft>
+              <a:buSzPts val="1100"/>
+              <a:buNone/>
+            </a:pPr>
+            <a:endParaRPr/>
+          </a:p>
+        </p:txBody>
+      </p:sp>
+      <p:sp>
+        <p:nvSpPr>
+          <p:cNvPr id="130" name="Google Shape;130;g582beb433c_2_70:notes"/>
+          <p:cNvSpPr>
+            <a:spLocks noGrp="1" noRot="1" noChangeAspect="1"/>
+          </p:cNvSpPr>
+          <p:nvPr>
+            <p:ph type="sldImg" idx="2"/>
+          </p:nvPr>
+        </p:nvSpPr>
+        <p:spPr>
+          <a:xfrm>
+            <a:off x="381000" y="685800"/>
+            <a:ext cx="6096000" cy="3429000"/>
+          </a:xfrm>
+          <a:custGeom>
+            <a:avLst/>
+            <a:gdLst/>
+            <a:ahLst/>
+            <a:cxnLst/>
+            <a:rect l="l" t="t" r="r" b="b"/>
+            <a:pathLst>
+              <a:path w="120000" h="120000" extrusionOk="0">
+                <a:moveTo>
+                  <a:pt x="0" y="0"/>
+                </a:moveTo>
+                <a:lnTo>
+                  <a:pt x="120000" y="0"/>
+                </a:lnTo>
+                <a:lnTo>
+                  <a:pt x="120000" y="120000"/>
+                </a:lnTo>
+                <a:lnTo>
+                  <a:pt x="0" y="120000"/>
+                </a:lnTo>
+                <a:close/>
+              </a:path>
+            </a:pathLst>
+          </a:custGeom>
+          <a:noFill/>
+          <a:ln w="9525" cap="flat" cmpd="sng">
+            <a:solidFill>
+              <a:srgbClr val="000000"/>
+            </a:solidFill>
+            <a:prstDash val="solid"/>
+            <a:round/>
+            <a:headEnd type="none" w="sm" len="sm"/>
+            <a:tailEnd type="none" w="sm" len="sm"/>
+          </a:ln>
+        </p:spPr>
+      </p:sp>
+    </p:spTree>
+    <p:extLst>
+      <p:ext uri="{BB962C8B-B14F-4D97-AF65-F5344CB8AC3E}">
+        <p14:creationId xmlns:p14="http://schemas.microsoft.com/office/powerpoint/2010/main" val="3987311455"/>
+      </p:ext>
+    </p:extLst>
+  </p:cSld>
+  <p:clrMapOvr>
+    <a:masterClrMapping/>
+  </p:clrMapOvr>
+</p:notes>
+</file>
+
+<file path=ppt/notesSlides/notesSlide22.xml><?xml version="1.0" encoding="utf-8"?>
+<p:notes xmlns:a="http://schemas.openxmlformats.org/drawingml/2006/main" xmlns:r="http://schemas.openxmlformats.org/officeDocument/2006/relationships" xmlns:p="http://schemas.openxmlformats.org/presentationml/2006/main" showMasterSp="0" showMasterPhAnim="0">
+  <p:cSld>
+    <p:spTree>
+      <p:nvGrpSpPr>
+        <p:cNvPr id="1" name="Shape 459"/>
+        <p:cNvGrpSpPr/>
+        <p:nvPr/>
+      </p:nvGrpSpPr>
+      <p:grpSpPr>
+        <a:xfrm>
+          <a:off x="0" y="0"/>
+          <a:ext cx="0" cy="0"/>
+          <a:chOff x="0" y="0"/>
+          <a:chExt cx="0" cy="0"/>
+        </a:xfrm>
+      </p:grpSpPr>
+      <p:sp>
+        <p:nvSpPr>
+          <p:cNvPr id="460" name="Google Shape;460;g40cf7f97c0_5_27:notes"/>
+          <p:cNvSpPr>
+            <a:spLocks noGrp="1" noRot="1" noChangeAspect="1"/>
+          </p:cNvSpPr>
+          <p:nvPr>
+            <p:ph type="sldImg" idx="2"/>
+          </p:nvPr>
+        </p:nvSpPr>
+        <p:spPr>
+          <a:xfrm>
+            <a:off x="381000" y="685800"/>
+            <a:ext cx="6096000" cy="3429000"/>
+          </a:xfrm>
+          <a:custGeom>
+            <a:avLst/>
+            <a:gdLst/>
+            <a:ahLst/>
+            <a:cxnLst/>
+            <a:rect l="l" t="t" r="r" b="b"/>
+            <a:pathLst>
+              <a:path w="120000" h="120000" extrusionOk="0">
+                <a:moveTo>
+                  <a:pt x="0" y="0"/>
+                </a:moveTo>
+                <a:lnTo>
+                  <a:pt x="120000" y="0"/>
+                </a:lnTo>
+                <a:lnTo>
+                  <a:pt x="120000" y="120000"/>
+                </a:lnTo>
+                <a:lnTo>
+                  <a:pt x="0" y="120000"/>
+                </a:lnTo>
+                <a:close/>
+              </a:path>
+            </a:pathLst>
+          </a:custGeom>
+        </p:spPr>
+      </p:sp>
+      <p:sp>
+        <p:nvSpPr>
+          <p:cNvPr id="461" name="Google Shape;461;g40cf7f97c0_5_27:notes"/>
+          <p:cNvSpPr txBox="1">
+            <a:spLocks noGrp="1"/>
+          </p:cNvSpPr>
+          <p:nvPr>
+            <p:ph type="body" idx="1"/>
+          </p:nvPr>
+        </p:nvSpPr>
+        <p:spPr>
+          <a:xfrm>
+            <a:off x="685800" y="4343400"/>
+            <a:ext cx="5486400" cy="4114800"/>
+          </a:xfrm>
+          <a:prstGeom prst="rect">
+            <a:avLst/>
+          </a:prstGeom>
+        </p:spPr>
+        <p:txBody>
+          <a:bodyPr spcFirstLastPara="1" wrap="square" lIns="91425" tIns="91425" rIns="91425" bIns="91425" anchor="t" anchorCtr="0">
+            <a:noAutofit/>
+          </a:bodyPr>
+          <a:lstStyle/>
+          <a:p>
+            <a:pPr marL="0" lvl="0" indent="0" algn="l" rtl="0">
+              <a:spcBef>
+                <a:spcPts val="0"/>
+              </a:spcBef>
+              <a:spcAft>
+                <a:spcPts val="0"/>
+              </a:spcAft>
+              <a:buNone/>
+            </a:pPr>
+            <a:endParaRPr/>
+          </a:p>
+        </p:txBody>
+      </p:sp>
+    </p:spTree>
+  </p:cSld>
+  <p:clrMapOvr>
+    <a:masterClrMapping/>
+  </p:clrMapOvr>
+</p:notes>
+</file>
+
+<file path=ppt/notesSlides/notesSlide23.xml><?xml version="1.0" encoding="utf-8"?>
+<p:notes xmlns:a="http://schemas.openxmlformats.org/drawingml/2006/main" xmlns:r="http://schemas.openxmlformats.org/officeDocument/2006/relationships" xmlns:p="http://schemas.openxmlformats.org/presentationml/2006/main" showMasterSp="0" showMasterPhAnim="0">
+  <p:cSld>
+    <p:spTree>
+      <p:nvGrpSpPr>
         <p:cNvPr id="1" name="Shape 202"/>
         <p:cNvGrpSpPr/>
         <p:nvPr/>
@@ -8985,6 +9225,432 @@
         </p:txBody>
       </p:sp>
     </p:spTree>
+  </p:cSld>
+  <p:clrMapOvr>
+    <a:masterClrMapping/>
+  </p:clrMapOvr>
+</p:sldLayout>
+</file>
+
+<file path=ppt/slideLayouts/slideLayout20.xml><?xml version="1.0" encoding="utf-8"?>
+<p:sldLayout xmlns:a="http://schemas.openxmlformats.org/drawingml/2006/main" xmlns:r="http://schemas.openxmlformats.org/officeDocument/2006/relationships" xmlns:p="http://schemas.openxmlformats.org/presentationml/2006/main" matchingName="Title and body" type="tx">
+  <p:cSld name="Title and body">
+    <p:spTree>
+      <p:nvGrpSpPr>
+        <p:cNvPr id="1" name="Shape 44"/>
+        <p:cNvGrpSpPr/>
+        <p:nvPr/>
+      </p:nvGrpSpPr>
+      <p:grpSpPr>
+        <a:xfrm>
+          <a:off x="0" y="0"/>
+          <a:ext cx="0" cy="0"/>
+          <a:chOff x="0" y="0"/>
+          <a:chExt cx="0" cy="0"/>
+        </a:xfrm>
+      </p:grpSpPr>
+      <p:sp>
+        <p:nvSpPr>
+          <p:cNvPr id="49" name="Google Shape;49;p5"/>
+          <p:cNvSpPr txBox="1">
+            <a:spLocks noGrp="1"/>
+          </p:cNvSpPr>
+          <p:nvPr>
+            <p:ph type="title"/>
+          </p:nvPr>
+        </p:nvSpPr>
+        <p:spPr>
+          <a:xfrm>
+            <a:off x="729450" y="1318650"/>
+            <a:ext cx="7688700" cy="535200"/>
+          </a:xfrm>
+          <a:prstGeom prst="rect">
+            <a:avLst/>
+          </a:prstGeom>
+        </p:spPr>
+        <p:txBody>
+          <a:bodyPr spcFirstLastPara="1" wrap="square" lIns="91425" tIns="91425" rIns="91425" bIns="91425" anchor="t" anchorCtr="0"/>
+          <a:lstStyle>
+            <a:lvl1pPr lvl="0">
+              <a:spcBef>
+                <a:spcPts val="0"/>
+              </a:spcBef>
+              <a:spcAft>
+                <a:spcPts val="0"/>
+              </a:spcAft>
+              <a:buClr>
+                <a:schemeClr val="dk2"/>
+              </a:buClr>
+              <a:buSzPts val="2600"/>
+              <a:buNone/>
+              <a:defRPr sz="2600">
+                <a:solidFill>
+                  <a:schemeClr val="dk2"/>
+                </a:solidFill>
+              </a:defRPr>
+            </a:lvl1pPr>
+            <a:lvl2pPr lvl="1">
+              <a:spcBef>
+                <a:spcPts val="0"/>
+              </a:spcBef>
+              <a:spcAft>
+                <a:spcPts val="0"/>
+              </a:spcAft>
+              <a:buClr>
+                <a:schemeClr val="dk2"/>
+              </a:buClr>
+              <a:buSzPts val="2600"/>
+              <a:buNone/>
+              <a:defRPr sz="2600">
+                <a:solidFill>
+                  <a:schemeClr val="dk2"/>
+                </a:solidFill>
+              </a:defRPr>
+            </a:lvl2pPr>
+            <a:lvl3pPr lvl="2">
+              <a:spcBef>
+                <a:spcPts val="0"/>
+              </a:spcBef>
+              <a:spcAft>
+                <a:spcPts val="0"/>
+              </a:spcAft>
+              <a:buClr>
+                <a:schemeClr val="dk2"/>
+              </a:buClr>
+              <a:buSzPts val="2600"/>
+              <a:buNone/>
+              <a:defRPr sz="2600">
+                <a:solidFill>
+                  <a:schemeClr val="dk2"/>
+                </a:solidFill>
+              </a:defRPr>
+            </a:lvl3pPr>
+            <a:lvl4pPr lvl="3">
+              <a:spcBef>
+                <a:spcPts val="0"/>
+              </a:spcBef>
+              <a:spcAft>
+                <a:spcPts val="0"/>
+              </a:spcAft>
+              <a:buClr>
+                <a:schemeClr val="dk2"/>
+              </a:buClr>
+              <a:buSzPts val="2600"/>
+              <a:buNone/>
+              <a:defRPr sz="2600">
+                <a:solidFill>
+                  <a:schemeClr val="dk2"/>
+                </a:solidFill>
+              </a:defRPr>
+            </a:lvl4pPr>
+            <a:lvl5pPr lvl="4">
+              <a:spcBef>
+                <a:spcPts val="0"/>
+              </a:spcBef>
+              <a:spcAft>
+                <a:spcPts val="0"/>
+              </a:spcAft>
+              <a:buClr>
+                <a:schemeClr val="dk2"/>
+              </a:buClr>
+              <a:buSzPts val="2600"/>
+              <a:buNone/>
+              <a:defRPr sz="2600">
+                <a:solidFill>
+                  <a:schemeClr val="dk2"/>
+                </a:solidFill>
+              </a:defRPr>
+            </a:lvl5pPr>
+            <a:lvl6pPr lvl="5">
+              <a:spcBef>
+                <a:spcPts val="0"/>
+              </a:spcBef>
+              <a:spcAft>
+                <a:spcPts val="0"/>
+              </a:spcAft>
+              <a:buClr>
+                <a:schemeClr val="dk2"/>
+              </a:buClr>
+              <a:buSzPts val="2600"/>
+              <a:buNone/>
+              <a:defRPr sz="2600">
+                <a:solidFill>
+                  <a:schemeClr val="dk2"/>
+                </a:solidFill>
+              </a:defRPr>
+            </a:lvl6pPr>
+            <a:lvl7pPr lvl="6">
+              <a:spcBef>
+                <a:spcPts val="0"/>
+              </a:spcBef>
+              <a:spcAft>
+                <a:spcPts val="0"/>
+              </a:spcAft>
+              <a:buClr>
+                <a:schemeClr val="dk2"/>
+              </a:buClr>
+              <a:buSzPts val="2600"/>
+              <a:buNone/>
+              <a:defRPr sz="2600">
+                <a:solidFill>
+                  <a:schemeClr val="dk2"/>
+                </a:solidFill>
+              </a:defRPr>
+            </a:lvl7pPr>
+            <a:lvl8pPr lvl="7">
+              <a:spcBef>
+                <a:spcPts val="0"/>
+              </a:spcBef>
+              <a:spcAft>
+                <a:spcPts val="0"/>
+              </a:spcAft>
+              <a:buClr>
+                <a:schemeClr val="dk2"/>
+              </a:buClr>
+              <a:buSzPts val="2600"/>
+              <a:buNone/>
+              <a:defRPr sz="2600">
+                <a:solidFill>
+                  <a:schemeClr val="dk2"/>
+                </a:solidFill>
+              </a:defRPr>
+            </a:lvl8pPr>
+            <a:lvl9pPr lvl="8">
+              <a:spcBef>
+                <a:spcPts val="0"/>
+              </a:spcBef>
+              <a:spcAft>
+                <a:spcPts val="0"/>
+              </a:spcAft>
+              <a:buClr>
+                <a:schemeClr val="dk2"/>
+              </a:buClr>
+              <a:buSzPts val="2600"/>
+              <a:buNone/>
+              <a:defRPr sz="2600">
+                <a:solidFill>
+                  <a:schemeClr val="dk2"/>
+                </a:solidFill>
+              </a:defRPr>
+            </a:lvl9pPr>
+          </a:lstStyle>
+          <a:p>
+            <a:endParaRPr/>
+          </a:p>
+        </p:txBody>
+      </p:sp>
+      <p:sp>
+        <p:nvSpPr>
+          <p:cNvPr id="50" name="Google Shape;50;p5"/>
+          <p:cNvSpPr txBox="1">
+            <a:spLocks noGrp="1"/>
+          </p:cNvSpPr>
+          <p:nvPr>
+            <p:ph type="body" idx="1"/>
+          </p:nvPr>
+        </p:nvSpPr>
+        <p:spPr>
+          <a:xfrm>
+            <a:off x="729450" y="2078875"/>
+            <a:ext cx="7688700" cy="2261100"/>
+          </a:xfrm>
+          <a:prstGeom prst="rect">
+            <a:avLst/>
+          </a:prstGeom>
+        </p:spPr>
+        <p:txBody>
+          <a:bodyPr spcFirstLastPara="1" wrap="square" lIns="91425" tIns="91425" rIns="91425" bIns="91425" anchor="t" anchorCtr="0"/>
+          <a:lstStyle>
+            <a:lvl1pPr marL="457200" lvl="0" indent="-311150">
+              <a:spcBef>
+                <a:spcPts val="0"/>
+              </a:spcBef>
+              <a:spcAft>
+                <a:spcPts val="0"/>
+              </a:spcAft>
+              <a:buSzPts val="1300"/>
+              <a:buChar char="●"/>
+              <a:defRPr/>
+            </a:lvl1pPr>
+            <a:lvl2pPr marL="914400" lvl="1" indent="-298450">
+              <a:spcBef>
+                <a:spcPts val="1600"/>
+              </a:spcBef>
+              <a:spcAft>
+                <a:spcPts val="0"/>
+              </a:spcAft>
+              <a:buSzPts val="1100"/>
+              <a:buChar char="○"/>
+              <a:defRPr/>
+            </a:lvl2pPr>
+            <a:lvl3pPr marL="1371600" lvl="2" indent="-298450">
+              <a:spcBef>
+                <a:spcPts val="1600"/>
+              </a:spcBef>
+              <a:spcAft>
+                <a:spcPts val="0"/>
+              </a:spcAft>
+              <a:buSzPts val="1100"/>
+              <a:buChar char="■"/>
+              <a:defRPr/>
+            </a:lvl3pPr>
+            <a:lvl4pPr marL="1828800" lvl="3" indent="-298450">
+              <a:spcBef>
+                <a:spcPts val="1600"/>
+              </a:spcBef>
+              <a:spcAft>
+                <a:spcPts val="0"/>
+              </a:spcAft>
+              <a:buSzPts val="1100"/>
+              <a:buChar char="●"/>
+              <a:defRPr/>
+            </a:lvl4pPr>
+            <a:lvl5pPr marL="2286000" lvl="4" indent="-298450">
+              <a:spcBef>
+                <a:spcPts val="1600"/>
+              </a:spcBef>
+              <a:spcAft>
+                <a:spcPts val="0"/>
+              </a:spcAft>
+              <a:buSzPts val="1100"/>
+              <a:buChar char="○"/>
+              <a:defRPr/>
+            </a:lvl5pPr>
+            <a:lvl6pPr marL="2743200" lvl="5" indent="-298450">
+              <a:spcBef>
+                <a:spcPts val="1600"/>
+              </a:spcBef>
+              <a:spcAft>
+                <a:spcPts val="0"/>
+              </a:spcAft>
+              <a:buSzPts val="1100"/>
+              <a:buChar char="■"/>
+              <a:defRPr/>
+            </a:lvl6pPr>
+            <a:lvl7pPr marL="3200400" lvl="6" indent="-298450">
+              <a:spcBef>
+                <a:spcPts val="1600"/>
+              </a:spcBef>
+              <a:spcAft>
+                <a:spcPts val="0"/>
+              </a:spcAft>
+              <a:buSzPts val="1100"/>
+              <a:buChar char="●"/>
+              <a:defRPr/>
+            </a:lvl7pPr>
+            <a:lvl8pPr marL="3657600" lvl="7" indent="-298450">
+              <a:spcBef>
+                <a:spcPts val="1600"/>
+              </a:spcBef>
+              <a:spcAft>
+                <a:spcPts val="0"/>
+              </a:spcAft>
+              <a:buSzPts val="1100"/>
+              <a:buChar char="○"/>
+              <a:defRPr/>
+            </a:lvl8pPr>
+            <a:lvl9pPr marL="4114800" lvl="8" indent="-298450">
+              <a:spcBef>
+                <a:spcPts val="1600"/>
+              </a:spcBef>
+              <a:spcAft>
+                <a:spcPts val="1600"/>
+              </a:spcAft>
+              <a:buSzPts val="1100"/>
+              <a:buChar char="■"/>
+              <a:defRPr/>
+            </a:lvl9pPr>
+          </a:lstStyle>
+          <a:p>
+            <a:endParaRPr/>
+          </a:p>
+        </p:txBody>
+      </p:sp>
+      <p:sp>
+        <p:nvSpPr>
+          <p:cNvPr id="51" name="Google Shape;51;p5"/>
+          <p:cNvSpPr txBox="1">
+            <a:spLocks noGrp="1"/>
+          </p:cNvSpPr>
+          <p:nvPr>
+            <p:ph type="sldNum" idx="12"/>
+          </p:nvPr>
+        </p:nvSpPr>
+        <p:spPr>
+          <a:xfrm>
+            <a:off x="8536302" y="4749851"/>
+            <a:ext cx="548700" cy="393600"/>
+          </a:xfrm>
+          <a:prstGeom prst="rect">
+            <a:avLst/>
+          </a:prstGeom>
+        </p:spPr>
+        <p:txBody>
+          <a:bodyPr spcFirstLastPara="1" wrap="square" lIns="91425" tIns="91425" rIns="91425" bIns="91425" anchor="ctr" anchorCtr="0">
+            <a:noAutofit/>
+          </a:bodyPr>
+          <a:lstStyle>
+            <a:lvl1pPr lvl="0">
+              <a:buNone/>
+              <a:defRPr/>
+            </a:lvl1pPr>
+            <a:lvl2pPr lvl="1">
+              <a:buNone/>
+              <a:defRPr/>
+            </a:lvl2pPr>
+            <a:lvl3pPr lvl="2">
+              <a:buNone/>
+              <a:defRPr/>
+            </a:lvl3pPr>
+            <a:lvl4pPr lvl="3">
+              <a:buNone/>
+              <a:defRPr/>
+            </a:lvl4pPr>
+            <a:lvl5pPr lvl="4">
+              <a:buNone/>
+              <a:defRPr/>
+            </a:lvl5pPr>
+            <a:lvl6pPr lvl="5">
+              <a:buNone/>
+              <a:defRPr/>
+            </a:lvl6pPr>
+            <a:lvl7pPr lvl="6">
+              <a:buNone/>
+              <a:defRPr/>
+            </a:lvl7pPr>
+            <a:lvl8pPr lvl="7">
+              <a:buNone/>
+              <a:defRPr/>
+            </a:lvl8pPr>
+            <a:lvl9pPr lvl="8">
+              <a:buNone/>
+              <a:defRPr/>
+            </a:lvl9pPr>
+          </a:lstStyle>
+          <a:p>
+            <a:pPr marL="0" lvl="0" indent="0" algn="r" rtl="0">
+              <a:spcBef>
+                <a:spcPts val="0"/>
+              </a:spcBef>
+              <a:spcAft>
+                <a:spcPts val="0"/>
+              </a:spcAft>
+              <a:buNone/>
+            </a:pPr>
+            <a:fld id="{00000000-1234-1234-1234-123412341234}" type="slidenum">
+              <a:rPr lang="ru"/>
+              <a:t>‹#›</a:t>
+            </a:fld>
+            <a:endParaRPr/>
+          </a:p>
+        </p:txBody>
+      </p:sp>
+    </p:spTree>
+    <p:extLst>
+      <p:ext uri="{BB962C8B-B14F-4D97-AF65-F5344CB8AC3E}">
+        <p14:creationId xmlns:p14="http://schemas.microsoft.com/office/powerpoint/2010/main" val="2013183919"/>
+      </p:ext>
+    </p:extLst>
   </p:cSld>
   <p:clrMapOvr>
     <a:masterClrMapping/>
@@ -13471,6 +14137,7 @@
     <p:sldLayoutId id="2147483664" r:id="rId6"/>
     <p:sldLayoutId id="2147483665" r:id="rId7"/>
     <p:sldLayoutId id="2147483666" r:id="rId8"/>
+    <p:sldLayoutId id="2147483669" r:id="rId9"/>
   </p:sldLayoutIdLst>
   <p:hf sldNum="0" hdr="0" ftr="0" dt="0"/>
   <p:txStyles>
@@ -27368,7 +28035,7 @@
                 <a:cs typeface="Tahoma"/>
                 <a:sym typeface="Tahoma"/>
               </a:rPr>
-              <a:t>Понять компонентный подход</a:t>
+              <a:t>Изучить компонентный подход</a:t>
             </a:r>
             <a:endParaRPr lang="en-US" dirty="0">
               <a:solidFill>
@@ -29186,6 +29853,380 @@
   <p:cSld>
     <p:spTree>
       <p:nvGrpSpPr>
+        <p:cNvPr id="1" name="Shape 131"/>
+        <p:cNvGrpSpPr/>
+        <p:nvPr/>
+      </p:nvGrpSpPr>
+      <p:grpSpPr>
+        <a:xfrm>
+          <a:off x="0" y="0"/>
+          <a:ext cx="0" cy="0"/>
+          <a:chOff x="0" y="0"/>
+          <a:chExt cx="0" cy="0"/>
+        </a:xfrm>
+      </p:grpSpPr>
+      <p:sp>
+        <p:nvSpPr>
+          <p:cNvPr id="8" name="Google Shape;98;p23">
+            <a:extLst>
+              <a:ext uri="{FF2B5EF4-FFF2-40B4-BE49-F238E27FC236}">
+                <a16:creationId xmlns:a16="http://schemas.microsoft.com/office/drawing/2014/main" id="{29A42952-5AC5-41F3-A23B-D02AEA3D2A40}"/>
+              </a:ext>
+            </a:extLst>
+          </p:cNvPr>
+          <p:cNvSpPr txBox="1">
+            <a:spLocks noGrp="1"/>
+          </p:cNvSpPr>
+          <p:nvPr>
+            <p:ph type="body" idx="1"/>
+          </p:nvPr>
+        </p:nvSpPr>
+        <p:spPr>
+          <a:xfrm>
+            <a:off x="542925" y="713332"/>
+            <a:ext cx="7991476" cy="704507"/>
+          </a:xfrm>
+          <a:prstGeom prst="rect">
+            <a:avLst/>
+          </a:prstGeom>
+          <a:noFill/>
+          <a:ln>
+            <a:noFill/>
+          </a:ln>
+        </p:spPr>
+        <p:txBody>
+          <a:bodyPr spcFirstLastPara="1" wrap="square" lIns="91425" tIns="91425" rIns="91425" bIns="91425" anchor="t" anchorCtr="0">
+            <a:noAutofit/>
+          </a:bodyPr>
+          <a:lstStyle/>
+          <a:p>
+            <a:pPr marL="139700" lvl="0" indent="0" algn="l" rtl="0">
+              <a:lnSpc>
+                <a:spcPct val="150000"/>
+              </a:lnSpc>
+              <a:spcBef>
+                <a:spcPts val="0"/>
+              </a:spcBef>
+              <a:spcAft>
+                <a:spcPts val="0"/>
+              </a:spcAft>
+              <a:buSzPts val="1400"/>
+              <a:buNone/>
+            </a:pPr>
+            <a:r>
+              <a:rPr lang="ru-RU" dirty="0">
+                <a:solidFill>
+                  <a:schemeClr val="dk1"/>
+                </a:solidFill>
+                <a:latin typeface="Tahoma"/>
+                <a:ea typeface="Tahoma"/>
+                <a:cs typeface="Tahoma"/>
+                <a:sym typeface="Tahoma"/>
+              </a:rPr>
+              <a:t>Для отладки можно установить </a:t>
+            </a:r>
+            <a:r>
+              <a:rPr lang="ru-RU" dirty="0" err="1">
+                <a:solidFill>
+                  <a:schemeClr val="dk1"/>
+                </a:solidFill>
+                <a:latin typeface="Tahoma"/>
+                <a:ea typeface="Tahoma"/>
+                <a:cs typeface="Tahoma"/>
+                <a:sym typeface="Tahoma"/>
+                <a:hlinkClick r:id="rId3"/>
+              </a:rPr>
+              <a:t>расшширение</a:t>
+            </a:r>
+            <a:endParaRPr lang="ru-RU" dirty="0">
+              <a:solidFill>
+                <a:schemeClr val="dk1"/>
+              </a:solidFill>
+              <a:latin typeface="Tahoma"/>
+              <a:ea typeface="Tahoma"/>
+              <a:cs typeface="Tahoma"/>
+              <a:sym typeface="Tahoma"/>
+            </a:endParaRPr>
+          </a:p>
+        </p:txBody>
+      </p:sp>
+      <p:grpSp>
+        <p:nvGrpSpPr>
+          <p:cNvPr id="132" name="Google Shape;132;p26"/>
+          <p:cNvGrpSpPr/>
+          <p:nvPr/>
+        </p:nvGrpSpPr>
+        <p:grpSpPr>
+          <a:xfrm>
+            <a:off x="0" y="0"/>
+            <a:ext cx="9144000" cy="633000"/>
+            <a:chOff x="125" y="215925"/>
+            <a:chExt cx="9144000" cy="633000"/>
+          </a:xfrm>
+        </p:grpSpPr>
+        <p:sp>
+          <p:nvSpPr>
+            <p:cNvPr id="133" name="Google Shape;133;p26"/>
+            <p:cNvSpPr/>
+            <p:nvPr/>
+          </p:nvSpPr>
+          <p:spPr>
+            <a:xfrm>
+              <a:off x="125" y="215925"/>
+              <a:ext cx="9144000" cy="633000"/>
+            </a:xfrm>
+            <a:prstGeom prst="rect">
+              <a:avLst/>
+            </a:prstGeom>
+            <a:solidFill>
+              <a:srgbClr val="88AF43"/>
+            </a:solidFill>
+            <a:ln w="9525" cap="flat" cmpd="sng">
+              <a:solidFill>
+                <a:srgbClr val="88AF43"/>
+              </a:solidFill>
+              <a:prstDash val="solid"/>
+              <a:round/>
+              <a:headEnd type="none" w="sm" len="sm"/>
+              <a:tailEnd type="none" w="sm" len="sm"/>
+            </a:ln>
+          </p:spPr>
+          <p:txBody>
+            <a:bodyPr spcFirstLastPara="1" wrap="square" lIns="91425" tIns="91425" rIns="91425" bIns="91425" anchor="ctr" anchorCtr="0">
+              <a:noAutofit/>
+            </a:bodyPr>
+            <a:lstStyle/>
+            <a:p>
+              <a:pPr marL="0" marR="0" lvl="0" indent="0" algn="l" rtl="0">
+                <a:lnSpc>
+                  <a:spcPct val="100000"/>
+                </a:lnSpc>
+                <a:spcBef>
+                  <a:spcPts val="0"/>
+                </a:spcBef>
+                <a:spcAft>
+                  <a:spcPts val="0"/>
+                </a:spcAft>
+                <a:buClr>
+                  <a:srgbClr val="000000"/>
+                </a:buClr>
+                <a:buSzPts val="1400"/>
+                <a:buFont typeface="Arial"/>
+                <a:buNone/>
+              </a:pPr>
+              <a:endParaRPr sz="1400" b="0" i="0" u="none" strike="noStrike" cap="none">
+                <a:solidFill>
+                  <a:srgbClr val="000000"/>
+                </a:solidFill>
+                <a:latin typeface="Arial"/>
+                <a:ea typeface="Arial"/>
+                <a:cs typeface="Arial"/>
+                <a:sym typeface="Arial"/>
+              </a:endParaRPr>
+            </a:p>
+          </p:txBody>
+        </p:sp>
+        <p:sp>
+          <p:nvSpPr>
+            <p:cNvPr id="134" name="Google Shape;134;p26"/>
+            <p:cNvSpPr txBox="1"/>
+            <p:nvPr/>
+          </p:nvSpPr>
+          <p:spPr>
+            <a:xfrm>
+              <a:off x="181650" y="285825"/>
+              <a:ext cx="5786400" cy="493200"/>
+            </a:xfrm>
+            <a:prstGeom prst="rect">
+              <a:avLst/>
+            </a:prstGeom>
+            <a:noFill/>
+            <a:ln>
+              <a:noFill/>
+            </a:ln>
+          </p:spPr>
+          <p:txBody>
+            <a:bodyPr spcFirstLastPara="1" wrap="square" lIns="91425" tIns="91425" rIns="91425" bIns="91425" anchor="t" anchorCtr="0">
+              <a:noAutofit/>
+            </a:bodyPr>
+            <a:lstStyle/>
+            <a:p>
+              <a:pPr marL="0" marR="0" lvl="0" indent="0" algn="l" rtl="0">
+                <a:lnSpc>
+                  <a:spcPct val="100000"/>
+                </a:lnSpc>
+                <a:spcBef>
+                  <a:spcPts val="0"/>
+                </a:spcBef>
+                <a:spcAft>
+                  <a:spcPts val="0"/>
+                </a:spcAft>
+                <a:buClr>
+                  <a:srgbClr val="000000"/>
+                </a:buClr>
+                <a:buSzPts val="2000"/>
+                <a:buFont typeface="Arial"/>
+                <a:buNone/>
+              </a:pPr>
+              <a:r>
+                <a:rPr lang="ru-RU" sz="2000" dirty="0">
+                  <a:solidFill>
+                    <a:srgbClr val="FFFFFF"/>
+                  </a:solidFill>
+                  <a:latin typeface="Tahoma"/>
+                  <a:ea typeface="Tahoma"/>
+                  <a:cs typeface="Tahoma"/>
+                  <a:sym typeface="Tahoma"/>
+                </a:rPr>
+                <a:t>Подключение </a:t>
+              </a:r>
+              <a:r>
+                <a:rPr lang="ru-RU" sz="2000" dirty="0" err="1">
+                  <a:solidFill>
+                    <a:srgbClr val="FFFFFF"/>
+                  </a:solidFill>
+                  <a:latin typeface="Tahoma"/>
+                  <a:ea typeface="Tahoma"/>
+                  <a:cs typeface="Tahoma"/>
+                  <a:sym typeface="Tahoma"/>
+                </a:rPr>
+                <a:t>реакт</a:t>
+              </a:r>
+              <a:r>
+                <a:rPr lang="en-US" sz="2000" dirty="0">
+                  <a:solidFill>
+                    <a:srgbClr val="FFFFFF"/>
+                  </a:solidFill>
+                  <a:latin typeface="Tahoma"/>
+                  <a:ea typeface="Tahoma"/>
+                  <a:cs typeface="Tahoma"/>
+                  <a:sym typeface="Tahoma"/>
+                </a:rPr>
+                <a:t> + babel</a:t>
+              </a:r>
+              <a:endParaRPr sz="1400" b="0" i="0" u="none" strike="noStrike" cap="none" dirty="0">
+                <a:solidFill>
+                  <a:srgbClr val="000000"/>
+                </a:solidFill>
+                <a:latin typeface="Arial"/>
+                <a:ea typeface="Arial"/>
+                <a:cs typeface="Arial"/>
+                <a:sym typeface="Arial"/>
+              </a:endParaRPr>
+            </a:p>
+          </p:txBody>
+        </p:sp>
+      </p:grpSp>
+      <p:sp>
+        <p:nvSpPr>
+          <p:cNvPr id="7" name="Google Shape;109;p24">
+            <a:extLst>
+              <a:ext uri="{FF2B5EF4-FFF2-40B4-BE49-F238E27FC236}">
+                <a16:creationId xmlns:a16="http://schemas.microsoft.com/office/drawing/2014/main" id="{FBE54BB8-6B40-46CA-ABA6-23F0A74E8136}"/>
+              </a:ext>
+            </a:extLst>
+          </p:cNvPr>
+          <p:cNvSpPr/>
+          <p:nvPr/>
+        </p:nvSpPr>
+        <p:spPr>
+          <a:xfrm>
+            <a:off x="0" y="5038200"/>
+            <a:ext cx="9144000" cy="105300"/>
+          </a:xfrm>
+          <a:prstGeom prst="rect">
+            <a:avLst/>
+          </a:prstGeom>
+          <a:solidFill>
+            <a:srgbClr val="662483"/>
+          </a:solidFill>
+          <a:ln>
+            <a:noFill/>
+          </a:ln>
+        </p:spPr>
+        <p:txBody>
+          <a:bodyPr spcFirstLastPara="1" wrap="square" lIns="91425" tIns="91425" rIns="91425" bIns="91425" anchor="ctr" anchorCtr="0">
+            <a:noAutofit/>
+          </a:bodyPr>
+          <a:lstStyle/>
+          <a:p>
+            <a:pPr marL="0" marR="0" lvl="0" indent="0" algn="l" rtl="0">
+              <a:lnSpc>
+                <a:spcPct val="100000"/>
+              </a:lnSpc>
+              <a:spcBef>
+                <a:spcPts val="0"/>
+              </a:spcBef>
+              <a:spcAft>
+                <a:spcPts val="0"/>
+              </a:spcAft>
+              <a:buClr>
+                <a:srgbClr val="000000"/>
+              </a:buClr>
+              <a:buSzPts val="1400"/>
+              <a:buFont typeface="Arial"/>
+              <a:buNone/>
+            </a:pPr>
+            <a:endParaRPr sz="1400" b="0" i="0" u="none" strike="noStrike" cap="none">
+              <a:solidFill>
+                <a:srgbClr val="000000"/>
+              </a:solidFill>
+              <a:latin typeface="Arial"/>
+              <a:ea typeface="Arial"/>
+              <a:cs typeface="Arial"/>
+              <a:sym typeface="Arial"/>
+            </a:endParaRPr>
+          </a:p>
+        </p:txBody>
+      </p:sp>
+      <p:pic>
+        <p:nvPicPr>
+          <p:cNvPr id="3" name="Рисунок 2">
+            <a:extLst>
+              <a:ext uri="{FF2B5EF4-FFF2-40B4-BE49-F238E27FC236}">
+                <a16:creationId xmlns:a16="http://schemas.microsoft.com/office/drawing/2014/main" id="{A2877CFC-F6EE-4CB3-8270-95F19D3C7872}"/>
+              </a:ext>
+            </a:extLst>
+          </p:cNvPr>
+          <p:cNvPicPr>
+            <a:picLocks noChangeAspect="1"/>
+          </p:cNvPicPr>
+          <p:nvPr/>
+        </p:nvPicPr>
+        <p:blipFill>
+          <a:blip r:embed="rId4"/>
+          <a:stretch>
+            <a:fillRect/>
+          </a:stretch>
+        </p:blipFill>
+        <p:spPr>
+          <a:xfrm>
+            <a:off x="0" y="1498171"/>
+            <a:ext cx="9144000" cy="3202781"/>
+          </a:xfrm>
+          <a:prstGeom prst="rect">
+            <a:avLst/>
+          </a:prstGeom>
+        </p:spPr>
+      </p:pic>
+    </p:spTree>
+    <p:extLst>
+      <p:ext uri="{BB962C8B-B14F-4D97-AF65-F5344CB8AC3E}">
+        <p14:creationId xmlns:p14="http://schemas.microsoft.com/office/powerpoint/2010/main" val="189230355"/>
+      </p:ext>
+    </p:extLst>
+  </p:cSld>
+  <p:clrMapOvr>
+    <a:masterClrMapping/>
+  </p:clrMapOvr>
+</p:sld>
+</file>
+
+<file path=ppt/slides/slide22.xml><?xml version="1.0" encoding="utf-8"?>
+<p:sld xmlns:a="http://schemas.openxmlformats.org/drawingml/2006/main" xmlns:r="http://schemas.openxmlformats.org/officeDocument/2006/relationships" xmlns:p="http://schemas.openxmlformats.org/presentationml/2006/main">
+  <p:cSld>
+    <p:spTree>
+      <p:nvGrpSpPr>
         <p:cNvPr id="1" name=""/>
         <p:cNvGrpSpPr/>
         <p:nvPr/>
@@ -29324,29 +30365,7 @@
                 <a:ea typeface="Tahoma" panose="020B0604030504040204" pitchFamily="34" charset="0"/>
                 <a:cs typeface="Tahoma" panose="020B0604030504040204" pitchFamily="34" charset="0"/>
               </a:rPr>
-              <a:t>Что </a:t>
-            </a:r>
-            <a:r>
-              <a:rPr lang="ru-RU">
-                <a:solidFill>
-                  <a:schemeClr val="tx1"/>
-                </a:solidFill>
-                <a:latin typeface="Tahoma" panose="020B0604030504040204" pitchFamily="34" charset="0"/>
-                <a:ea typeface="Tahoma" panose="020B0604030504040204" pitchFamily="34" charset="0"/>
-                <a:cs typeface="Tahoma" panose="020B0604030504040204" pitchFamily="34" charset="0"/>
-              </a:rPr>
-              <a:t>дает компонентный </a:t>
-            </a:r>
-            <a:r>
-              <a:rPr lang="ru-RU" dirty="0">
-                <a:solidFill>
-                  <a:schemeClr val="tx1"/>
-                </a:solidFill>
-                <a:latin typeface="Tahoma" panose="020B0604030504040204" pitchFamily="34" charset="0"/>
-                <a:ea typeface="Tahoma" panose="020B0604030504040204" pitchFamily="34" charset="0"/>
-                <a:cs typeface="Tahoma" panose="020B0604030504040204" pitchFamily="34" charset="0"/>
-              </a:rPr>
-              <a:t>подход</a:t>
+              <a:t>Что дает компонентный подход</a:t>
             </a:r>
             <a:endParaRPr lang="en-US" dirty="0">
               <a:solidFill>
@@ -29567,7 +30586,466 @@
 </p:sld>
 </file>
 
-<file path=ppt/slides/slide22.xml><?xml version="1.0" encoding="utf-8"?>
+<file path=ppt/slides/slide23.xml><?xml version="1.0" encoding="utf-8"?>
+<p:sld xmlns:a="http://schemas.openxmlformats.org/drawingml/2006/main" xmlns:r="http://schemas.openxmlformats.org/officeDocument/2006/relationships" xmlns:p="http://schemas.openxmlformats.org/presentationml/2006/main">
+  <p:cSld>
+    <p:spTree>
+      <p:nvGrpSpPr>
+        <p:cNvPr id="1" name="Shape 462"/>
+        <p:cNvGrpSpPr/>
+        <p:nvPr/>
+      </p:nvGrpSpPr>
+      <p:grpSpPr>
+        <a:xfrm>
+          <a:off x="0" y="0"/>
+          <a:ext cx="0" cy="0"/>
+          <a:chOff x="0" y="0"/>
+          <a:chExt cx="0" cy="0"/>
+        </a:xfrm>
+      </p:grpSpPr>
+      <p:sp>
+        <p:nvSpPr>
+          <p:cNvPr id="465" name="Google Shape;465;p55"/>
+          <p:cNvSpPr txBox="1">
+            <a:spLocks noGrp="1"/>
+          </p:cNvSpPr>
+          <p:nvPr>
+            <p:ph type="sldNum" idx="12"/>
+          </p:nvPr>
+        </p:nvSpPr>
+        <p:spPr>
+          <a:prstGeom prst="rect">
+            <a:avLst/>
+          </a:prstGeom>
+        </p:spPr>
+        <p:txBody>
+          <a:bodyPr spcFirstLastPara="1" wrap="square" lIns="91425" tIns="91425" rIns="91425" bIns="91425" anchor="ctr" anchorCtr="0">
+            <a:noAutofit/>
+          </a:bodyPr>
+          <a:lstStyle/>
+          <a:p>
+            <a:pPr marL="0" lvl="0" indent="0" algn="r" rtl="0">
+              <a:spcBef>
+                <a:spcPts val="0"/>
+              </a:spcBef>
+              <a:spcAft>
+                <a:spcPts val="0"/>
+              </a:spcAft>
+              <a:buNone/>
+            </a:pPr>
+            <a:fld id="{00000000-1234-1234-1234-123412341234}" type="slidenum">
+              <a:rPr lang="ru"/>
+              <a:t>23</a:t>
+            </a:fld>
+            <a:endParaRPr/>
+          </a:p>
+        </p:txBody>
+      </p:sp>
+      <p:sp>
+        <p:nvSpPr>
+          <p:cNvPr id="464" name="Google Shape;464;p55"/>
+          <p:cNvSpPr txBox="1"/>
+          <p:nvPr/>
+        </p:nvSpPr>
+        <p:spPr>
+          <a:xfrm>
+            <a:off x="181524" y="1140927"/>
+            <a:ext cx="8714647" cy="3608924"/>
+          </a:xfrm>
+          <a:prstGeom prst="rect">
+            <a:avLst/>
+          </a:prstGeom>
+          <a:noFill/>
+          <a:ln>
+            <a:noFill/>
+          </a:ln>
+        </p:spPr>
+        <p:txBody>
+          <a:bodyPr spcFirstLastPara="1" wrap="square" lIns="91425" tIns="91425" rIns="91425" bIns="91425" anchor="t" anchorCtr="0">
+            <a:noAutofit/>
+          </a:bodyPr>
+          <a:lstStyle/>
+          <a:p>
+            <a:pPr marL="152400" lvl="0" algn="l" rtl="0">
+              <a:lnSpc>
+                <a:spcPct val="115000"/>
+              </a:lnSpc>
+              <a:spcBef>
+                <a:spcPts val="1000"/>
+              </a:spcBef>
+              <a:spcAft>
+                <a:spcPts val="0"/>
+              </a:spcAft>
+              <a:buClr>
+                <a:schemeClr val="dk2"/>
+              </a:buClr>
+              <a:buSzPts val="1200"/>
+            </a:pPr>
+            <a:r>
+              <a:rPr lang="ru-RU" dirty="0">
+                <a:solidFill>
+                  <a:schemeClr val="dk2"/>
+                </a:solidFill>
+                <a:latin typeface="Lato"/>
+                <a:ea typeface="Lato"/>
+                <a:cs typeface="Lato"/>
+                <a:sym typeface="Lato"/>
+              </a:rPr>
+              <a:t>Полезные ссылки</a:t>
+            </a:r>
+          </a:p>
+          <a:p>
+            <a:pPr marL="438150" lvl="0" indent="-285750" algn="l" rtl="0">
+              <a:lnSpc>
+                <a:spcPct val="115000"/>
+              </a:lnSpc>
+              <a:spcBef>
+                <a:spcPts val="1000"/>
+              </a:spcBef>
+              <a:spcAft>
+                <a:spcPts val="0"/>
+              </a:spcAft>
+              <a:buClr>
+                <a:schemeClr val="dk2"/>
+              </a:buClr>
+              <a:buSzPts val="1200"/>
+              <a:buFont typeface="Arial" panose="020B0604020202020204" pitchFamily="34" charset="0"/>
+              <a:buChar char="•"/>
+            </a:pPr>
+            <a:r>
+              <a:rPr lang="ru-RU" dirty="0">
+                <a:solidFill>
+                  <a:schemeClr val="dk2"/>
+                </a:solidFill>
+                <a:latin typeface="Lato"/>
+                <a:ea typeface="Lato"/>
+                <a:cs typeface="Lato"/>
+                <a:sym typeface="Lato"/>
+              </a:rPr>
+              <a:t>Документация </a:t>
+            </a:r>
+            <a:r>
+              <a:rPr lang="ru-RU" dirty="0" err="1">
+                <a:solidFill>
+                  <a:schemeClr val="dk2"/>
+                </a:solidFill>
+                <a:latin typeface="Lato"/>
+                <a:ea typeface="Lato"/>
+                <a:cs typeface="Lato"/>
+                <a:sym typeface="Lato"/>
+              </a:rPr>
+              <a:t>реакт</a:t>
+            </a:r>
+            <a:r>
+              <a:rPr lang="ru-RU" dirty="0">
+                <a:solidFill>
+                  <a:schemeClr val="dk2"/>
+                </a:solidFill>
+                <a:latin typeface="Lato"/>
+                <a:ea typeface="Lato"/>
+                <a:cs typeface="Lato"/>
+                <a:sym typeface="Lato"/>
+              </a:rPr>
+              <a:t> </a:t>
+            </a:r>
+            <a:r>
+              <a:rPr lang="en-US" dirty="0">
+                <a:hlinkClick r:id="rId3"/>
+              </a:rPr>
+              <a:t>https://reactjs.org/docs/getting-started.html</a:t>
+            </a:r>
+            <a:endParaRPr lang="ru-RU" dirty="0"/>
+          </a:p>
+          <a:p>
+            <a:pPr marL="438150" lvl="0" indent="-285750" algn="l" rtl="0">
+              <a:lnSpc>
+                <a:spcPct val="115000"/>
+              </a:lnSpc>
+              <a:spcBef>
+                <a:spcPts val="1000"/>
+              </a:spcBef>
+              <a:spcAft>
+                <a:spcPts val="0"/>
+              </a:spcAft>
+              <a:buClr>
+                <a:schemeClr val="dk2"/>
+              </a:buClr>
+              <a:buSzPts val="1200"/>
+              <a:buFont typeface="Arial" panose="020B0604020202020204" pitchFamily="34" charset="0"/>
+              <a:buChar char="•"/>
+            </a:pPr>
+            <a:r>
+              <a:rPr lang="ru-RU" dirty="0">
+                <a:solidFill>
+                  <a:schemeClr val="dk2"/>
+                </a:solidFill>
+                <a:latin typeface="Lato"/>
+                <a:ea typeface="Lato"/>
+                <a:cs typeface="Lato"/>
+                <a:sym typeface="Lato"/>
+              </a:rPr>
+              <a:t>Расширение </a:t>
+            </a:r>
+            <a:r>
+              <a:rPr lang="en-US" dirty="0">
+                <a:solidFill>
+                  <a:schemeClr val="dk2"/>
+                </a:solidFill>
+                <a:latin typeface="Lato"/>
+                <a:ea typeface="Lato"/>
+                <a:cs typeface="Lato"/>
+                <a:sym typeface="Lato"/>
+              </a:rPr>
+              <a:t>react </a:t>
+            </a:r>
+            <a:r>
+              <a:rPr lang="en-US" dirty="0" err="1">
+                <a:solidFill>
+                  <a:schemeClr val="dk2"/>
+                </a:solidFill>
+                <a:latin typeface="Lato"/>
+                <a:ea typeface="Lato"/>
+                <a:cs typeface="Lato"/>
+                <a:sym typeface="Lato"/>
+              </a:rPr>
+              <a:t>devtools</a:t>
+            </a:r>
+            <a:r>
+              <a:rPr lang="en-US" dirty="0">
+                <a:solidFill>
+                  <a:schemeClr val="dk2"/>
+                </a:solidFill>
+                <a:latin typeface="Lato"/>
+                <a:ea typeface="Lato"/>
+                <a:cs typeface="Lato"/>
+                <a:sym typeface="Lato"/>
+              </a:rPr>
+              <a:t> </a:t>
+            </a:r>
+            <a:r>
+              <a:rPr lang="ru-RU" dirty="0">
+                <a:solidFill>
+                  <a:schemeClr val="dk2"/>
+                </a:solidFill>
+                <a:latin typeface="Lato"/>
+                <a:ea typeface="Lato"/>
+                <a:cs typeface="Lato"/>
+                <a:sym typeface="Lato"/>
+              </a:rPr>
+              <a:t>для </a:t>
+            </a:r>
+            <a:r>
+              <a:rPr lang="en-US" dirty="0">
+                <a:solidFill>
+                  <a:schemeClr val="dk2"/>
+                </a:solidFill>
+                <a:latin typeface="Lato"/>
+                <a:ea typeface="Lato"/>
+                <a:cs typeface="Lato"/>
+                <a:sym typeface="Lato"/>
+              </a:rPr>
+              <a:t>google chrome </a:t>
+            </a:r>
+            <a:r>
+              <a:rPr lang="en-US" dirty="0">
+                <a:hlinkClick r:id="rId4"/>
+              </a:rPr>
+              <a:t>https://chrome.google.com/webstore/detail/react-developer-tools/fmkadmapgofadopljbjfkapdkoienihi?utm_source=chrome-ntp-icon</a:t>
+            </a:r>
+            <a:endParaRPr dirty="0">
+              <a:solidFill>
+                <a:schemeClr val="dk2"/>
+              </a:solidFill>
+              <a:latin typeface="Lato"/>
+              <a:ea typeface="Lato"/>
+              <a:cs typeface="Lato"/>
+              <a:sym typeface="Lato"/>
+            </a:endParaRPr>
+          </a:p>
+        </p:txBody>
+      </p:sp>
+      <p:grpSp>
+        <p:nvGrpSpPr>
+          <p:cNvPr id="5" name="Google Shape;52;p11">
+            <a:extLst>
+              <a:ext uri="{FF2B5EF4-FFF2-40B4-BE49-F238E27FC236}">
+                <a16:creationId xmlns:a16="http://schemas.microsoft.com/office/drawing/2014/main" id="{B179C19E-79ED-114B-9D4E-D2D849DF3E64}"/>
+              </a:ext>
+            </a:extLst>
+          </p:cNvPr>
+          <p:cNvGrpSpPr/>
+          <p:nvPr/>
+        </p:nvGrpSpPr>
+        <p:grpSpPr>
+          <a:xfrm>
+            <a:off x="0" y="0"/>
+            <a:ext cx="9144000" cy="633000"/>
+            <a:chOff x="125" y="215925"/>
+            <a:chExt cx="9144000" cy="633000"/>
+          </a:xfrm>
+        </p:grpSpPr>
+        <p:sp>
+          <p:nvSpPr>
+            <p:cNvPr id="6" name="Google Shape;53;p11">
+              <a:extLst>
+                <a:ext uri="{FF2B5EF4-FFF2-40B4-BE49-F238E27FC236}">
+                  <a16:creationId xmlns:a16="http://schemas.microsoft.com/office/drawing/2014/main" id="{8FBF16DA-E613-614D-9037-FDB31147060B}"/>
+                </a:ext>
+              </a:extLst>
+            </p:cNvPr>
+            <p:cNvSpPr/>
+            <p:nvPr/>
+          </p:nvSpPr>
+          <p:spPr>
+            <a:xfrm>
+              <a:off x="125" y="215925"/>
+              <a:ext cx="9144000" cy="633000"/>
+            </a:xfrm>
+            <a:prstGeom prst="rect">
+              <a:avLst/>
+            </a:prstGeom>
+            <a:solidFill>
+              <a:srgbClr val="88AF43"/>
+            </a:solidFill>
+            <a:ln w="9525" cap="flat" cmpd="sng">
+              <a:solidFill>
+                <a:srgbClr val="88AF43"/>
+              </a:solidFill>
+              <a:prstDash val="solid"/>
+              <a:round/>
+              <a:headEnd type="none" w="sm" len="sm"/>
+              <a:tailEnd type="none" w="sm" len="sm"/>
+            </a:ln>
+          </p:spPr>
+          <p:txBody>
+            <a:bodyPr spcFirstLastPara="1" wrap="square" lIns="91425" tIns="91425" rIns="91425" bIns="91425" anchor="ctr" anchorCtr="0">
+              <a:noAutofit/>
+            </a:bodyPr>
+            <a:lstStyle/>
+            <a:p>
+              <a:pPr marL="0" marR="0" lvl="0" indent="0" algn="l" rtl="0">
+                <a:lnSpc>
+                  <a:spcPct val="100000"/>
+                </a:lnSpc>
+                <a:spcBef>
+                  <a:spcPts val="0"/>
+                </a:spcBef>
+                <a:spcAft>
+                  <a:spcPts val="0"/>
+                </a:spcAft>
+                <a:buClr>
+                  <a:srgbClr val="000000"/>
+                </a:buClr>
+                <a:buSzPts val="1400"/>
+                <a:buFont typeface="Arial"/>
+                <a:buNone/>
+              </a:pPr>
+              <a:endParaRPr sz="1400" b="0" i="0" u="none" strike="noStrike" cap="none">
+                <a:solidFill>
+                  <a:srgbClr val="000000"/>
+                </a:solidFill>
+                <a:latin typeface="Arial"/>
+                <a:ea typeface="Arial"/>
+                <a:cs typeface="Arial"/>
+                <a:sym typeface="Arial"/>
+              </a:endParaRPr>
+            </a:p>
+          </p:txBody>
+        </p:sp>
+        <p:sp>
+          <p:nvSpPr>
+            <p:cNvPr id="7" name="Google Shape;54;p11">
+              <a:extLst>
+                <a:ext uri="{FF2B5EF4-FFF2-40B4-BE49-F238E27FC236}">
+                  <a16:creationId xmlns:a16="http://schemas.microsoft.com/office/drawing/2014/main" id="{07006145-21C4-5242-A994-111F4F168B3A}"/>
+                </a:ext>
+              </a:extLst>
+            </p:cNvPr>
+            <p:cNvSpPr txBox="1"/>
+            <p:nvPr/>
+          </p:nvSpPr>
+          <p:spPr>
+            <a:xfrm>
+              <a:off x="181650" y="285825"/>
+              <a:ext cx="5786400" cy="493200"/>
+            </a:xfrm>
+            <a:prstGeom prst="rect">
+              <a:avLst/>
+            </a:prstGeom>
+            <a:noFill/>
+            <a:ln>
+              <a:noFill/>
+            </a:ln>
+          </p:spPr>
+          <p:txBody>
+            <a:bodyPr spcFirstLastPara="1" wrap="square" lIns="91425" tIns="91425" rIns="91425" bIns="91425" anchor="t" anchorCtr="0">
+              <a:noAutofit/>
+            </a:bodyPr>
+            <a:lstStyle/>
+            <a:p>
+              <a:pPr>
+                <a:buSzPts val="2000"/>
+              </a:pPr>
+              <a:r>
+                <a:rPr lang="ru" sz="2000" dirty="0">
+                  <a:solidFill>
+                    <a:srgbClr val="FFFFFF"/>
+                  </a:solidFill>
+                  <a:latin typeface="Tahoma"/>
+                  <a:ea typeface="Tahoma"/>
+                  <a:cs typeface="Tahoma"/>
+                </a:rPr>
+                <a:t>Ссылки</a:t>
+              </a:r>
+              <a:endParaRPr lang="ru-RU" sz="2000" dirty="0">
+                <a:solidFill>
+                  <a:srgbClr val="FFFFFF"/>
+                </a:solidFill>
+                <a:latin typeface="Tahoma"/>
+                <a:ea typeface="Tahoma"/>
+                <a:cs typeface="Tahoma"/>
+                <a:sym typeface="Raleway"/>
+              </a:endParaRPr>
+            </a:p>
+            <a:p>
+              <a:pPr>
+                <a:buSzPts val="2000"/>
+              </a:pPr>
+              <a:endParaRPr lang="ru-RU" sz="2000" dirty="0">
+                <a:solidFill>
+                  <a:srgbClr val="FFFFFF"/>
+                </a:solidFill>
+                <a:latin typeface="Tahoma"/>
+                <a:ea typeface="Tahoma"/>
+                <a:cs typeface="Tahoma"/>
+                <a:sym typeface="Raleway"/>
+              </a:endParaRPr>
+            </a:p>
+            <a:p>
+              <a:pPr lvl="0">
+                <a:buSzPts val="2000"/>
+              </a:pPr>
+              <a:endParaRPr sz="2000" dirty="0">
+                <a:solidFill>
+                  <a:srgbClr val="FFFFFF"/>
+                </a:solidFill>
+                <a:latin typeface="Tahoma"/>
+                <a:ea typeface="Tahoma"/>
+                <a:cs typeface="Tahoma"/>
+              </a:endParaRPr>
+            </a:p>
+          </p:txBody>
+        </p:sp>
+      </p:grpSp>
+    </p:spTree>
+  </p:cSld>
+  <p:clrMapOvr>
+    <a:masterClrMapping/>
+  </p:clrMapOvr>
+</p:sld>
+</file>
+
+<file path=ppt/slides/slide24.xml><?xml version="1.0" encoding="utf-8"?>
 <p:sld xmlns:a="http://schemas.openxmlformats.org/drawingml/2006/main" xmlns:r="http://schemas.openxmlformats.org/officeDocument/2006/relationships" xmlns:p="http://schemas.openxmlformats.org/presentationml/2006/main">
   <p:cSld>
     <p:spTree>
@@ -33306,7 +34784,7 @@
         </p:nvSpPr>
         <p:spPr>
           <a:xfrm>
-            <a:off x="634225" y="1344075"/>
+            <a:off x="600042" y="1170601"/>
             <a:ext cx="1548000" cy="3330000"/>
           </a:xfrm>
           <a:prstGeom prst="rect">
@@ -33366,7 +34844,7 @@
         </p:blipFill>
         <p:spPr>
           <a:xfrm>
-            <a:off x="281633" y="2212967"/>
+            <a:off x="247450" y="2039493"/>
             <a:ext cx="2253184" cy="1592215"/>
           </a:xfrm>
           <a:prstGeom prst="rect">
@@ -33392,7 +34870,7 @@
         </p:nvSpPr>
         <p:spPr>
           <a:xfrm>
-            <a:off x="2301367" y="1300874"/>
+            <a:off x="2267184" y="1127400"/>
             <a:ext cx="5201840" cy="3416400"/>
           </a:xfrm>
           <a:prstGeom prst="rect">
@@ -34734,7 +36212,7 @@
                 <a:cs typeface="Tahoma"/>
                 <a:sym typeface="Tahoma"/>
               </a:rPr>
-              <a:t>Служит точкой входа в DOM и средства рендеринга на сервере для </a:t>
+              <a:t>Служит точкой входа в DOM и средством рендеринга на сервере для </a:t>
             </a:r>
             <a:r>
               <a:rPr lang="ru-RU" dirty="0" err="1">
